--- a/2 前端/《你不知道的JavaScript》.pptx
+++ b/2 前端/《你不知道的JavaScript》.pptx
@@ -5,10 +5,20 @@
     <p:sldMasterId id="2147483648" r:id="rId1"/>
   </p:sldMasterIdLst>
   <p:notesMasterIdLst>
-    <p:notesMasterId r:id="rId3"/>
+    <p:notesMasterId r:id="rId13"/>
   </p:notesMasterIdLst>
   <p:sldIdLst>
-    <p:sldId id="704" r:id="rId2"/>
+    <p:sldId id="714" r:id="rId2"/>
+    <p:sldId id="704" r:id="rId3"/>
+    <p:sldId id="705" r:id="rId4"/>
+    <p:sldId id="706" r:id="rId5"/>
+    <p:sldId id="707" r:id="rId6"/>
+    <p:sldId id="708" r:id="rId7"/>
+    <p:sldId id="709" r:id="rId8"/>
+    <p:sldId id="710" r:id="rId9"/>
+    <p:sldId id="712" r:id="rId10"/>
+    <p:sldId id="711" r:id="rId11"/>
+    <p:sldId id="713" r:id="rId12"/>
   </p:sldIdLst>
   <p:sldSz cx="12192000" cy="6858000"/>
   <p:notesSz cx="6858000" cy="9144000"/>
@@ -200,7 +210,7 @@
           <a:p>
             <a:fld id="{7F25A8C7-CC1A-4A08-9B4B-31F43B054C7F}" type="datetimeFigureOut">
               <a:rPr lang="zh-CN" altLang="en-US" smtClean="0"/>
-              <a:t>2021/4/16</a:t>
+              <a:t>2021/4/17</a:t>
             </a:fld>
             <a:endParaRPr lang="zh-CN" altLang="en-US"/>
           </a:p>
@@ -496,7 +506,7 @@
           <a:p>
             <a:fld id="{760FBDFE-C587-4B4C-A407-44438C67B59E}" type="datetimeFigureOut">
               <a:rPr lang="zh-CN" altLang="en-US" smtClean="0"/>
-              <a:t>2021/4/16</a:t>
+              <a:t>2021/4/17</a:t>
             </a:fld>
             <a:endParaRPr lang="zh-CN" altLang="en-US"/>
           </a:p>
@@ -717,7 +727,7 @@
           <a:p>
             <a:fld id="{D997B5FA-0921-464F-AAE1-844C04324D75}" type="datetimeFigureOut">
               <a:rPr lang="zh-CN" altLang="en-US" smtClean="0"/>
-              <a:t>2021/4/16</a:t>
+              <a:t>2021/4/17</a:t>
             </a:fld>
             <a:endParaRPr lang="zh-CN" altLang="en-US" dirty="0"/>
           </a:p>
@@ -1173,6 +1183,405 @@
         </p:nvSpPr>
         <p:spPr>
           <a:xfrm>
+            <a:off x="1123925" y="1843950"/>
+            <a:ext cx="5314275" cy="3170099"/>
+          </a:xfrm>
+          <a:prstGeom prst="rect">
+            <a:avLst/>
+          </a:prstGeom>
+        </p:spPr>
+        <p:txBody>
+          <a:bodyPr wrap="none">
+            <a:spAutoFit/>
+          </a:bodyPr>
+          <a:lstStyle>
+            <a:defPPr>
+              <a:defRPr lang="zh-CN"/>
+            </a:defPPr>
+            <a:lvl1pPr>
+              <a:defRPr sz="4000" b="1">
+                <a:solidFill>
+                  <a:schemeClr val="bg2">
+                    <a:lumMod val="90000"/>
+                  </a:schemeClr>
+                </a:solidFill>
+                <a:latin typeface="Open Sans"/>
+              </a:defRPr>
+            </a:lvl1pPr>
+          </a:lstStyle>
+          <a:p>
+            <a:r>
+              <a:rPr lang="zh-CN" altLang="en-US" sz="20000" dirty="0">
+                <a:solidFill>
+                  <a:srgbClr val="F2BE00"/>
+                </a:solidFill>
+              </a:rPr>
+              <a:t>变量</a:t>
+            </a:r>
+          </a:p>
+        </p:txBody>
+      </p:sp>
+      <p:sp>
+        <p:nvSpPr>
+          <p:cNvPr id="3" name="文本框 2">
+            <a:extLst>
+              <a:ext uri="{FF2B5EF4-FFF2-40B4-BE49-F238E27FC236}">
+                <a16:creationId xmlns:a16="http://schemas.microsoft.com/office/drawing/2014/main" id="{F2775199-76F6-1040-8B94-110F2CDEA0E4}"/>
+              </a:ext>
+            </a:extLst>
+          </p:cNvPr>
+          <p:cNvSpPr txBox="1"/>
+          <p:nvPr/>
+        </p:nvSpPr>
+        <p:spPr>
+          <a:xfrm>
+            <a:off x="6899371" y="920620"/>
+            <a:ext cx="3262432" cy="5016758"/>
+          </a:xfrm>
+          <a:prstGeom prst="rect">
+            <a:avLst/>
+          </a:prstGeom>
+        </p:spPr>
+        <p:txBody>
+          <a:bodyPr wrap="none">
+            <a:spAutoFit/>
+          </a:bodyPr>
+          <a:lstStyle>
+            <a:defPPr>
+              <a:defRPr lang="zh-CN"/>
+            </a:defPPr>
+            <a:lvl1pPr>
+              <a:defRPr sz="4000" b="1">
+                <a:solidFill>
+                  <a:schemeClr val="bg2">
+                    <a:lumMod val="90000"/>
+                  </a:schemeClr>
+                </a:solidFill>
+                <a:latin typeface="Open Sans"/>
+              </a:defRPr>
+            </a:lvl1pPr>
+          </a:lstStyle>
+          <a:p>
+            <a:r>
+              <a:rPr lang="zh-CN" altLang="en-US" sz="8000" dirty="0">
+                <a:solidFill>
+                  <a:schemeClr val="tx1"/>
+                </a:solidFill>
+              </a:rPr>
+              <a:t>作用域</a:t>
+            </a:r>
+            <a:endParaRPr lang="en-US" altLang="zh-CN" sz="8000" dirty="0">
+              <a:solidFill>
+                <a:schemeClr val="tx1"/>
+              </a:solidFill>
+            </a:endParaRPr>
+          </a:p>
+          <a:p>
+            <a:r>
+              <a:rPr lang="zh-CN" altLang="en-US" sz="8000" dirty="0">
+                <a:solidFill>
+                  <a:schemeClr val="tx1"/>
+                </a:solidFill>
+              </a:rPr>
+              <a:t>闭包</a:t>
+            </a:r>
+            <a:endParaRPr lang="en-US" altLang="zh-CN" sz="8000" dirty="0">
+              <a:solidFill>
+                <a:schemeClr val="tx1"/>
+              </a:solidFill>
+            </a:endParaRPr>
+          </a:p>
+          <a:p>
+            <a:r>
+              <a:rPr lang="en-US" altLang="zh-CN" sz="8000" dirty="0">
+                <a:solidFill>
+                  <a:schemeClr val="tx1"/>
+                </a:solidFill>
+              </a:rPr>
+              <a:t>this</a:t>
+            </a:r>
+          </a:p>
+          <a:p>
+            <a:r>
+              <a:rPr lang="zh-CN" altLang="en-US" sz="8000" dirty="0">
+                <a:solidFill>
+                  <a:schemeClr val="tx1"/>
+                </a:solidFill>
+              </a:rPr>
+              <a:t>对象</a:t>
+            </a:r>
+          </a:p>
+        </p:txBody>
+      </p:sp>
+    </p:spTree>
+    <p:extLst>
+      <p:ext uri="{BB962C8B-B14F-4D97-AF65-F5344CB8AC3E}">
+        <p14:creationId xmlns:p14="http://schemas.microsoft.com/office/powerpoint/2010/main" val="299836323"/>
+      </p:ext>
+    </p:extLst>
+  </p:cSld>
+  <p:clrMapOvr>
+    <a:masterClrMapping/>
+  </p:clrMapOvr>
+</p:sld>
+</file>
+
+<file path=ppt/slides/slide10.xml><?xml version="1.0" encoding="utf-8"?>
+<p:sld xmlns:a="http://schemas.openxmlformats.org/drawingml/2006/main" xmlns:r="http://schemas.openxmlformats.org/officeDocument/2006/relationships" xmlns:p="http://schemas.openxmlformats.org/presentationml/2006/main">
+  <p:cSld>
+    <p:spTree>
+      <p:nvGrpSpPr>
+        <p:cNvPr id="1" name=""/>
+        <p:cNvGrpSpPr/>
+        <p:nvPr/>
+      </p:nvGrpSpPr>
+      <p:grpSpPr>
+        <a:xfrm>
+          <a:off x="0" y="0"/>
+          <a:ext cx="0" cy="0"/>
+          <a:chOff x="0" y="0"/>
+          <a:chExt cx="0" cy="0"/>
+        </a:xfrm>
+      </p:grpSpPr>
+      <p:sp>
+        <p:nvSpPr>
+          <p:cNvPr id="47" name="文本框 46">
+            <a:extLst>
+              <a:ext uri="{FF2B5EF4-FFF2-40B4-BE49-F238E27FC236}">
+                <a16:creationId xmlns:a16="http://schemas.microsoft.com/office/drawing/2014/main" id="{E2EF3B4C-7775-4D07-AA7B-E56542739ED6}"/>
+              </a:ext>
+            </a:extLst>
+          </p:cNvPr>
+          <p:cNvSpPr txBox="1"/>
+          <p:nvPr/>
+        </p:nvSpPr>
+        <p:spPr>
+          <a:xfrm>
+            <a:off x="674238" y="630177"/>
+            <a:ext cx="2646878" cy="830997"/>
+          </a:xfrm>
+          <a:prstGeom prst="rect">
+            <a:avLst/>
+          </a:prstGeom>
+        </p:spPr>
+        <p:txBody>
+          <a:bodyPr wrap="none">
+            <a:spAutoFit/>
+          </a:bodyPr>
+          <a:lstStyle>
+            <a:defPPr>
+              <a:defRPr lang="zh-CN"/>
+            </a:defPPr>
+            <a:lvl1pPr>
+              <a:defRPr sz="4000" b="1">
+                <a:solidFill>
+                  <a:schemeClr val="bg2">
+                    <a:lumMod val="90000"/>
+                  </a:schemeClr>
+                </a:solidFill>
+                <a:latin typeface="Open Sans"/>
+              </a:defRPr>
+            </a:lvl1pPr>
+          </a:lstStyle>
+          <a:p>
+            <a:r>
+              <a:rPr lang="zh-CN" altLang="en-US" sz="4800" dirty="0">
+                <a:solidFill>
+                  <a:srgbClr val="00B0F0"/>
+                </a:solidFill>
+              </a:rPr>
+              <a:t>垃圾收集</a:t>
+            </a:r>
+          </a:p>
+        </p:txBody>
+      </p:sp>
+      <p:sp>
+        <p:nvSpPr>
+          <p:cNvPr id="3" name="文本框 2">
+            <a:extLst>
+              <a:ext uri="{FF2B5EF4-FFF2-40B4-BE49-F238E27FC236}">
+                <a16:creationId xmlns:a16="http://schemas.microsoft.com/office/drawing/2014/main" id="{9FD7FF58-80D8-4B4C-A5CC-4C31E4CF0D48}"/>
+              </a:ext>
+            </a:extLst>
+          </p:cNvPr>
+          <p:cNvSpPr txBox="1"/>
+          <p:nvPr/>
+        </p:nvSpPr>
+        <p:spPr>
+          <a:xfrm>
+            <a:off x="3321116" y="1045675"/>
+            <a:ext cx="4311989" cy="369332"/>
+          </a:xfrm>
+          <a:prstGeom prst="rect">
+            <a:avLst/>
+          </a:prstGeom>
+        </p:spPr>
+        <p:txBody>
+          <a:bodyPr wrap="square">
+            <a:spAutoFit/>
+          </a:bodyPr>
+          <a:lstStyle>
+            <a:defPPr>
+              <a:defRPr lang="zh-CN"/>
+            </a:defPPr>
+            <a:lvl1pPr>
+              <a:lnSpc>
+                <a:spcPct val="100000"/>
+              </a:lnSpc>
+              <a:defRPr b="0">
+                <a:solidFill>
+                  <a:schemeClr val="bg2">
+                    <a:lumMod val="50000"/>
+                  </a:schemeClr>
+                </a:solidFill>
+                <a:latin typeface="PingFang SC Thin" panose="020B0200000000000000" pitchFamily="34" charset="-122"/>
+                <a:ea typeface="PingFang SC Thin" panose="020B0200000000000000" pitchFamily="34" charset="-122"/>
+                <a:cs typeface="Courier New" panose="02070309020205020404" pitchFamily="49" charset="0"/>
+              </a:defRPr>
+            </a:lvl1pPr>
+          </a:lstStyle>
+          <a:p>
+            <a:r>
+              <a:rPr lang="en-US" altLang="zh-CN" dirty="0"/>
+              <a:t>《JavaScript</a:t>
+            </a:r>
+            <a:r>
+              <a:rPr lang="zh-CN" altLang="en-US" dirty="0"/>
+              <a:t>高级程序设计</a:t>
+            </a:r>
+            <a:r>
+              <a:rPr lang="en-US" altLang="zh-CN" dirty="0"/>
+              <a:t>》</a:t>
+            </a:r>
+          </a:p>
+        </p:txBody>
+      </p:sp>
+    </p:spTree>
+    <p:extLst>
+      <p:ext uri="{BB962C8B-B14F-4D97-AF65-F5344CB8AC3E}">
+        <p14:creationId xmlns:p14="http://schemas.microsoft.com/office/powerpoint/2010/main" val="873862669"/>
+      </p:ext>
+    </p:extLst>
+  </p:cSld>
+  <p:clrMapOvr>
+    <a:masterClrMapping/>
+  </p:clrMapOvr>
+</p:sld>
+</file>
+
+<file path=ppt/slides/slide11.xml><?xml version="1.0" encoding="utf-8"?>
+<p:sld xmlns:a="http://schemas.openxmlformats.org/drawingml/2006/main" xmlns:r="http://schemas.openxmlformats.org/officeDocument/2006/relationships" xmlns:p="http://schemas.openxmlformats.org/presentationml/2006/main">
+  <p:cSld>
+    <p:spTree>
+      <p:nvGrpSpPr>
+        <p:cNvPr id="1" name=""/>
+        <p:cNvGrpSpPr/>
+        <p:nvPr/>
+      </p:nvGrpSpPr>
+      <p:grpSpPr>
+        <a:xfrm>
+          <a:off x="0" y="0"/>
+          <a:ext cx="0" cy="0"/>
+          <a:chOff x="0" y="0"/>
+          <a:chExt cx="0" cy="0"/>
+        </a:xfrm>
+      </p:grpSpPr>
+      <p:sp>
+        <p:nvSpPr>
+          <p:cNvPr id="47" name="文本框 46">
+            <a:extLst>
+              <a:ext uri="{FF2B5EF4-FFF2-40B4-BE49-F238E27FC236}">
+                <a16:creationId xmlns:a16="http://schemas.microsoft.com/office/drawing/2014/main" id="{E2EF3B4C-7775-4D07-AA7B-E56542739ED6}"/>
+              </a:ext>
+            </a:extLst>
+          </p:cNvPr>
+          <p:cNvSpPr txBox="1"/>
+          <p:nvPr/>
+        </p:nvSpPr>
+        <p:spPr>
+          <a:xfrm>
+            <a:off x="3438862" y="1843950"/>
+            <a:ext cx="5314275" cy="3170099"/>
+          </a:xfrm>
+          <a:prstGeom prst="rect">
+            <a:avLst/>
+          </a:prstGeom>
+        </p:spPr>
+        <p:txBody>
+          <a:bodyPr wrap="none">
+            <a:spAutoFit/>
+          </a:bodyPr>
+          <a:lstStyle>
+            <a:defPPr>
+              <a:defRPr lang="zh-CN"/>
+            </a:defPPr>
+            <a:lvl1pPr>
+              <a:defRPr sz="4000" b="1">
+                <a:solidFill>
+                  <a:schemeClr val="bg2">
+                    <a:lumMod val="90000"/>
+                  </a:schemeClr>
+                </a:solidFill>
+                <a:latin typeface="Open Sans"/>
+              </a:defRPr>
+            </a:lvl1pPr>
+          </a:lstStyle>
+          <a:p>
+            <a:r>
+              <a:rPr lang="zh-CN" altLang="en-US" sz="20000" dirty="0">
+                <a:solidFill>
+                  <a:srgbClr val="F2BE00"/>
+                </a:solidFill>
+              </a:rPr>
+              <a:t>异步</a:t>
+            </a:r>
+          </a:p>
+        </p:txBody>
+      </p:sp>
+    </p:spTree>
+    <p:extLst>
+      <p:ext uri="{BB962C8B-B14F-4D97-AF65-F5344CB8AC3E}">
+        <p14:creationId xmlns:p14="http://schemas.microsoft.com/office/powerpoint/2010/main" val="1322881263"/>
+      </p:ext>
+    </p:extLst>
+  </p:cSld>
+  <p:clrMapOvr>
+    <a:masterClrMapping/>
+  </p:clrMapOvr>
+</p:sld>
+</file>
+
+<file path=ppt/slides/slide2.xml><?xml version="1.0" encoding="utf-8"?>
+<p:sld xmlns:a="http://schemas.openxmlformats.org/drawingml/2006/main" xmlns:r="http://schemas.openxmlformats.org/officeDocument/2006/relationships" xmlns:p="http://schemas.openxmlformats.org/presentationml/2006/main">
+  <p:cSld>
+    <p:spTree>
+      <p:nvGrpSpPr>
+        <p:cNvPr id="1" name=""/>
+        <p:cNvGrpSpPr/>
+        <p:nvPr/>
+      </p:nvGrpSpPr>
+      <p:grpSpPr>
+        <a:xfrm>
+          <a:off x="0" y="0"/>
+          <a:ext cx="0" cy="0"/>
+          <a:chOff x="0" y="0"/>
+          <a:chExt cx="0" cy="0"/>
+        </a:xfrm>
+      </p:grpSpPr>
+      <p:sp>
+        <p:nvSpPr>
+          <p:cNvPr id="47" name="文本框 46">
+            <a:extLst>
+              <a:ext uri="{FF2B5EF4-FFF2-40B4-BE49-F238E27FC236}">
+                <a16:creationId xmlns:a16="http://schemas.microsoft.com/office/drawing/2014/main" id="{E2EF3B4C-7775-4D07-AA7B-E56542739ED6}"/>
+              </a:ext>
+            </a:extLst>
+          </p:cNvPr>
+          <p:cNvSpPr txBox="1"/>
+          <p:nvPr/>
+        </p:nvSpPr>
+        <p:spPr>
+          <a:xfrm>
             <a:off x="674238" y="630177"/>
             <a:ext cx="2031325" cy="830997"/>
           </a:xfrm>
@@ -1377,10 +1786,1686 @@
           </a:p>
         </p:txBody>
       </p:sp>
+      <p:sp>
+        <p:nvSpPr>
+          <p:cNvPr id="5" name="文本框 4">
+            <a:extLst>
+              <a:ext uri="{FF2B5EF4-FFF2-40B4-BE49-F238E27FC236}">
+                <a16:creationId xmlns:a16="http://schemas.microsoft.com/office/drawing/2014/main" id="{CD8E9B6D-CB96-1B42-8D59-D7DC5BFE4014}"/>
+              </a:ext>
+            </a:extLst>
+          </p:cNvPr>
+          <p:cNvSpPr txBox="1"/>
+          <p:nvPr/>
+        </p:nvSpPr>
+        <p:spPr>
+          <a:xfrm>
+            <a:off x="2705563" y="1045675"/>
+            <a:ext cx="4311989" cy="369332"/>
+          </a:xfrm>
+          <a:prstGeom prst="rect">
+            <a:avLst/>
+          </a:prstGeom>
+        </p:spPr>
+        <p:txBody>
+          <a:bodyPr wrap="square">
+            <a:spAutoFit/>
+          </a:bodyPr>
+          <a:lstStyle>
+            <a:defPPr>
+              <a:defRPr lang="zh-CN"/>
+            </a:defPPr>
+            <a:lvl1pPr>
+              <a:lnSpc>
+                <a:spcPct val="100000"/>
+              </a:lnSpc>
+              <a:defRPr b="0">
+                <a:solidFill>
+                  <a:schemeClr val="bg2">
+                    <a:lumMod val="50000"/>
+                  </a:schemeClr>
+                </a:solidFill>
+                <a:latin typeface="PingFang SC Thin" panose="020B0200000000000000" pitchFamily="34" charset="-122"/>
+                <a:ea typeface="PingFang SC Thin" panose="020B0200000000000000" pitchFamily="34" charset="-122"/>
+                <a:cs typeface="Courier New" panose="02070309020205020404" pitchFamily="49" charset="0"/>
+              </a:defRPr>
+            </a:lvl1pPr>
+          </a:lstStyle>
+          <a:p>
+            <a:r>
+              <a:rPr lang="en-US" altLang="zh-CN" dirty="0"/>
+              <a:t>《</a:t>
+            </a:r>
+            <a:r>
+              <a:rPr lang="zh-CN" altLang="en-US" dirty="0"/>
+              <a:t>你不知道的</a:t>
+            </a:r>
+            <a:r>
+              <a:rPr lang="en-US" altLang="zh-CN" dirty="0"/>
+              <a:t>JavaScript》</a:t>
+            </a:r>
+          </a:p>
+        </p:txBody>
+      </p:sp>
     </p:spTree>
     <p:extLst>
       <p:ext uri="{BB962C8B-B14F-4D97-AF65-F5344CB8AC3E}">
         <p14:creationId xmlns:p14="http://schemas.microsoft.com/office/powerpoint/2010/main" val="2191091071"/>
+      </p:ext>
+    </p:extLst>
+  </p:cSld>
+  <p:clrMapOvr>
+    <a:masterClrMapping/>
+  </p:clrMapOvr>
+</p:sld>
+</file>
+
+<file path=ppt/slides/slide3.xml><?xml version="1.0" encoding="utf-8"?>
+<p:sld xmlns:a="http://schemas.openxmlformats.org/drawingml/2006/main" xmlns:r="http://schemas.openxmlformats.org/officeDocument/2006/relationships" xmlns:p="http://schemas.openxmlformats.org/presentationml/2006/main">
+  <p:cSld>
+    <p:spTree>
+      <p:nvGrpSpPr>
+        <p:cNvPr id="1" name=""/>
+        <p:cNvGrpSpPr/>
+        <p:nvPr/>
+      </p:nvGrpSpPr>
+      <p:grpSpPr>
+        <a:xfrm>
+          <a:off x="0" y="0"/>
+          <a:ext cx="0" cy="0"/>
+          <a:chOff x="0" y="0"/>
+          <a:chExt cx="0" cy="0"/>
+        </a:xfrm>
+      </p:grpSpPr>
+      <p:sp>
+        <p:nvSpPr>
+          <p:cNvPr id="47" name="文本框 46">
+            <a:extLst>
+              <a:ext uri="{FF2B5EF4-FFF2-40B4-BE49-F238E27FC236}">
+                <a16:creationId xmlns:a16="http://schemas.microsoft.com/office/drawing/2014/main" id="{E2EF3B4C-7775-4D07-AA7B-E56542739ED6}"/>
+              </a:ext>
+            </a:extLst>
+          </p:cNvPr>
+          <p:cNvSpPr txBox="1"/>
+          <p:nvPr/>
+        </p:nvSpPr>
+        <p:spPr>
+          <a:xfrm>
+            <a:off x="674238" y="630177"/>
+            <a:ext cx="1415772" cy="830997"/>
+          </a:xfrm>
+          <a:prstGeom prst="rect">
+            <a:avLst/>
+          </a:prstGeom>
+        </p:spPr>
+        <p:txBody>
+          <a:bodyPr wrap="none">
+            <a:spAutoFit/>
+          </a:bodyPr>
+          <a:lstStyle>
+            <a:defPPr>
+              <a:defRPr lang="zh-CN"/>
+            </a:defPPr>
+            <a:lvl1pPr>
+              <a:defRPr sz="4000" b="1">
+                <a:solidFill>
+                  <a:schemeClr val="bg2">
+                    <a:lumMod val="90000"/>
+                  </a:schemeClr>
+                </a:solidFill>
+                <a:latin typeface="Open Sans"/>
+              </a:defRPr>
+            </a:lvl1pPr>
+          </a:lstStyle>
+          <a:p>
+            <a:r>
+              <a:rPr lang="zh-CN" altLang="en-US" sz="4800" dirty="0">
+                <a:solidFill>
+                  <a:srgbClr val="00B0F0"/>
+                </a:solidFill>
+              </a:rPr>
+              <a:t>类型</a:t>
+            </a:r>
+          </a:p>
+        </p:txBody>
+      </p:sp>
+      <p:sp>
+        <p:nvSpPr>
+          <p:cNvPr id="37" name="文本框 36">
+            <a:extLst>
+              <a:ext uri="{FF2B5EF4-FFF2-40B4-BE49-F238E27FC236}">
+                <a16:creationId xmlns:a16="http://schemas.microsoft.com/office/drawing/2014/main" id="{89065613-2589-5649-8FBA-3226869986D0}"/>
+              </a:ext>
+            </a:extLst>
+          </p:cNvPr>
+          <p:cNvSpPr txBox="1"/>
+          <p:nvPr/>
+        </p:nvSpPr>
+        <p:spPr>
+          <a:xfrm>
+            <a:off x="1385427" y="1743416"/>
+            <a:ext cx="3081066" cy="3102709"/>
+          </a:xfrm>
+          <a:prstGeom prst="rect">
+            <a:avLst/>
+          </a:prstGeom>
+        </p:spPr>
+        <p:txBody>
+          <a:bodyPr wrap="square">
+            <a:spAutoFit/>
+          </a:bodyPr>
+          <a:lstStyle>
+            <a:defPPr>
+              <a:defRPr lang="zh-CN"/>
+            </a:defPPr>
+            <a:lvl1pPr>
+              <a:lnSpc>
+                <a:spcPct val="150000"/>
+              </a:lnSpc>
+              <a:defRPr b="0">
+                <a:solidFill>
+                  <a:schemeClr val="tx1">
+                    <a:lumMod val="75000"/>
+                    <a:lumOff val="25000"/>
+                  </a:schemeClr>
+                </a:solidFill>
+                <a:latin typeface="PingFang SC Thin" panose="020B0200000000000000" pitchFamily="34" charset="-122"/>
+                <a:ea typeface="PingFang SC Thin" panose="020B0200000000000000" pitchFamily="34" charset="-122"/>
+              </a:defRPr>
+            </a:lvl1pPr>
+          </a:lstStyle>
+          <a:p>
+            <a:r>
+              <a:rPr lang="zh-CN" altLang="en-US" sz="2400" b="1" dirty="0">
+                <a:latin typeface="Microsoft YaHei" panose="020B0503020204020204" pitchFamily="34" charset="-122"/>
+                <a:ea typeface="Microsoft YaHei" panose="020B0503020204020204" pitchFamily="34" charset="-122"/>
+              </a:rPr>
+              <a:t>基本类型</a:t>
+            </a:r>
+            <a:endParaRPr lang="en-US" altLang="zh-CN" sz="2400" b="1" dirty="0">
+              <a:latin typeface="Microsoft YaHei" panose="020B0503020204020204" pitchFamily="34" charset="-122"/>
+              <a:ea typeface="Microsoft YaHei" panose="020B0503020204020204" pitchFamily="34" charset="-122"/>
+            </a:endParaRPr>
+          </a:p>
+          <a:p>
+            <a:r>
+              <a:rPr lang="en-US" altLang="zh-CN" dirty="0"/>
+              <a:t>string</a:t>
+            </a:r>
+          </a:p>
+          <a:p>
+            <a:r>
+              <a:rPr lang="en-US" altLang="zh-CN" dirty="0"/>
+              <a:t>number</a:t>
+            </a:r>
+          </a:p>
+          <a:p>
+            <a:r>
+              <a:rPr lang="en-US" altLang="zh-CN" dirty="0"/>
+              <a:t>boolean</a:t>
+            </a:r>
+          </a:p>
+          <a:p>
+            <a:r>
+              <a:rPr lang="en-US" altLang="zh-CN" dirty="0"/>
+              <a:t>null</a:t>
+            </a:r>
+          </a:p>
+          <a:p>
+            <a:r>
+              <a:rPr lang="en-US" altLang="zh-CN" dirty="0"/>
+              <a:t>undefined</a:t>
+            </a:r>
+          </a:p>
+          <a:p>
+            <a:r>
+              <a:rPr lang="en-US" altLang="zh-CN" dirty="0"/>
+              <a:t>object</a:t>
+            </a:r>
+            <a:r>
+              <a:rPr lang="zh-CN" altLang="en-US" dirty="0"/>
+              <a:t>（函数、数组）</a:t>
+            </a:r>
+            <a:endParaRPr lang="en-US" altLang="zh-CN" dirty="0"/>
+          </a:p>
+        </p:txBody>
+      </p:sp>
+      <p:sp>
+        <p:nvSpPr>
+          <p:cNvPr id="5" name="文本框 4">
+            <a:extLst>
+              <a:ext uri="{FF2B5EF4-FFF2-40B4-BE49-F238E27FC236}">
+                <a16:creationId xmlns:a16="http://schemas.microsoft.com/office/drawing/2014/main" id="{BE31C4DC-4F21-254D-A242-7F0605F27337}"/>
+              </a:ext>
+            </a:extLst>
+          </p:cNvPr>
+          <p:cNvSpPr txBox="1"/>
+          <p:nvPr/>
+        </p:nvSpPr>
+        <p:spPr>
+          <a:xfrm>
+            <a:off x="5863643" y="1743416"/>
+            <a:ext cx="3081066" cy="4349204"/>
+          </a:xfrm>
+          <a:prstGeom prst="rect">
+            <a:avLst/>
+          </a:prstGeom>
+        </p:spPr>
+        <p:txBody>
+          <a:bodyPr wrap="square">
+            <a:spAutoFit/>
+          </a:bodyPr>
+          <a:lstStyle>
+            <a:defPPr>
+              <a:defRPr lang="zh-CN"/>
+            </a:defPPr>
+            <a:lvl1pPr>
+              <a:lnSpc>
+                <a:spcPct val="150000"/>
+              </a:lnSpc>
+              <a:defRPr b="0">
+                <a:solidFill>
+                  <a:schemeClr val="tx1">
+                    <a:lumMod val="75000"/>
+                    <a:lumOff val="25000"/>
+                  </a:schemeClr>
+                </a:solidFill>
+                <a:latin typeface="PingFang SC Thin" panose="020B0200000000000000" pitchFamily="34" charset="-122"/>
+                <a:ea typeface="PingFang SC Thin" panose="020B0200000000000000" pitchFamily="34" charset="-122"/>
+              </a:defRPr>
+            </a:lvl1pPr>
+          </a:lstStyle>
+          <a:p>
+            <a:r>
+              <a:rPr lang="zh-CN" altLang="en-US" sz="2400" b="1" dirty="0">
+                <a:latin typeface="Microsoft YaHei" panose="020B0503020204020204" pitchFamily="34" charset="-122"/>
+                <a:ea typeface="Microsoft YaHei" panose="020B0503020204020204" pitchFamily="34" charset="-122"/>
+              </a:rPr>
+              <a:t>内置对象</a:t>
+            </a:r>
+            <a:endParaRPr lang="en-US" altLang="zh-CN" sz="2400" b="1" dirty="0">
+              <a:latin typeface="Microsoft YaHei" panose="020B0503020204020204" pitchFamily="34" charset="-122"/>
+              <a:ea typeface="Microsoft YaHei" panose="020B0503020204020204" pitchFamily="34" charset="-122"/>
+            </a:endParaRPr>
+          </a:p>
+          <a:p>
+            <a:r>
+              <a:rPr lang="en-US" altLang="zh-CN" dirty="0"/>
+              <a:t>String</a:t>
+            </a:r>
+          </a:p>
+          <a:p>
+            <a:r>
+              <a:rPr lang="en-US" altLang="zh-CN" dirty="0"/>
+              <a:t>Number</a:t>
+            </a:r>
+          </a:p>
+          <a:p>
+            <a:r>
+              <a:rPr lang="en-US" altLang="zh-CN" dirty="0"/>
+              <a:t>Boolean</a:t>
+            </a:r>
+          </a:p>
+          <a:p>
+            <a:r>
+              <a:rPr lang="en-US" altLang="zh-CN" dirty="0"/>
+              <a:t>Object</a:t>
+            </a:r>
+          </a:p>
+          <a:p>
+            <a:r>
+              <a:rPr lang="en-US" altLang="zh-CN" dirty="0"/>
+              <a:t>Function</a:t>
+            </a:r>
+          </a:p>
+          <a:p>
+            <a:r>
+              <a:rPr lang="en-US" altLang="zh-CN" dirty="0"/>
+              <a:t>Array</a:t>
+            </a:r>
+          </a:p>
+          <a:p>
+            <a:r>
+              <a:rPr lang="en-US" altLang="zh-CN" dirty="0"/>
+              <a:t>Date</a:t>
+            </a:r>
+          </a:p>
+          <a:p>
+            <a:r>
+              <a:rPr lang="en-US" altLang="zh-CN" dirty="0"/>
+              <a:t>RegExp</a:t>
+            </a:r>
+          </a:p>
+          <a:p>
+            <a:r>
+              <a:rPr lang="en-US" altLang="zh-CN" dirty="0"/>
+              <a:t>Error</a:t>
+            </a:r>
+          </a:p>
+        </p:txBody>
+      </p:sp>
+      <p:sp>
+        <p:nvSpPr>
+          <p:cNvPr id="6" name="文本框 5">
+            <a:extLst>
+              <a:ext uri="{FF2B5EF4-FFF2-40B4-BE49-F238E27FC236}">
+                <a16:creationId xmlns:a16="http://schemas.microsoft.com/office/drawing/2014/main" id="{CFF64B49-D092-8E4A-8244-3081279A5687}"/>
+              </a:ext>
+            </a:extLst>
+          </p:cNvPr>
+          <p:cNvSpPr txBox="1"/>
+          <p:nvPr/>
+        </p:nvSpPr>
+        <p:spPr>
+          <a:xfrm>
+            <a:off x="2090010" y="1045675"/>
+            <a:ext cx="4311989" cy="369332"/>
+          </a:xfrm>
+          <a:prstGeom prst="rect">
+            <a:avLst/>
+          </a:prstGeom>
+        </p:spPr>
+        <p:txBody>
+          <a:bodyPr wrap="square">
+            <a:spAutoFit/>
+          </a:bodyPr>
+          <a:lstStyle>
+            <a:defPPr>
+              <a:defRPr lang="zh-CN"/>
+            </a:defPPr>
+            <a:lvl1pPr>
+              <a:lnSpc>
+                <a:spcPct val="100000"/>
+              </a:lnSpc>
+              <a:defRPr b="0">
+                <a:solidFill>
+                  <a:schemeClr val="bg2">
+                    <a:lumMod val="50000"/>
+                  </a:schemeClr>
+                </a:solidFill>
+                <a:latin typeface="PingFang SC Thin" panose="020B0200000000000000" pitchFamily="34" charset="-122"/>
+                <a:ea typeface="PingFang SC Thin" panose="020B0200000000000000" pitchFamily="34" charset="-122"/>
+                <a:cs typeface="Courier New" panose="02070309020205020404" pitchFamily="49" charset="0"/>
+              </a:defRPr>
+            </a:lvl1pPr>
+          </a:lstStyle>
+          <a:p>
+            <a:r>
+              <a:rPr lang="en-US" altLang="zh-CN" dirty="0"/>
+              <a:t>《</a:t>
+            </a:r>
+            <a:r>
+              <a:rPr lang="zh-CN" altLang="en-US" dirty="0"/>
+              <a:t>你不知道的</a:t>
+            </a:r>
+            <a:r>
+              <a:rPr lang="en-US" altLang="zh-CN" dirty="0"/>
+              <a:t>JavaScript》</a:t>
+            </a:r>
+          </a:p>
+        </p:txBody>
+      </p:sp>
+    </p:spTree>
+    <p:extLst>
+      <p:ext uri="{BB962C8B-B14F-4D97-AF65-F5344CB8AC3E}">
+        <p14:creationId xmlns:p14="http://schemas.microsoft.com/office/powerpoint/2010/main" val="3879653507"/>
+      </p:ext>
+    </p:extLst>
+  </p:cSld>
+  <p:clrMapOvr>
+    <a:masterClrMapping/>
+  </p:clrMapOvr>
+</p:sld>
+</file>
+
+<file path=ppt/slides/slide4.xml><?xml version="1.0" encoding="utf-8"?>
+<p:sld xmlns:a="http://schemas.openxmlformats.org/drawingml/2006/main" xmlns:r="http://schemas.openxmlformats.org/officeDocument/2006/relationships" xmlns:p="http://schemas.openxmlformats.org/presentationml/2006/main">
+  <p:cSld>
+    <p:spTree>
+      <p:nvGrpSpPr>
+        <p:cNvPr id="1" name=""/>
+        <p:cNvGrpSpPr/>
+        <p:nvPr/>
+      </p:nvGrpSpPr>
+      <p:grpSpPr>
+        <a:xfrm>
+          <a:off x="0" y="0"/>
+          <a:ext cx="0" cy="0"/>
+          <a:chOff x="0" y="0"/>
+          <a:chExt cx="0" cy="0"/>
+        </a:xfrm>
+      </p:grpSpPr>
+      <p:sp>
+        <p:nvSpPr>
+          <p:cNvPr id="47" name="文本框 46">
+            <a:extLst>
+              <a:ext uri="{FF2B5EF4-FFF2-40B4-BE49-F238E27FC236}">
+                <a16:creationId xmlns:a16="http://schemas.microsoft.com/office/drawing/2014/main" id="{E2EF3B4C-7775-4D07-AA7B-E56542739ED6}"/>
+              </a:ext>
+            </a:extLst>
+          </p:cNvPr>
+          <p:cNvSpPr txBox="1"/>
+          <p:nvPr/>
+        </p:nvSpPr>
+        <p:spPr>
+          <a:xfrm>
+            <a:off x="674238" y="630177"/>
+            <a:ext cx="1239442" cy="830997"/>
+          </a:xfrm>
+          <a:prstGeom prst="rect">
+            <a:avLst/>
+          </a:prstGeom>
+        </p:spPr>
+        <p:txBody>
+          <a:bodyPr wrap="none">
+            <a:spAutoFit/>
+          </a:bodyPr>
+          <a:lstStyle>
+            <a:defPPr>
+              <a:defRPr lang="zh-CN"/>
+            </a:defPPr>
+            <a:lvl1pPr>
+              <a:defRPr sz="4000" b="1">
+                <a:solidFill>
+                  <a:schemeClr val="bg2">
+                    <a:lumMod val="90000"/>
+                  </a:schemeClr>
+                </a:solidFill>
+                <a:latin typeface="Open Sans"/>
+              </a:defRPr>
+            </a:lvl1pPr>
+          </a:lstStyle>
+          <a:p>
+            <a:r>
+              <a:rPr lang="en-US" altLang="zh-CN" sz="4800" dirty="0">
+                <a:solidFill>
+                  <a:srgbClr val="00B0F0"/>
+                </a:solidFill>
+              </a:rPr>
+              <a:t>this</a:t>
+            </a:r>
+            <a:endParaRPr lang="zh-CN" altLang="en-US" sz="4800" dirty="0">
+              <a:solidFill>
+                <a:srgbClr val="00B0F0"/>
+              </a:solidFill>
+            </a:endParaRPr>
+          </a:p>
+        </p:txBody>
+      </p:sp>
+      <p:sp>
+        <p:nvSpPr>
+          <p:cNvPr id="6" name="文本框 5">
+            <a:extLst>
+              <a:ext uri="{FF2B5EF4-FFF2-40B4-BE49-F238E27FC236}">
+                <a16:creationId xmlns:a16="http://schemas.microsoft.com/office/drawing/2014/main" id="{3EDA7B10-7D20-A04E-8FE5-715BEF138BC2}"/>
+              </a:ext>
+            </a:extLst>
+          </p:cNvPr>
+          <p:cNvSpPr txBox="1"/>
+          <p:nvPr/>
+        </p:nvSpPr>
+        <p:spPr>
+          <a:xfrm>
+            <a:off x="1385426" y="1743416"/>
+            <a:ext cx="4311989" cy="1719702"/>
+          </a:xfrm>
+          <a:prstGeom prst="rect">
+            <a:avLst/>
+          </a:prstGeom>
+        </p:spPr>
+        <p:txBody>
+          <a:bodyPr wrap="square">
+            <a:spAutoFit/>
+          </a:bodyPr>
+          <a:lstStyle>
+            <a:defPPr>
+              <a:defRPr lang="zh-CN"/>
+            </a:defPPr>
+            <a:lvl1pPr>
+              <a:lnSpc>
+                <a:spcPct val="150000"/>
+              </a:lnSpc>
+              <a:defRPr b="0">
+                <a:solidFill>
+                  <a:schemeClr val="tx1">
+                    <a:lumMod val="75000"/>
+                    <a:lumOff val="25000"/>
+                  </a:schemeClr>
+                </a:solidFill>
+                <a:latin typeface="PingFang SC Thin" panose="020B0200000000000000" pitchFamily="34" charset="-122"/>
+                <a:ea typeface="PingFang SC Thin" panose="020B0200000000000000" pitchFamily="34" charset="-122"/>
+              </a:defRPr>
+            </a:lvl1pPr>
+          </a:lstStyle>
+          <a:p>
+            <a:r>
+              <a:rPr lang="zh-CN" altLang="en-US" dirty="0">
+                <a:solidFill>
+                  <a:schemeClr val="tx1"/>
+                </a:solidFill>
+                <a:latin typeface="Courier New" panose="02070309020205020404" pitchFamily="49" charset="0"/>
+                <a:cs typeface="Courier New" panose="02070309020205020404" pitchFamily="49" charset="0"/>
+              </a:rPr>
+              <a:t>调用位置</a:t>
+            </a:r>
+            <a:endParaRPr lang="en-US" altLang="zh-CN" dirty="0">
+              <a:solidFill>
+                <a:schemeClr val="tx1"/>
+              </a:solidFill>
+              <a:latin typeface="Courier New" panose="02070309020205020404" pitchFamily="49" charset="0"/>
+              <a:cs typeface="Courier New" panose="02070309020205020404" pitchFamily="49" charset="0"/>
+            </a:endParaRPr>
+          </a:p>
+          <a:p>
+            <a:r>
+              <a:rPr lang="zh-CN" altLang="en-US" dirty="0">
+                <a:solidFill>
+                  <a:schemeClr val="tx1"/>
+                </a:solidFill>
+                <a:latin typeface="Courier New" panose="02070309020205020404" pitchFamily="49" charset="0"/>
+                <a:cs typeface="Courier New" panose="02070309020205020404" pitchFamily="49" charset="0"/>
+              </a:rPr>
+              <a:t>绑定规则</a:t>
+            </a:r>
+            <a:endParaRPr lang="en-US" altLang="zh-CN" dirty="0">
+              <a:solidFill>
+                <a:schemeClr val="tx1"/>
+              </a:solidFill>
+              <a:latin typeface="Courier New" panose="02070309020205020404" pitchFamily="49" charset="0"/>
+              <a:cs typeface="Courier New" panose="02070309020205020404" pitchFamily="49" charset="0"/>
+            </a:endParaRPr>
+          </a:p>
+          <a:p>
+            <a:r>
+              <a:rPr lang="zh-CN" altLang="en-US" dirty="0">
+                <a:solidFill>
+                  <a:schemeClr val="tx1"/>
+                </a:solidFill>
+                <a:latin typeface="Courier New" panose="02070309020205020404" pitchFamily="49" charset="0"/>
+                <a:cs typeface="Courier New" panose="02070309020205020404" pitchFamily="49" charset="0"/>
+              </a:rPr>
+              <a:t>优先级</a:t>
+            </a:r>
+            <a:endParaRPr lang="en-US" altLang="zh-CN" dirty="0">
+              <a:solidFill>
+                <a:schemeClr val="tx1"/>
+              </a:solidFill>
+              <a:latin typeface="Courier New" panose="02070309020205020404" pitchFamily="49" charset="0"/>
+              <a:cs typeface="Courier New" panose="02070309020205020404" pitchFamily="49" charset="0"/>
+            </a:endParaRPr>
+          </a:p>
+          <a:p>
+            <a:r>
+              <a:rPr lang="zh-CN" altLang="en-US" dirty="0">
+                <a:solidFill>
+                  <a:schemeClr val="tx1"/>
+                </a:solidFill>
+                <a:latin typeface="Courier New" panose="02070309020205020404" pitchFamily="49" charset="0"/>
+                <a:cs typeface="Courier New" panose="02070309020205020404" pitchFamily="49" charset="0"/>
+              </a:rPr>
+              <a:t>绑定例外</a:t>
+            </a:r>
+            <a:endParaRPr lang="en-US" altLang="zh-CN" dirty="0">
+              <a:solidFill>
+                <a:schemeClr val="tx1"/>
+              </a:solidFill>
+              <a:latin typeface="Courier New" panose="02070309020205020404" pitchFamily="49" charset="0"/>
+              <a:cs typeface="Courier New" panose="02070309020205020404" pitchFamily="49" charset="0"/>
+            </a:endParaRPr>
+          </a:p>
+        </p:txBody>
+      </p:sp>
+      <p:sp>
+        <p:nvSpPr>
+          <p:cNvPr id="7" name="文本框 6">
+            <a:extLst>
+              <a:ext uri="{FF2B5EF4-FFF2-40B4-BE49-F238E27FC236}">
+                <a16:creationId xmlns:a16="http://schemas.microsoft.com/office/drawing/2014/main" id="{C68A20B4-7C5A-A547-B06B-D2D46D7A15FD}"/>
+              </a:ext>
+            </a:extLst>
+          </p:cNvPr>
+          <p:cNvSpPr txBox="1"/>
+          <p:nvPr/>
+        </p:nvSpPr>
+        <p:spPr>
+          <a:xfrm>
+            <a:off x="1913680" y="1045675"/>
+            <a:ext cx="4311989" cy="369332"/>
+          </a:xfrm>
+          <a:prstGeom prst="rect">
+            <a:avLst/>
+          </a:prstGeom>
+        </p:spPr>
+        <p:txBody>
+          <a:bodyPr wrap="square">
+            <a:spAutoFit/>
+          </a:bodyPr>
+          <a:lstStyle>
+            <a:defPPr>
+              <a:defRPr lang="zh-CN"/>
+            </a:defPPr>
+            <a:lvl1pPr>
+              <a:lnSpc>
+                <a:spcPct val="100000"/>
+              </a:lnSpc>
+              <a:defRPr b="0">
+                <a:solidFill>
+                  <a:schemeClr val="bg2">
+                    <a:lumMod val="50000"/>
+                  </a:schemeClr>
+                </a:solidFill>
+                <a:latin typeface="PingFang SC Thin" panose="020B0200000000000000" pitchFamily="34" charset="-122"/>
+                <a:ea typeface="PingFang SC Thin" panose="020B0200000000000000" pitchFamily="34" charset="-122"/>
+                <a:cs typeface="Courier New" panose="02070309020205020404" pitchFamily="49" charset="0"/>
+              </a:defRPr>
+            </a:lvl1pPr>
+          </a:lstStyle>
+          <a:p>
+            <a:r>
+              <a:rPr lang="en-US" altLang="zh-CN" dirty="0"/>
+              <a:t>《</a:t>
+            </a:r>
+            <a:r>
+              <a:rPr lang="zh-CN" altLang="en-US" dirty="0"/>
+              <a:t>你不知道的</a:t>
+            </a:r>
+            <a:r>
+              <a:rPr lang="en-US" altLang="zh-CN" dirty="0"/>
+              <a:t>JavaScript》</a:t>
+            </a:r>
+          </a:p>
+        </p:txBody>
+      </p:sp>
+    </p:spTree>
+    <p:extLst>
+      <p:ext uri="{BB962C8B-B14F-4D97-AF65-F5344CB8AC3E}">
+        <p14:creationId xmlns:p14="http://schemas.microsoft.com/office/powerpoint/2010/main" val="1847065353"/>
+      </p:ext>
+    </p:extLst>
+  </p:cSld>
+  <p:clrMapOvr>
+    <a:masterClrMapping/>
+  </p:clrMapOvr>
+</p:sld>
+</file>
+
+<file path=ppt/slides/slide5.xml><?xml version="1.0" encoding="utf-8"?>
+<p:sld xmlns:a="http://schemas.openxmlformats.org/drawingml/2006/main" xmlns:r="http://schemas.openxmlformats.org/officeDocument/2006/relationships" xmlns:p="http://schemas.openxmlformats.org/presentationml/2006/main">
+  <p:cSld>
+    <p:spTree>
+      <p:nvGrpSpPr>
+        <p:cNvPr id="1" name=""/>
+        <p:cNvGrpSpPr/>
+        <p:nvPr/>
+      </p:nvGrpSpPr>
+      <p:grpSpPr>
+        <a:xfrm>
+          <a:off x="0" y="0"/>
+          <a:ext cx="0" cy="0"/>
+          <a:chOff x="0" y="0"/>
+          <a:chExt cx="0" cy="0"/>
+        </a:xfrm>
+      </p:grpSpPr>
+      <p:sp>
+        <p:nvSpPr>
+          <p:cNvPr id="47" name="文本框 46">
+            <a:extLst>
+              <a:ext uri="{FF2B5EF4-FFF2-40B4-BE49-F238E27FC236}">
+                <a16:creationId xmlns:a16="http://schemas.microsoft.com/office/drawing/2014/main" id="{E2EF3B4C-7775-4D07-AA7B-E56542739ED6}"/>
+              </a:ext>
+            </a:extLst>
+          </p:cNvPr>
+          <p:cNvSpPr txBox="1"/>
+          <p:nvPr/>
+        </p:nvSpPr>
+        <p:spPr>
+          <a:xfrm>
+            <a:off x="674238" y="630177"/>
+            <a:ext cx="1415772" cy="830997"/>
+          </a:xfrm>
+          <a:prstGeom prst="rect">
+            <a:avLst/>
+          </a:prstGeom>
+        </p:spPr>
+        <p:txBody>
+          <a:bodyPr wrap="none">
+            <a:spAutoFit/>
+          </a:bodyPr>
+          <a:lstStyle>
+            <a:defPPr>
+              <a:defRPr lang="zh-CN"/>
+            </a:defPPr>
+            <a:lvl1pPr>
+              <a:defRPr sz="4000" b="1">
+                <a:solidFill>
+                  <a:schemeClr val="bg2">
+                    <a:lumMod val="90000"/>
+                  </a:schemeClr>
+                </a:solidFill>
+                <a:latin typeface="Open Sans"/>
+              </a:defRPr>
+            </a:lvl1pPr>
+          </a:lstStyle>
+          <a:p>
+            <a:r>
+              <a:rPr lang="zh-CN" altLang="en-US" sz="4800" dirty="0">
+                <a:solidFill>
+                  <a:srgbClr val="00B0F0"/>
+                </a:solidFill>
+              </a:rPr>
+              <a:t>对象</a:t>
+            </a:r>
+          </a:p>
+        </p:txBody>
+      </p:sp>
+      <p:sp>
+        <p:nvSpPr>
+          <p:cNvPr id="37" name="文本框 36">
+            <a:extLst>
+              <a:ext uri="{FF2B5EF4-FFF2-40B4-BE49-F238E27FC236}">
+                <a16:creationId xmlns:a16="http://schemas.microsoft.com/office/drawing/2014/main" id="{89065613-2589-5649-8FBA-3226869986D0}"/>
+              </a:ext>
+            </a:extLst>
+          </p:cNvPr>
+          <p:cNvSpPr txBox="1"/>
+          <p:nvPr/>
+        </p:nvSpPr>
+        <p:spPr>
+          <a:xfrm>
+            <a:off x="1385426" y="1743416"/>
+            <a:ext cx="4311989" cy="2550698"/>
+          </a:xfrm>
+          <a:prstGeom prst="rect">
+            <a:avLst/>
+          </a:prstGeom>
+        </p:spPr>
+        <p:txBody>
+          <a:bodyPr wrap="square">
+            <a:spAutoFit/>
+          </a:bodyPr>
+          <a:lstStyle>
+            <a:defPPr>
+              <a:defRPr lang="zh-CN"/>
+            </a:defPPr>
+            <a:lvl1pPr>
+              <a:lnSpc>
+                <a:spcPct val="150000"/>
+              </a:lnSpc>
+              <a:defRPr b="0">
+                <a:solidFill>
+                  <a:schemeClr val="tx1">
+                    <a:lumMod val="75000"/>
+                    <a:lumOff val="25000"/>
+                  </a:schemeClr>
+                </a:solidFill>
+                <a:latin typeface="PingFang SC Thin" panose="020B0200000000000000" pitchFamily="34" charset="-122"/>
+                <a:ea typeface="PingFang SC Thin" panose="020B0200000000000000" pitchFamily="34" charset="-122"/>
+              </a:defRPr>
+            </a:lvl1pPr>
+          </a:lstStyle>
+          <a:p>
+            <a:r>
+              <a:rPr lang="en-US" altLang="zh-CN" dirty="0" err="1">
+                <a:solidFill>
+                  <a:schemeClr val="tx1"/>
+                </a:solidFill>
+                <a:latin typeface="Courier New" panose="02070309020205020404" pitchFamily="49" charset="0"/>
+                <a:cs typeface="Courier New" panose="02070309020205020404" pitchFamily="49" charset="0"/>
+              </a:rPr>
+              <a:t>Object.assign</a:t>
+            </a:r>
+            <a:r>
+              <a:rPr lang="en-US" altLang="zh-CN" dirty="0">
+                <a:solidFill>
+                  <a:schemeClr val="tx1"/>
+                </a:solidFill>
+                <a:latin typeface="Courier New" panose="02070309020205020404" pitchFamily="49" charset="0"/>
+                <a:cs typeface="Courier New" panose="02070309020205020404" pitchFamily="49" charset="0"/>
+              </a:rPr>
+              <a:t>()</a:t>
+            </a:r>
+          </a:p>
+          <a:p>
+            <a:r>
+              <a:rPr lang="en-US" altLang="zh-CN" dirty="0" err="1">
+                <a:solidFill>
+                  <a:schemeClr val="tx1"/>
+                </a:solidFill>
+                <a:latin typeface="Courier New" panose="02070309020205020404" pitchFamily="49" charset="0"/>
+                <a:cs typeface="Courier New" panose="02070309020205020404" pitchFamily="49" charset="0"/>
+              </a:rPr>
+              <a:t>Object.defineProperty</a:t>
+            </a:r>
+            <a:r>
+              <a:rPr lang="en-US" altLang="zh-CN" dirty="0">
+                <a:solidFill>
+                  <a:schemeClr val="tx1"/>
+                </a:solidFill>
+                <a:latin typeface="Courier New" panose="02070309020205020404" pitchFamily="49" charset="0"/>
+                <a:cs typeface="Courier New" panose="02070309020205020404" pitchFamily="49" charset="0"/>
+              </a:rPr>
+              <a:t>()</a:t>
+            </a:r>
+          </a:p>
+          <a:p>
+            <a:r>
+              <a:rPr lang="en-US" altLang="zh-CN" dirty="0" err="1">
+                <a:solidFill>
+                  <a:schemeClr val="tx1"/>
+                </a:solidFill>
+                <a:latin typeface="Courier New" panose="02070309020205020404" pitchFamily="49" charset="0"/>
+                <a:cs typeface="Courier New" panose="02070309020205020404" pitchFamily="49" charset="0"/>
+              </a:rPr>
+              <a:t>Object.preventExtensions</a:t>
+            </a:r>
+            <a:r>
+              <a:rPr lang="en-US" altLang="zh-CN" dirty="0">
+                <a:solidFill>
+                  <a:schemeClr val="tx1"/>
+                </a:solidFill>
+                <a:latin typeface="Courier New" panose="02070309020205020404" pitchFamily="49" charset="0"/>
+                <a:cs typeface="Courier New" panose="02070309020205020404" pitchFamily="49" charset="0"/>
+              </a:rPr>
+              <a:t>()</a:t>
+            </a:r>
+          </a:p>
+          <a:p>
+            <a:r>
+              <a:rPr lang="en-US" altLang="zh-CN" dirty="0" err="1">
+                <a:solidFill>
+                  <a:schemeClr val="tx1"/>
+                </a:solidFill>
+                <a:latin typeface="Courier New" panose="02070309020205020404" pitchFamily="49" charset="0"/>
+                <a:cs typeface="Courier New" panose="02070309020205020404" pitchFamily="49" charset="0"/>
+              </a:rPr>
+              <a:t>Object.seal</a:t>
+            </a:r>
+            <a:r>
+              <a:rPr lang="en-US" altLang="zh-CN" dirty="0">
+                <a:solidFill>
+                  <a:schemeClr val="tx1"/>
+                </a:solidFill>
+                <a:latin typeface="Courier New" panose="02070309020205020404" pitchFamily="49" charset="0"/>
+                <a:cs typeface="Courier New" panose="02070309020205020404" pitchFamily="49" charset="0"/>
+              </a:rPr>
+              <a:t>()</a:t>
+            </a:r>
+          </a:p>
+          <a:p>
+            <a:r>
+              <a:rPr lang="en-US" altLang="zh-CN" dirty="0" err="1">
+                <a:solidFill>
+                  <a:schemeClr val="tx1"/>
+                </a:solidFill>
+                <a:latin typeface="Courier New" panose="02070309020205020404" pitchFamily="49" charset="0"/>
+                <a:cs typeface="Courier New" panose="02070309020205020404" pitchFamily="49" charset="0"/>
+              </a:rPr>
+              <a:t>Object.freeze</a:t>
+            </a:r>
+            <a:r>
+              <a:rPr lang="en-US" altLang="zh-CN" dirty="0">
+                <a:solidFill>
+                  <a:schemeClr val="tx1"/>
+                </a:solidFill>
+                <a:latin typeface="Courier New" panose="02070309020205020404" pitchFamily="49" charset="0"/>
+                <a:cs typeface="Courier New" panose="02070309020205020404" pitchFamily="49" charset="0"/>
+              </a:rPr>
+              <a:t>()</a:t>
+            </a:r>
+          </a:p>
+          <a:p>
+            <a:r>
+              <a:rPr lang="en-US" altLang="zh-CN" dirty="0" err="1">
+                <a:solidFill>
+                  <a:schemeClr val="tx1"/>
+                </a:solidFill>
+                <a:latin typeface="Courier New" panose="02070309020205020404" pitchFamily="49" charset="0"/>
+                <a:cs typeface="Courier New" panose="02070309020205020404" pitchFamily="49" charset="0"/>
+              </a:rPr>
+              <a:t>myObject.hasOwnProperty</a:t>
+            </a:r>
+            <a:r>
+              <a:rPr lang="en-US" altLang="zh-CN" dirty="0">
+                <a:solidFill>
+                  <a:schemeClr val="tx1"/>
+                </a:solidFill>
+                <a:latin typeface="Courier New" panose="02070309020205020404" pitchFamily="49" charset="0"/>
+                <a:cs typeface="Courier New" panose="02070309020205020404" pitchFamily="49" charset="0"/>
+              </a:rPr>
+              <a:t>()</a:t>
+            </a:r>
+          </a:p>
+        </p:txBody>
+      </p:sp>
+      <p:sp>
+        <p:nvSpPr>
+          <p:cNvPr id="4" name="文本框 3">
+            <a:extLst>
+              <a:ext uri="{FF2B5EF4-FFF2-40B4-BE49-F238E27FC236}">
+                <a16:creationId xmlns:a16="http://schemas.microsoft.com/office/drawing/2014/main" id="{10142FB8-1FAF-634B-B997-43746043B9AC}"/>
+              </a:ext>
+            </a:extLst>
+          </p:cNvPr>
+          <p:cNvSpPr txBox="1"/>
+          <p:nvPr/>
+        </p:nvSpPr>
+        <p:spPr>
+          <a:xfrm>
+            <a:off x="2090010" y="1048297"/>
+            <a:ext cx="4311989" cy="369332"/>
+          </a:xfrm>
+          <a:prstGeom prst="rect">
+            <a:avLst/>
+          </a:prstGeom>
+        </p:spPr>
+        <p:txBody>
+          <a:bodyPr wrap="square">
+            <a:spAutoFit/>
+          </a:bodyPr>
+          <a:lstStyle>
+            <a:defPPr>
+              <a:defRPr lang="zh-CN"/>
+            </a:defPPr>
+            <a:lvl1pPr>
+              <a:lnSpc>
+                <a:spcPct val="100000"/>
+              </a:lnSpc>
+              <a:defRPr b="0">
+                <a:solidFill>
+                  <a:schemeClr val="bg2">
+                    <a:lumMod val="50000"/>
+                  </a:schemeClr>
+                </a:solidFill>
+                <a:latin typeface="PingFang SC Thin" panose="020B0200000000000000" pitchFamily="34" charset="-122"/>
+                <a:ea typeface="PingFang SC Thin" panose="020B0200000000000000" pitchFamily="34" charset="-122"/>
+                <a:cs typeface="Courier New" panose="02070309020205020404" pitchFamily="49" charset="0"/>
+              </a:defRPr>
+            </a:lvl1pPr>
+          </a:lstStyle>
+          <a:p>
+            <a:r>
+              <a:rPr lang="en-US" altLang="zh-CN" dirty="0"/>
+              <a:t>《</a:t>
+            </a:r>
+            <a:r>
+              <a:rPr lang="zh-CN" altLang="en-US" dirty="0"/>
+              <a:t>你不知道的</a:t>
+            </a:r>
+            <a:r>
+              <a:rPr lang="en-US" altLang="zh-CN" dirty="0"/>
+              <a:t>JavaScript》</a:t>
+            </a:r>
+          </a:p>
+        </p:txBody>
+      </p:sp>
+    </p:spTree>
+    <p:extLst>
+      <p:ext uri="{BB962C8B-B14F-4D97-AF65-F5344CB8AC3E}">
+        <p14:creationId xmlns:p14="http://schemas.microsoft.com/office/powerpoint/2010/main" val="827608181"/>
+      </p:ext>
+    </p:extLst>
+  </p:cSld>
+  <p:clrMapOvr>
+    <a:masterClrMapping/>
+  </p:clrMapOvr>
+</p:sld>
+</file>
+
+<file path=ppt/slides/slide6.xml><?xml version="1.0" encoding="utf-8"?>
+<p:sld xmlns:a="http://schemas.openxmlformats.org/drawingml/2006/main" xmlns:r="http://schemas.openxmlformats.org/officeDocument/2006/relationships" xmlns:p="http://schemas.openxmlformats.org/presentationml/2006/main">
+  <p:cSld>
+    <p:spTree>
+      <p:nvGrpSpPr>
+        <p:cNvPr id="1" name=""/>
+        <p:cNvGrpSpPr/>
+        <p:nvPr/>
+      </p:nvGrpSpPr>
+      <p:grpSpPr>
+        <a:xfrm>
+          <a:off x="0" y="0"/>
+          <a:ext cx="0" cy="0"/>
+          <a:chOff x="0" y="0"/>
+          <a:chExt cx="0" cy="0"/>
+        </a:xfrm>
+      </p:grpSpPr>
+      <p:sp>
+        <p:nvSpPr>
+          <p:cNvPr id="47" name="文本框 46">
+            <a:extLst>
+              <a:ext uri="{FF2B5EF4-FFF2-40B4-BE49-F238E27FC236}">
+                <a16:creationId xmlns:a16="http://schemas.microsoft.com/office/drawing/2014/main" id="{E2EF3B4C-7775-4D07-AA7B-E56542739ED6}"/>
+              </a:ext>
+            </a:extLst>
+          </p:cNvPr>
+          <p:cNvSpPr txBox="1"/>
+          <p:nvPr/>
+        </p:nvSpPr>
+        <p:spPr>
+          <a:xfrm>
+            <a:off x="674238" y="630177"/>
+            <a:ext cx="1415772" cy="830997"/>
+          </a:xfrm>
+          <a:prstGeom prst="rect">
+            <a:avLst/>
+          </a:prstGeom>
+        </p:spPr>
+        <p:txBody>
+          <a:bodyPr wrap="none">
+            <a:spAutoFit/>
+          </a:bodyPr>
+          <a:lstStyle>
+            <a:defPPr>
+              <a:defRPr lang="zh-CN"/>
+            </a:defPPr>
+            <a:lvl1pPr>
+              <a:defRPr sz="4000" b="1">
+                <a:solidFill>
+                  <a:schemeClr val="bg2">
+                    <a:lumMod val="90000"/>
+                  </a:schemeClr>
+                </a:solidFill>
+                <a:latin typeface="Open Sans"/>
+              </a:defRPr>
+            </a:lvl1pPr>
+          </a:lstStyle>
+          <a:p>
+            <a:r>
+              <a:rPr lang="zh-CN" altLang="en-US" sz="4800" dirty="0">
+                <a:solidFill>
+                  <a:srgbClr val="00B0F0"/>
+                </a:solidFill>
+              </a:rPr>
+              <a:t>集合</a:t>
+            </a:r>
+          </a:p>
+        </p:txBody>
+      </p:sp>
+      <p:sp>
+        <p:nvSpPr>
+          <p:cNvPr id="37" name="文本框 36">
+            <a:extLst>
+              <a:ext uri="{FF2B5EF4-FFF2-40B4-BE49-F238E27FC236}">
+                <a16:creationId xmlns:a16="http://schemas.microsoft.com/office/drawing/2014/main" id="{89065613-2589-5649-8FBA-3226869986D0}"/>
+              </a:ext>
+            </a:extLst>
+          </p:cNvPr>
+          <p:cNvSpPr txBox="1"/>
+          <p:nvPr/>
+        </p:nvSpPr>
+        <p:spPr>
+          <a:xfrm>
+            <a:off x="1385426" y="1743416"/>
+            <a:ext cx="4311989" cy="1304203"/>
+          </a:xfrm>
+          <a:prstGeom prst="rect">
+            <a:avLst/>
+          </a:prstGeom>
+        </p:spPr>
+        <p:txBody>
+          <a:bodyPr wrap="square">
+            <a:spAutoFit/>
+          </a:bodyPr>
+          <a:lstStyle>
+            <a:defPPr>
+              <a:defRPr lang="zh-CN"/>
+            </a:defPPr>
+            <a:lvl1pPr>
+              <a:lnSpc>
+                <a:spcPct val="150000"/>
+              </a:lnSpc>
+              <a:defRPr b="0">
+                <a:solidFill>
+                  <a:schemeClr val="tx1">
+                    <a:lumMod val="75000"/>
+                    <a:lumOff val="25000"/>
+                  </a:schemeClr>
+                </a:solidFill>
+                <a:latin typeface="PingFang SC Thin" panose="020B0200000000000000" pitchFamily="34" charset="-122"/>
+                <a:ea typeface="PingFang SC Thin" panose="020B0200000000000000" pitchFamily="34" charset="-122"/>
+              </a:defRPr>
+            </a:lvl1pPr>
+          </a:lstStyle>
+          <a:p>
+            <a:r>
+              <a:rPr lang="en-US" altLang="zh-CN" dirty="0">
+                <a:solidFill>
+                  <a:schemeClr val="tx1"/>
+                </a:solidFill>
+                <a:latin typeface="Courier New" panose="02070309020205020404" pitchFamily="49" charset="0"/>
+                <a:cs typeface="Courier New" panose="02070309020205020404" pitchFamily="49" charset="0"/>
+              </a:rPr>
+              <a:t>Array</a:t>
+            </a:r>
+          </a:p>
+          <a:p>
+            <a:r>
+              <a:rPr lang="en-US" altLang="zh-CN" dirty="0">
+                <a:solidFill>
+                  <a:schemeClr val="tx1"/>
+                </a:solidFill>
+                <a:latin typeface="Courier New" panose="02070309020205020404" pitchFamily="49" charset="0"/>
+                <a:cs typeface="Courier New" panose="02070309020205020404" pitchFamily="49" charset="0"/>
+              </a:rPr>
+              <a:t>Map</a:t>
+            </a:r>
+          </a:p>
+          <a:p>
+            <a:r>
+              <a:rPr lang="en-US" altLang="zh-CN" dirty="0">
+                <a:solidFill>
+                  <a:schemeClr val="tx1"/>
+                </a:solidFill>
+                <a:latin typeface="Courier New" panose="02070309020205020404" pitchFamily="49" charset="0"/>
+                <a:cs typeface="Courier New" panose="02070309020205020404" pitchFamily="49" charset="0"/>
+              </a:rPr>
+              <a:t>Set</a:t>
+            </a:r>
+          </a:p>
+        </p:txBody>
+      </p:sp>
+      <p:sp>
+        <p:nvSpPr>
+          <p:cNvPr id="4" name="文本框 3">
+            <a:extLst>
+              <a:ext uri="{FF2B5EF4-FFF2-40B4-BE49-F238E27FC236}">
+                <a16:creationId xmlns:a16="http://schemas.microsoft.com/office/drawing/2014/main" id="{4BAC90AB-D9E0-754C-A94E-C2E367742437}"/>
+              </a:ext>
+            </a:extLst>
+          </p:cNvPr>
+          <p:cNvSpPr txBox="1"/>
+          <p:nvPr/>
+        </p:nvSpPr>
+        <p:spPr>
+          <a:xfrm>
+            <a:off x="2090010" y="1048297"/>
+            <a:ext cx="4311989" cy="369332"/>
+          </a:xfrm>
+          <a:prstGeom prst="rect">
+            <a:avLst/>
+          </a:prstGeom>
+        </p:spPr>
+        <p:txBody>
+          <a:bodyPr wrap="square">
+            <a:spAutoFit/>
+          </a:bodyPr>
+          <a:lstStyle>
+            <a:defPPr>
+              <a:defRPr lang="zh-CN"/>
+            </a:defPPr>
+            <a:lvl1pPr>
+              <a:lnSpc>
+                <a:spcPct val="100000"/>
+              </a:lnSpc>
+              <a:defRPr b="0">
+                <a:solidFill>
+                  <a:schemeClr val="bg2">
+                    <a:lumMod val="50000"/>
+                  </a:schemeClr>
+                </a:solidFill>
+                <a:latin typeface="PingFang SC Thin" panose="020B0200000000000000" pitchFamily="34" charset="-122"/>
+                <a:ea typeface="PingFang SC Thin" panose="020B0200000000000000" pitchFamily="34" charset="-122"/>
+                <a:cs typeface="Courier New" panose="02070309020205020404" pitchFamily="49" charset="0"/>
+              </a:defRPr>
+            </a:lvl1pPr>
+          </a:lstStyle>
+          <a:p>
+            <a:r>
+              <a:rPr lang="en-US" altLang="zh-CN" dirty="0"/>
+              <a:t>《JavaScript</a:t>
+            </a:r>
+            <a:r>
+              <a:rPr lang="zh-CN" altLang="en-US" dirty="0"/>
+              <a:t>忍者秘籍</a:t>
+            </a:r>
+            <a:r>
+              <a:rPr lang="en-US" altLang="zh-CN" dirty="0"/>
+              <a:t>》</a:t>
+            </a:r>
+          </a:p>
+        </p:txBody>
+      </p:sp>
+    </p:spTree>
+    <p:extLst>
+      <p:ext uri="{BB962C8B-B14F-4D97-AF65-F5344CB8AC3E}">
+        <p14:creationId xmlns:p14="http://schemas.microsoft.com/office/powerpoint/2010/main" val="1917379577"/>
+      </p:ext>
+    </p:extLst>
+  </p:cSld>
+  <p:clrMapOvr>
+    <a:masterClrMapping/>
+  </p:clrMapOvr>
+</p:sld>
+</file>
+
+<file path=ppt/slides/slide7.xml><?xml version="1.0" encoding="utf-8"?>
+<p:sld xmlns:a="http://schemas.openxmlformats.org/drawingml/2006/main" xmlns:r="http://schemas.openxmlformats.org/officeDocument/2006/relationships" xmlns:p="http://schemas.openxmlformats.org/presentationml/2006/main">
+  <p:cSld>
+    <p:spTree>
+      <p:nvGrpSpPr>
+        <p:cNvPr id="1" name=""/>
+        <p:cNvGrpSpPr/>
+        <p:nvPr/>
+      </p:nvGrpSpPr>
+      <p:grpSpPr>
+        <a:xfrm>
+          <a:off x="0" y="0"/>
+          <a:ext cx="0" cy="0"/>
+          <a:chOff x="0" y="0"/>
+          <a:chExt cx="0" cy="0"/>
+        </a:xfrm>
+      </p:grpSpPr>
+      <p:sp>
+        <p:nvSpPr>
+          <p:cNvPr id="47" name="文本框 46">
+            <a:extLst>
+              <a:ext uri="{FF2B5EF4-FFF2-40B4-BE49-F238E27FC236}">
+                <a16:creationId xmlns:a16="http://schemas.microsoft.com/office/drawing/2014/main" id="{E2EF3B4C-7775-4D07-AA7B-E56542739ED6}"/>
+              </a:ext>
+            </a:extLst>
+          </p:cNvPr>
+          <p:cNvSpPr txBox="1"/>
+          <p:nvPr/>
+        </p:nvSpPr>
+        <p:spPr>
+          <a:xfrm>
+            <a:off x="674238" y="630177"/>
+            <a:ext cx="5724644" cy="830997"/>
+          </a:xfrm>
+          <a:prstGeom prst="rect">
+            <a:avLst/>
+          </a:prstGeom>
+        </p:spPr>
+        <p:txBody>
+          <a:bodyPr wrap="none">
+            <a:spAutoFit/>
+          </a:bodyPr>
+          <a:lstStyle>
+            <a:defPPr>
+              <a:defRPr lang="zh-CN"/>
+            </a:defPPr>
+            <a:lvl1pPr>
+              <a:defRPr sz="4000" b="1">
+                <a:solidFill>
+                  <a:schemeClr val="bg2">
+                    <a:lumMod val="90000"/>
+                  </a:schemeClr>
+                </a:solidFill>
+                <a:latin typeface="Open Sans"/>
+              </a:defRPr>
+            </a:lvl1pPr>
+          </a:lstStyle>
+          <a:p>
+            <a:r>
+              <a:rPr lang="zh-CN" altLang="en-US" sz="4800" dirty="0">
+                <a:solidFill>
+                  <a:srgbClr val="00B0F0"/>
+                </a:solidFill>
+              </a:rPr>
+              <a:t>字符串和正则表达式</a:t>
+            </a:r>
+          </a:p>
+        </p:txBody>
+      </p:sp>
+      <p:sp>
+        <p:nvSpPr>
+          <p:cNvPr id="4" name="文本框 3">
+            <a:extLst>
+              <a:ext uri="{FF2B5EF4-FFF2-40B4-BE49-F238E27FC236}">
+                <a16:creationId xmlns:a16="http://schemas.microsoft.com/office/drawing/2014/main" id="{DC0DCBC6-FC4F-A94F-A5F5-BC634F18B1FA}"/>
+              </a:ext>
+            </a:extLst>
+          </p:cNvPr>
+          <p:cNvSpPr txBox="1"/>
+          <p:nvPr/>
+        </p:nvSpPr>
+        <p:spPr>
+          <a:xfrm>
+            <a:off x="6398882" y="1045675"/>
+            <a:ext cx="4311989" cy="369332"/>
+          </a:xfrm>
+          <a:prstGeom prst="rect">
+            <a:avLst/>
+          </a:prstGeom>
+        </p:spPr>
+        <p:txBody>
+          <a:bodyPr wrap="square">
+            <a:spAutoFit/>
+          </a:bodyPr>
+          <a:lstStyle>
+            <a:defPPr>
+              <a:defRPr lang="zh-CN"/>
+            </a:defPPr>
+            <a:lvl1pPr>
+              <a:lnSpc>
+                <a:spcPct val="100000"/>
+              </a:lnSpc>
+              <a:defRPr b="0">
+                <a:solidFill>
+                  <a:schemeClr val="bg2">
+                    <a:lumMod val="50000"/>
+                  </a:schemeClr>
+                </a:solidFill>
+                <a:latin typeface="PingFang SC Thin" panose="020B0200000000000000" pitchFamily="34" charset="-122"/>
+                <a:ea typeface="PingFang SC Thin" panose="020B0200000000000000" pitchFamily="34" charset="-122"/>
+                <a:cs typeface="Courier New" panose="02070309020205020404" pitchFamily="49" charset="0"/>
+              </a:defRPr>
+            </a:lvl1pPr>
+          </a:lstStyle>
+          <a:p>
+            <a:r>
+              <a:rPr lang="en-US" altLang="zh-CN" dirty="0"/>
+              <a:t>《</a:t>
+            </a:r>
+            <a:r>
+              <a:rPr lang="zh-CN" altLang="en-US" dirty="0"/>
+              <a:t>深入理解</a:t>
+            </a:r>
+            <a:r>
+              <a:rPr lang="en-US" altLang="zh-CN" dirty="0"/>
+              <a:t>ES6》</a:t>
+            </a:r>
+          </a:p>
+        </p:txBody>
+      </p:sp>
+    </p:spTree>
+    <p:extLst>
+      <p:ext uri="{BB962C8B-B14F-4D97-AF65-F5344CB8AC3E}">
+        <p14:creationId xmlns:p14="http://schemas.microsoft.com/office/powerpoint/2010/main" val="794268623"/>
+      </p:ext>
+    </p:extLst>
+  </p:cSld>
+  <p:clrMapOvr>
+    <a:masterClrMapping/>
+  </p:clrMapOvr>
+</p:sld>
+</file>
+
+<file path=ppt/slides/slide8.xml><?xml version="1.0" encoding="utf-8"?>
+<p:sld xmlns:a="http://schemas.openxmlformats.org/drawingml/2006/main" xmlns:r="http://schemas.openxmlformats.org/officeDocument/2006/relationships" xmlns:p="http://schemas.openxmlformats.org/presentationml/2006/main">
+  <p:cSld>
+    <p:spTree>
+      <p:nvGrpSpPr>
+        <p:cNvPr id="1" name=""/>
+        <p:cNvGrpSpPr/>
+        <p:nvPr/>
+      </p:nvGrpSpPr>
+      <p:grpSpPr>
+        <a:xfrm>
+          <a:off x="0" y="0"/>
+          <a:ext cx="0" cy="0"/>
+          <a:chOff x="0" y="0"/>
+          <a:chExt cx="0" cy="0"/>
+        </a:xfrm>
+      </p:grpSpPr>
+      <p:sp>
+        <p:nvSpPr>
+          <p:cNvPr id="47" name="文本框 46">
+            <a:extLst>
+              <a:ext uri="{FF2B5EF4-FFF2-40B4-BE49-F238E27FC236}">
+                <a16:creationId xmlns:a16="http://schemas.microsoft.com/office/drawing/2014/main" id="{E2EF3B4C-7775-4D07-AA7B-E56542739ED6}"/>
+              </a:ext>
+            </a:extLst>
+          </p:cNvPr>
+          <p:cNvSpPr txBox="1"/>
+          <p:nvPr/>
+        </p:nvSpPr>
+        <p:spPr>
+          <a:xfrm>
+            <a:off x="674238" y="630177"/>
+            <a:ext cx="2343014" cy="830997"/>
+          </a:xfrm>
+          <a:prstGeom prst="rect">
+            <a:avLst/>
+          </a:prstGeom>
+        </p:spPr>
+        <p:txBody>
+          <a:bodyPr wrap="none">
+            <a:spAutoFit/>
+          </a:bodyPr>
+          <a:lstStyle>
+            <a:defPPr>
+              <a:defRPr lang="zh-CN"/>
+            </a:defPPr>
+            <a:lvl1pPr>
+              <a:defRPr sz="4000" b="1">
+                <a:solidFill>
+                  <a:schemeClr val="bg2">
+                    <a:lumMod val="90000"/>
+                  </a:schemeClr>
+                </a:solidFill>
+                <a:latin typeface="Open Sans"/>
+              </a:defRPr>
+            </a:lvl1pPr>
+          </a:lstStyle>
+          <a:p>
+            <a:r>
+              <a:rPr lang="en-US" altLang="zh-CN" sz="4800" dirty="0">
+                <a:solidFill>
+                  <a:srgbClr val="00B0F0"/>
+                </a:solidFill>
+              </a:rPr>
+              <a:t>Symbol</a:t>
+            </a:r>
+            <a:endParaRPr lang="zh-CN" altLang="en-US" sz="4800" dirty="0">
+              <a:solidFill>
+                <a:srgbClr val="00B0F0"/>
+              </a:solidFill>
+            </a:endParaRPr>
+          </a:p>
+        </p:txBody>
+      </p:sp>
+      <p:sp>
+        <p:nvSpPr>
+          <p:cNvPr id="3" name="文本框 2">
+            <a:extLst>
+              <a:ext uri="{FF2B5EF4-FFF2-40B4-BE49-F238E27FC236}">
+                <a16:creationId xmlns:a16="http://schemas.microsoft.com/office/drawing/2014/main" id="{2758075F-65D4-A54B-927A-F9A3C1269037}"/>
+              </a:ext>
+            </a:extLst>
+          </p:cNvPr>
+          <p:cNvSpPr txBox="1"/>
+          <p:nvPr/>
+        </p:nvSpPr>
+        <p:spPr>
+          <a:xfrm>
+            <a:off x="3321116" y="1045675"/>
+            <a:ext cx="4311989" cy="369332"/>
+          </a:xfrm>
+          <a:prstGeom prst="rect">
+            <a:avLst/>
+          </a:prstGeom>
+        </p:spPr>
+        <p:txBody>
+          <a:bodyPr wrap="square">
+            <a:spAutoFit/>
+          </a:bodyPr>
+          <a:lstStyle>
+            <a:defPPr>
+              <a:defRPr lang="zh-CN"/>
+            </a:defPPr>
+            <a:lvl1pPr>
+              <a:lnSpc>
+                <a:spcPct val="100000"/>
+              </a:lnSpc>
+              <a:defRPr b="0">
+                <a:solidFill>
+                  <a:schemeClr val="bg2">
+                    <a:lumMod val="50000"/>
+                  </a:schemeClr>
+                </a:solidFill>
+                <a:latin typeface="PingFang SC Thin" panose="020B0200000000000000" pitchFamily="34" charset="-122"/>
+                <a:ea typeface="PingFang SC Thin" panose="020B0200000000000000" pitchFamily="34" charset="-122"/>
+                <a:cs typeface="Courier New" panose="02070309020205020404" pitchFamily="49" charset="0"/>
+              </a:defRPr>
+            </a:lvl1pPr>
+          </a:lstStyle>
+          <a:p>
+            <a:r>
+              <a:rPr lang="en-US" altLang="zh-CN" dirty="0"/>
+              <a:t>《</a:t>
+            </a:r>
+            <a:r>
+              <a:rPr lang="zh-CN" altLang="en-US" dirty="0"/>
+              <a:t>深入理解</a:t>
+            </a:r>
+            <a:r>
+              <a:rPr lang="en-US" altLang="zh-CN" dirty="0"/>
+              <a:t>ES6》</a:t>
+            </a:r>
+          </a:p>
+        </p:txBody>
+      </p:sp>
+    </p:spTree>
+    <p:extLst>
+      <p:ext uri="{BB962C8B-B14F-4D97-AF65-F5344CB8AC3E}">
+        <p14:creationId xmlns:p14="http://schemas.microsoft.com/office/powerpoint/2010/main" val="2808989962"/>
+      </p:ext>
+    </p:extLst>
+  </p:cSld>
+  <p:clrMapOvr>
+    <a:masterClrMapping/>
+  </p:clrMapOvr>
+</p:sld>
+</file>
+
+<file path=ppt/slides/slide9.xml><?xml version="1.0" encoding="utf-8"?>
+<p:sld xmlns:a="http://schemas.openxmlformats.org/drawingml/2006/main" xmlns:r="http://schemas.openxmlformats.org/officeDocument/2006/relationships" xmlns:p="http://schemas.openxmlformats.org/presentationml/2006/main">
+  <p:cSld>
+    <p:spTree>
+      <p:nvGrpSpPr>
+        <p:cNvPr id="1" name=""/>
+        <p:cNvGrpSpPr/>
+        <p:nvPr/>
+      </p:nvGrpSpPr>
+      <p:grpSpPr>
+        <a:xfrm>
+          <a:off x="0" y="0"/>
+          <a:ext cx="0" cy="0"/>
+          <a:chOff x="0" y="0"/>
+          <a:chExt cx="0" cy="0"/>
+        </a:xfrm>
+      </p:grpSpPr>
+      <p:sp>
+        <p:nvSpPr>
+          <p:cNvPr id="47" name="文本框 46">
+            <a:extLst>
+              <a:ext uri="{FF2B5EF4-FFF2-40B4-BE49-F238E27FC236}">
+                <a16:creationId xmlns:a16="http://schemas.microsoft.com/office/drawing/2014/main" id="{E2EF3B4C-7775-4D07-AA7B-E56542739ED6}"/>
+              </a:ext>
+            </a:extLst>
+          </p:cNvPr>
+          <p:cNvSpPr txBox="1"/>
+          <p:nvPr/>
+        </p:nvSpPr>
+        <p:spPr>
+          <a:xfrm>
+            <a:off x="674238" y="630177"/>
+            <a:ext cx="2646878" cy="830997"/>
+          </a:xfrm>
+          <a:prstGeom prst="rect">
+            <a:avLst/>
+          </a:prstGeom>
+        </p:spPr>
+        <p:txBody>
+          <a:bodyPr wrap="none">
+            <a:spAutoFit/>
+          </a:bodyPr>
+          <a:lstStyle>
+            <a:defPPr>
+              <a:defRPr lang="zh-CN"/>
+            </a:defPPr>
+            <a:lvl1pPr>
+              <a:defRPr sz="4000" b="1">
+                <a:solidFill>
+                  <a:schemeClr val="bg2">
+                    <a:lumMod val="90000"/>
+                  </a:schemeClr>
+                </a:solidFill>
+                <a:latin typeface="Open Sans"/>
+              </a:defRPr>
+            </a:lvl1pPr>
+          </a:lstStyle>
+          <a:p>
+            <a:r>
+              <a:rPr lang="zh-CN" altLang="en-US" sz="4800" dirty="0">
+                <a:solidFill>
+                  <a:srgbClr val="00B0F0"/>
+                </a:solidFill>
+              </a:rPr>
+              <a:t>引用类型</a:t>
+            </a:r>
+          </a:p>
+        </p:txBody>
+      </p:sp>
+      <p:sp>
+        <p:nvSpPr>
+          <p:cNvPr id="3" name="文本框 2">
+            <a:extLst>
+              <a:ext uri="{FF2B5EF4-FFF2-40B4-BE49-F238E27FC236}">
+                <a16:creationId xmlns:a16="http://schemas.microsoft.com/office/drawing/2014/main" id="{A1D216FE-3E47-DF49-8B91-3438E90F223B}"/>
+              </a:ext>
+            </a:extLst>
+          </p:cNvPr>
+          <p:cNvSpPr txBox="1"/>
+          <p:nvPr/>
+        </p:nvSpPr>
+        <p:spPr>
+          <a:xfrm>
+            <a:off x="3321116" y="1045675"/>
+            <a:ext cx="4311989" cy="369332"/>
+          </a:xfrm>
+          <a:prstGeom prst="rect">
+            <a:avLst/>
+          </a:prstGeom>
+        </p:spPr>
+        <p:txBody>
+          <a:bodyPr wrap="square">
+            <a:spAutoFit/>
+          </a:bodyPr>
+          <a:lstStyle>
+            <a:defPPr>
+              <a:defRPr lang="zh-CN"/>
+            </a:defPPr>
+            <a:lvl1pPr>
+              <a:lnSpc>
+                <a:spcPct val="100000"/>
+              </a:lnSpc>
+              <a:defRPr b="0">
+                <a:solidFill>
+                  <a:schemeClr val="bg2">
+                    <a:lumMod val="50000"/>
+                  </a:schemeClr>
+                </a:solidFill>
+                <a:latin typeface="PingFang SC Thin" panose="020B0200000000000000" pitchFamily="34" charset="-122"/>
+                <a:ea typeface="PingFang SC Thin" panose="020B0200000000000000" pitchFamily="34" charset="-122"/>
+                <a:cs typeface="Courier New" panose="02070309020205020404" pitchFamily="49" charset="0"/>
+              </a:defRPr>
+            </a:lvl1pPr>
+          </a:lstStyle>
+          <a:p>
+            <a:r>
+              <a:rPr lang="en-US" altLang="zh-CN" dirty="0"/>
+              <a:t>《JavaScript</a:t>
+            </a:r>
+            <a:r>
+              <a:rPr lang="zh-CN" altLang="en-US" dirty="0"/>
+              <a:t>高级</a:t>
+            </a:r>
+            <a:r>
+              <a:rPr lang="zh-CN" altLang="en-US"/>
+              <a:t>程序设计</a:t>
+            </a:r>
+            <a:r>
+              <a:rPr lang="en-US" altLang="zh-CN" dirty="0"/>
+              <a:t>》</a:t>
+            </a:r>
+          </a:p>
+        </p:txBody>
+      </p:sp>
+    </p:spTree>
+    <p:extLst>
+      <p:ext uri="{BB962C8B-B14F-4D97-AF65-F5344CB8AC3E}">
+        <p14:creationId xmlns:p14="http://schemas.microsoft.com/office/powerpoint/2010/main" val="2738565239"/>
       </p:ext>
     </p:extLst>
   </p:cSld>

--- a/2 前端/《你不知道的JavaScript》.pptx
+++ b/2 前端/《你不知道的JavaScript》.pptx
@@ -5,7 +5,7 @@
     <p:sldMasterId id="2147483648" r:id="rId1"/>
   </p:sldMasterIdLst>
   <p:notesMasterIdLst>
-    <p:notesMasterId r:id="rId13"/>
+    <p:notesMasterId r:id="rId18"/>
   </p:notesMasterIdLst>
   <p:sldIdLst>
     <p:sldId id="714" r:id="rId2"/>
@@ -19,6 +19,11 @@
     <p:sldId id="712" r:id="rId10"/>
     <p:sldId id="711" r:id="rId11"/>
     <p:sldId id="713" r:id="rId12"/>
+    <p:sldId id="715" r:id="rId13"/>
+    <p:sldId id="716" r:id="rId14"/>
+    <p:sldId id="717" r:id="rId15"/>
+    <p:sldId id="718" r:id="rId16"/>
+    <p:sldId id="719" r:id="rId17"/>
   </p:sldIdLst>
   <p:sldSz cx="12192000" cy="6858000"/>
   <p:notesSz cx="6858000" cy="9144000"/>
@@ -210,7 +215,7 @@
           <a:p>
             <a:fld id="{7F25A8C7-CC1A-4A08-9B4B-31F43B054C7F}" type="datetimeFigureOut">
               <a:rPr lang="zh-CN" altLang="en-US" smtClean="0"/>
-              <a:t>2021/4/17</a:t>
+              <a:t>2021/4/18</a:t>
             </a:fld>
             <a:endParaRPr lang="zh-CN" altLang="en-US"/>
           </a:p>
@@ -506,7 +511,7 @@
           <a:p>
             <a:fld id="{760FBDFE-C587-4B4C-A407-44438C67B59E}" type="datetimeFigureOut">
               <a:rPr lang="zh-CN" altLang="en-US" smtClean="0"/>
-              <a:t>2021/4/17</a:t>
+              <a:t>2021/4/18</a:t>
             </a:fld>
             <a:endParaRPr lang="zh-CN" altLang="en-US"/>
           </a:p>
@@ -727,7 +732,7 @@
           <a:p>
             <a:fld id="{D997B5FA-0921-464F-AAE1-844C04324D75}" type="datetimeFigureOut">
               <a:rPr lang="zh-CN" altLang="en-US" smtClean="0"/>
-              <a:t>2021/4/17</a:t>
+              <a:t>2021/4/18</a:t>
             </a:fld>
             <a:endParaRPr lang="zh-CN" altLang="en-US" dirty="0"/>
           </a:p>
@@ -1235,8 +1240,8 @@
         </p:nvSpPr>
         <p:spPr>
           <a:xfrm>
-            <a:off x="6899371" y="920620"/>
-            <a:ext cx="3262432" cy="5016758"/>
+            <a:off x="6912818" y="463347"/>
+            <a:ext cx="3324949" cy="5931304"/>
           </a:xfrm>
           <a:prstGeom prst="rect">
             <a:avLst/>
@@ -1262,51 +1267,83 @@
             </a:lvl1pPr>
           </a:lstStyle>
           <a:p>
-            <a:r>
-              <a:rPr lang="zh-CN" altLang="en-US" sz="8000" dirty="0">
+            <a:pPr>
+              <a:lnSpc>
+                <a:spcPct val="120000"/>
+              </a:lnSpc>
+            </a:pPr>
+            <a:r>
+              <a:rPr lang="zh-CN" altLang="en-US" sz="8000" b="0" dirty="0">
                 <a:solidFill>
                   <a:schemeClr val="tx1"/>
                 </a:solidFill>
+                <a:latin typeface="PingFang SC Thin" panose="020B0200000000000000" pitchFamily="34" charset="-122"/>
+                <a:ea typeface="PingFang SC Thin" panose="020B0200000000000000" pitchFamily="34" charset="-122"/>
               </a:rPr>
               <a:t>作用域</a:t>
             </a:r>
-            <a:endParaRPr lang="en-US" altLang="zh-CN" sz="8000" dirty="0">
+            <a:endParaRPr lang="en-US" altLang="zh-CN" sz="8000" b="0" dirty="0">
               <a:solidFill>
                 <a:schemeClr val="tx1"/>
               </a:solidFill>
+              <a:latin typeface="PingFang SC Thin" panose="020B0200000000000000" pitchFamily="34" charset="-122"/>
+              <a:ea typeface="PingFang SC Thin" panose="020B0200000000000000" pitchFamily="34" charset="-122"/>
             </a:endParaRPr>
           </a:p>
           <a:p>
-            <a:r>
-              <a:rPr lang="zh-CN" altLang="en-US" sz="8000" dirty="0">
+            <a:pPr>
+              <a:lnSpc>
+                <a:spcPct val="120000"/>
+              </a:lnSpc>
+            </a:pPr>
+            <a:r>
+              <a:rPr lang="zh-CN" altLang="en-US" sz="8000" b="0" dirty="0">
                 <a:solidFill>
                   <a:schemeClr val="tx1"/>
                 </a:solidFill>
+                <a:latin typeface="PingFang SC Thin" panose="020B0200000000000000" pitchFamily="34" charset="-122"/>
+                <a:ea typeface="PingFang SC Thin" panose="020B0200000000000000" pitchFamily="34" charset="-122"/>
               </a:rPr>
               <a:t>闭包</a:t>
             </a:r>
-            <a:endParaRPr lang="en-US" altLang="zh-CN" sz="8000" dirty="0">
+            <a:endParaRPr lang="en-US" altLang="zh-CN" sz="8000" b="0" dirty="0">
               <a:solidFill>
                 <a:schemeClr val="tx1"/>
               </a:solidFill>
+              <a:latin typeface="PingFang SC Thin" panose="020B0200000000000000" pitchFamily="34" charset="-122"/>
+              <a:ea typeface="PingFang SC Thin" panose="020B0200000000000000" pitchFamily="34" charset="-122"/>
             </a:endParaRPr>
           </a:p>
           <a:p>
-            <a:r>
-              <a:rPr lang="en-US" altLang="zh-CN" sz="8000" dirty="0">
+            <a:pPr>
+              <a:lnSpc>
+                <a:spcPct val="120000"/>
+              </a:lnSpc>
+            </a:pPr>
+            <a:r>
+              <a:rPr lang="en-US" altLang="zh-CN" sz="8000" b="0" dirty="0">
                 <a:solidFill>
                   <a:schemeClr val="tx1"/>
                 </a:solidFill>
+                <a:latin typeface="PingFang SC Thin" panose="020B0200000000000000" pitchFamily="34" charset="-122"/>
+                <a:ea typeface="PingFang SC Thin" panose="020B0200000000000000" pitchFamily="34" charset="-122"/>
               </a:rPr>
               <a:t>this</a:t>
             </a:r>
           </a:p>
           <a:p>
-            <a:r>
-              <a:rPr lang="zh-CN" altLang="en-US" sz="8000" dirty="0">
+            <a:pPr>
+              <a:lnSpc>
+                <a:spcPct val="120000"/>
+              </a:lnSpc>
+            </a:pPr>
+            <a:r>
+              <a:rPr lang="zh-CN" altLang="en-US" sz="8000" b="0" dirty="0">
                 <a:solidFill>
                   <a:schemeClr val="tx1"/>
                 </a:solidFill>
+                <a:latin typeface="PingFang SC Thin" panose="020B0200000000000000" pitchFamily="34" charset="-122"/>
+                <a:ea typeface="PingFang SC Thin" panose="020B0200000000000000" pitchFamily="34" charset="-122"/>
               </a:rPr>
               <a:t>对象</a:t>
             </a:r>
@@ -1551,6 +1588,993 @@
 </p:sld>
 </file>
 
+<file path=ppt/slides/slide12.xml><?xml version="1.0" encoding="utf-8"?>
+<p:sld xmlns:a="http://schemas.openxmlformats.org/drawingml/2006/main" xmlns:r="http://schemas.openxmlformats.org/officeDocument/2006/relationships" xmlns:p="http://schemas.openxmlformats.org/presentationml/2006/main">
+  <p:cSld>
+    <p:spTree>
+      <p:nvGrpSpPr>
+        <p:cNvPr id="1" name=""/>
+        <p:cNvGrpSpPr/>
+        <p:nvPr/>
+      </p:nvGrpSpPr>
+      <p:grpSpPr>
+        <a:xfrm>
+          <a:off x="0" y="0"/>
+          <a:ext cx="0" cy="0"/>
+          <a:chOff x="0" y="0"/>
+          <a:chExt cx="0" cy="0"/>
+        </a:xfrm>
+      </p:grpSpPr>
+      <p:sp>
+        <p:nvSpPr>
+          <p:cNvPr id="47" name="文本框 46">
+            <a:extLst>
+              <a:ext uri="{FF2B5EF4-FFF2-40B4-BE49-F238E27FC236}">
+                <a16:creationId xmlns:a16="http://schemas.microsoft.com/office/drawing/2014/main" id="{E2EF3B4C-7775-4D07-AA7B-E56542739ED6}"/>
+              </a:ext>
+            </a:extLst>
+          </p:cNvPr>
+          <p:cNvSpPr txBox="1"/>
+          <p:nvPr/>
+        </p:nvSpPr>
+        <p:spPr>
+          <a:xfrm>
+            <a:off x="674238" y="630177"/>
+            <a:ext cx="1415772" cy="830997"/>
+          </a:xfrm>
+          <a:prstGeom prst="rect">
+            <a:avLst/>
+          </a:prstGeom>
+        </p:spPr>
+        <p:txBody>
+          <a:bodyPr wrap="none">
+            <a:spAutoFit/>
+          </a:bodyPr>
+          <a:lstStyle>
+            <a:defPPr>
+              <a:defRPr lang="zh-CN"/>
+            </a:defPPr>
+            <a:lvl1pPr>
+              <a:defRPr sz="4000" b="1">
+                <a:solidFill>
+                  <a:schemeClr val="bg2">
+                    <a:lumMod val="90000"/>
+                  </a:schemeClr>
+                </a:solidFill>
+                <a:latin typeface="Open Sans"/>
+              </a:defRPr>
+            </a:lvl1pPr>
+          </a:lstStyle>
+          <a:p>
+            <a:r>
+              <a:rPr lang="zh-CN" altLang="en-US" sz="4800" dirty="0">
+                <a:solidFill>
+                  <a:srgbClr val="00B0F0"/>
+                </a:solidFill>
+              </a:rPr>
+              <a:t>回调</a:t>
+            </a:r>
+          </a:p>
+        </p:txBody>
+      </p:sp>
+      <p:sp>
+        <p:nvSpPr>
+          <p:cNvPr id="4" name="文本框 3">
+            <a:extLst>
+              <a:ext uri="{FF2B5EF4-FFF2-40B4-BE49-F238E27FC236}">
+                <a16:creationId xmlns:a16="http://schemas.microsoft.com/office/drawing/2014/main" id="{5CA8FBD3-1B5B-A14F-BB15-29D7C712558D}"/>
+              </a:ext>
+            </a:extLst>
+          </p:cNvPr>
+          <p:cNvSpPr txBox="1"/>
+          <p:nvPr/>
+        </p:nvSpPr>
+        <p:spPr>
+          <a:xfrm>
+            <a:off x="2084505" y="1045675"/>
+            <a:ext cx="4311989" cy="276999"/>
+          </a:xfrm>
+          <a:prstGeom prst="rect">
+            <a:avLst/>
+          </a:prstGeom>
+        </p:spPr>
+        <p:txBody>
+          <a:bodyPr wrap="square">
+            <a:spAutoFit/>
+          </a:bodyPr>
+          <a:lstStyle>
+            <a:defPPr>
+              <a:defRPr lang="zh-CN"/>
+            </a:defPPr>
+            <a:lvl1pPr>
+              <a:lnSpc>
+                <a:spcPct val="100000"/>
+              </a:lnSpc>
+              <a:defRPr b="0">
+                <a:solidFill>
+                  <a:schemeClr val="bg2">
+                    <a:lumMod val="50000"/>
+                  </a:schemeClr>
+                </a:solidFill>
+                <a:latin typeface="PingFang SC Thin" panose="020B0200000000000000" pitchFamily="34" charset="-122"/>
+                <a:ea typeface="PingFang SC Thin" panose="020B0200000000000000" pitchFamily="34" charset="-122"/>
+                <a:cs typeface="Courier New" panose="02070309020205020404" pitchFamily="49" charset="0"/>
+              </a:defRPr>
+            </a:lvl1pPr>
+          </a:lstStyle>
+          <a:p>
+            <a:r>
+              <a:rPr lang="en-US" altLang="zh-CN" dirty="0"/>
+              <a:t>《</a:t>
+            </a:r>
+            <a:r>
+              <a:rPr lang="zh-CN" altLang="en-US" dirty="0"/>
+              <a:t>你不知道的</a:t>
+            </a:r>
+            <a:r>
+              <a:rPr lang="en-US" altLang="zh-CN" dirty="0"/>
+              <a:t>JavaScript》</a:t>
+            </a:r>
+          </a:p>
+        </p:txBody>
+      </p:sp>
+      <p:sp>
+        <p:nvSpPr>
+          <p:cNvPr id="5" name="文本框 4">
+            <a:extLst>
+              <a:ext uri="{FF2B5EF4-FFF2-40B4-BE49-F238E27FC236}">
+                <a16:creationId xmlns:a16="http://schemas.microsoft.com/office/drawing/2014/main" id="{F7F06D5C-CFCE-164A-BD64-268AEEB95E47}"/>
+              </a:ext>
+            </a:extLst>
+          </p:cNvPr>
+          <p:cNvSpPr txBox="1"/>
+          <p:nvPr/>
+        </p:nvSpPr>
+        <p:spPr>
+          <a:xfrm>
+            <a:off x="1809594" y="2373943"/>
+            <a:ext cx="1210588" cy="707886"/>
+          </a:xfrm>
+          <a:prstGeom prst="rect">
+            <a:avLst/>
+          </a:prstGeom>
+        </p:spPr>
+        <p:txBody>
+          <a:bodyPr wrap="none">
+            <a:spAutoFit/>
+          </a:bodyPr>
+          <a:lstStyle>
+            <a:defPPr>
+              <a:defRPr lang="zh-CN"/>
+            </a:defPPr>
+            <a:lvl1pPr>
+              <a:defRPr sz="4000" b="1">
+                <a:solidFill>
+                  <a:schemeClr val="bg2">
+                    <a:lumMod val="90000"/>
+                  </a:schemeClr>
+                </a:solidFill>
+                <a:latin typeface="Open Sans"/>
+              </a:defRPr>
+            </a:lvl1pPr>
+          </a:lstStyle>
+          <a:p>
+            <a:r>
+              <a:rPr lang="zh-CN" altLang="en-US" dirty="0">
+                <a:solidFill>
+                  <a:srgbClr val="92D050"/>
+                </a:solidFill>
+              </a:rPr>
+              <a:t>作用</a:t>
+            </a:r>
+          </a:p>
+        </p:txBody>
+      </p:sp>
+      <p:sp>
+        <p:nvSpPr>
+          <p:cNvPr id="6" name="文本框 5">
+            <a:extLst>
+              <a:ext uri="{FF2B5EF4-FFF2-40B4-BE49-F238E27FC236}">
+                <a16:creationId xmlns:a16="http://schemas.microsoft.com/office/drawing/2014/main" id="{69DDE249-2DC1-D449-AE8C-3C148F206B18}"/>
+              </a:ext>
+            </a:extLst>
+          </p:cNvPr>
+          <p:cNvSpPr txBox="1"/>
+          <p:nvPr/>
+        </p:nvSpPr>
+        <p:spPr>
+          <a:xfrm>
+            <a:off x="5791200" y="2373943"/>
+            <a:ext cx="1210588" cy="707886"/>
+          </a:xfrm>
+          <a:prstGeom prst="rect">
+            <a:avLst/>
+          </a:prstGeom>
+        </p:spPr>
+        <p:txBody>
+          <a:bodyPr wrap="none">
+            <a:spAutoFit/>
+          </a:bodyPr>
+          <a:lstStyle>
+            <a:defPPr>
+              <a:defRPr lang="zh-CN"/>
+            </a:defPPr>
+            <a:lvl1pPr>
+              <a:defRPr sz="4000" b="1">
+                <a:solidFill>
+                  <a:schemeClr val="bg2">
+                    <a:lumMod val="90000"/>
+                  </a:schemeClr>
+                </a:solidFill>
+                <a:latin typeface="Open Sans"/>
+              </a:defRPr>
+            </a:lvl1pPr>
+          </a:lstStyle>
+          <a:p>
+            <a:r>
+              <a:rPr lang="zh-CN" altLang="en-US" dirty="0">
+                <a:solidFill>
+                  <a:schemeClr val="bg1">
+                    <a:lumMod val="75000"/>
+                  </a:schemeClr>
+                </a:solidFill>
+              </a:rPr>
+              <a:t>不足</a:t>
+            </a:r>
+          </a:p>
+        </p:txBody>
+      </p:sp>
+      <p:sp>
+        <p:nvSpPr>
+          <p:cNvPr id="7" name="文本框 6">
+            <a:extLst>
+              <a:ext uri="{FF2B5EF4-FFF2-40B4-BE49-F238E27FC236}">
+                <a16:creationId xmlns:a16="http://schemas.microsoft.com/office/drawing/2014/main" id="{2186F7FC-8D26-9143-A53E-6934D64EDE5B}"/>
+              </a:ext>
+            </a:extLst>
+          </p:cNvPr>
+          <p:cNvSpPr txBox="1"/>
+          <p:nvPr/>
+        </p:nvSpPr>
+        <p:spPr>
+          <a:xfrm>
+            <a:off x="5791200" y="3127850"/>
+            <a:ext cx="3430414" cy="888705"/>
+          </a:xfrm>
+          <a:prstGeom prst="rect">
+            <a:avLst/>
+          </a:prstGeom>
+        </p:spPr>
+        <p:txBody>
+          <a:bodyPr wrap="square">
+            <a:spAutoFit/>
+          </a:bodyPr>
+          <a:lstStyle>
+            <a:defPPr>
+              <a:defRPr lang="zh-CN"/>
+            </a:defPPr>
+            <a:lvl1pPr>
+              <a:lnSpc>
+                <a:spcPct val="150000"/>
+              </a:lnSpc>
+              <a:defRPr b="0">
+                <a:solidFill>
+                  <a:schemeClr val="tx1">
+                    <a:lumMod val="75000"/>
+                    <a:lumOff val="25000"/>
+                  </a:schemeClr>
+                </a:solidFill>
+                <a:latin typeface="PingFang SC Thin" panose="020B0200000000000000" pitchFamily="34" charset="-122"/>
+                <a:ea typeface="PingFang SC Thin" panose="020B0200000000000000" pitchFamily="34" charset="-122"/>
+              </a:defRPr>
+            </a:lvl1pPr>
+          </a:lstStyle>
+          <a:p>
+            <a:r>
+              <a:rPr lang="zh-CN" altLang="en-US" dirty="0">
+                <a:latin typeface="PingFang SC Thin" panose="020B0200000000000000" pitchFamily="34" charset="-122"/>
+                <a:ea typeface="PingFang SC Thin" panose="020B0200000000000000" pitchFamily="34" charset="-122"/>
+                <a:cs typeface="Courier New" panose="02070309020205020404" pitchFamily="49" charset="0"/>
+              </a:rPr>
+              <a:t>缺乏顺序性</a:t>
+            </a:r>
+            <a:endParaRPr lang="en-US" altLang="zh-CN" dirty="0">
+              <a:latin typeface="PingFang SC Thin" panose="020B0200000000000000" pitchFamily="34" charset="-122"/>
+              <a:ea typeface="PingFang SC Thin" panose="020B0200000000000000" pitchFamily="34" charset="-122"/>
+              <a:cs typeface="Courier New" panose="02070309020205020404" pitchFamily="49" charset="0"/>
+            </a:endParaRPr>
+          </a:p>
+          <a:p>
+            <a:r>
+              <a:rPr lang="zh-CN" altLang="en-US" dirty="0">
+                <a:latin typeface="PingFang SC Thin" panose="020B0200000000000000" pitchFamily="34" charset="-122"/>
+                <a:ea typeface="PingFang SC Thin" panose="020B0200000000000000" pitchFamily="34" charset="-122"/>
+                <a:cs typeface="Courier New" panose="02070309020205020404" pitchFamily="49" charset="0"/>
+              </a:rPr>
+              <a:t>不可信用</a:t>
+            </a:r>
+            <a:endParaRPr lang="en-US" altLang="zh-CN" dirty="0">
+              <a:latin typeface="PingFang SC Thin" panose="020B0200000000000000" pitchFamily="34" charset="-122"/>
+              <a:ea typeface="PingFang SC Thin" panose="020B0200000000000000" pitchFamily="34" charset="-122"/>
+              <a:cs typeface="Courier New" panose="02070309020205020404" pitchFamily="49" charset="0"/>
+            </a:endParaRPr>
+          </a:p>
+        </p:txBody>
+      </p:sp>
+    </p:spTree>
+    <p:extLst>
+      <p:ext uri="{BB962C8B-B14F-4D97-AF65-F5344CB8AC3E}">
+        <p14:creationId xmlns:p14="http://schemas.microsoft.com/office/powerpoint/2010/main" val="1088924085"/>
+      </p:ext>
+    </p:extLst>
+  </p:cSld>
+  <p:clrMapOvr>
+    <a:masterClrMapping/>
+  </p:clrMapOvr>
+</p:sld>
+</file>
+
+<file path=ppt/slides/slide13.xml><?xml version="1.0" encoding="utf-8"?>
+<p:sld xmlns:a="http://schemas.openxmlformats.org/drawingml/2006/main" xmlns:r="http://schemas.openxmlformats.org/officeDocument/2006/relationships" xmlns:p="http://schemas.openxmlformats.org/presentationml/2006/main">
+  <p:cSld>
+    <p:spTree>
+      <p:nvGrpSpPr>
+        <p:cNvPr id="1" name=""/>
+        <p:cNvGrpSpPr/>
+        <p:nvPr/>
+      </p:nvGrpSpPr>
+      <p:grpSpPr>
+        <a:xfrm>
+          <a:off x="0" y="0"/>
+          <a:ext cx="0" cy="0"/>
+          <a:chOff x="0" y="0"/>
+          <a:chExt cx="0" cy="0"/>
+        </a:xfrm>
+      </p:grpSpPr>
+      <p:sp>
+        <p:nvSpPr>
+          <p:cNvPr id="47" name="文本框 46">
+            <a:extLst>
+              <a:ext uri="{FF2B5EF4-FFF2-40B4-BE49-F238E27FC236}">
+                <a16:creationId xmlns:a16="http://schemas.microsoft.com/office/drawing/2014/main" id="{E2EF3B4C-7775-4D07-AA7B-E56542739ED6}"/>
+              </a:ext>
+            </a:extLst>
+          </p:cNvPr>
+          <p:cNvSpPr txBox="1"/>
+          <p:nvPr/>
+        </p:nvSpPr>
+        <p:spPr>
+          <a:xfrm>
+            <a:off x="674238" y="630177"/>
+            <a:ext cx="2525820" cy="830997"/>
+          </a:xfrm>
+          <a:prstGeom prst="rect">
+            <a:avLst/>
+          </a:prstGeom>
+        </p:spPr>
+        <p:txBody>
+          <a:bodyPr wrap="none">
+            <a:spAutoFit/>
+          </a:bodyPr>
+          <a:lstStyle>
+            <a:defPPr>
+              <a:defRPr lang="zh-CN"/>
+            </a:defPPr>
+            <a:lvl1pPr>
+              <a:defRPr sz="4000" b="1">
+                <a:solidFill>
+                  <a:schemeClr val="bg2">
+                    <a:lumMod val="90000"/>
+                  </a:schemeClr>
+                </a:solidFill>
+                <a:latin typeface="Open Sans"/>
+              </a:defRPr>
+            </a:lvl1pPr>
+          </a:lstStyle>
+          <a:p>
+            <a:r>
+              <a:rPr lang="en-US" altLang="zh-CN" sz="4800" dirty="0">
+                <a:solidFill>
+                  <a:srgbClr val="00B0F0"/>
+                </a:solidFill>
+              </a:rPr>
+              <a:t>Promise</a:t>
+            </a:r>
+            <a:endParaRPr lang="zh-CN" altLang="en-US" sz="4800" dirty="0">
+              <a:solidFill>
+                <a:srgbClr val="00B0F0"/>
+              </a:solidFill>
+            </a:endParaRPr>
+          </a:p>
+        </p:txBody>
+      </p:sp>
+      <p:sp>
+        <p:nvSpPr>
+          <p:cNvPr id="4" name="文本框 3">
+            <a:extLst>
+              <a:ext uri="{FF2B5EF4-FFF2-40B4-BE49-F238E27FC236}">
+                <a16:creationId xmlns:a16="http://schemas.microsoft.com/office/drawing/2014/main" id="{5CA8FBD3-1B5B-A14F-BB15-29D7C712558D}"/>
+              </a:ext>
+            </a:extLst>
+          </p:cNvPr>
+          <p:cNvSpPr txBox="1"/>
+          <p:nvPr/>
+        </p:nvSpPr>
+        <p:spPr>
+          <a:xfrm>
+            <a:off x="3200058" y="1045675"/>
+            <a:ext cx="4311989" cy="369332"/>
+          </a:xfrm>
+          <a:prstGeom prst="rect">
+            <a:avLst/>
+          </a:prstGeom>
+        </p:spPr>
+        <p:txBody>
+          <a:bodyPr wrap="square">
+            <a:spAutoFit/>
+          </a:bodyPr>
+          <a:lstStyle>
+            <a:defPPr>
+              <a:defRPr lang="zh-CN"/>
+            </a:defPPr>
+            <a:lvl1pPr>
+              <a:lnSpc>
+                <a:spcPct val="100000"/>
+              </a:lnSpc>
+              <a:defRPr b="0">
+                <a:solidFill>
+                  <a:schemeClr val="bg2">
+                    <a:lumMod val="50000"/>
+                  </a:schemeClr>
+                </a:solidFill>
+                <a:latin typeface="PingFang SC Thin" panose="020B0200000000000000" pitchFamily="34" charset="-122"/>
+                <a:ea typeface="PingFang SC Thin" panose="020B0200000000000000" pitchFamily="34" charset="-122"/>
+                <a:cs typeface="Courier New" panose="02070309020205020404" pitchFamily="49" charset="0"/>
+              </a:defRPr>
+            </a:lvl1pPr>
+          </a:lstStyle>
+          <a:p>
+            <a:r>
+              <a:rPr lang="en-US" altLang="zh-CN" dirty="0"/>
+              <a:t>《</a:t>
+            </a:r>
+            <a:r>
+              <a:rPr lang="zh-CN" altLang="en-US" dirty="0"/>
+              <a:t>你不知道的</a:t>
+            </a:r>
+            <a:r>
+              <a:rPr lang="en-US" altLang="zh-CN" dirty="0"/>
+              <a:t>JavaScript》</a:t>
+            </a:r>
+          </a:p>
+        </p:txBody>
+      </p:sp>
+      <p:sp>
+        <p:nvSpPr>
+          <p:cNvPr id="5" name="文本框 4">
+            <a:extLst>
+              <a:ext uri="{FF2B5EF4-FFF2-40B4-BE49-F238E27FC236}">
+                <a16:creationId xmlns:a16="http://schemas.microsoft.com/office/drawing/2014/main" id="{00E19AE1-5A28-8442-A3AB-5DE63AD11BE1}"/>
+              </a:ext>
+            </a:extLst>
+          </p:cNvPr>
+          <p:cNvSpPr txBox="1"/>
+          <p:nvPr/>
+        </p:nvSpPr>
+        <p:spPr>
+          <a:xfrm>
+            <a:off x="1397618" y="3060152"/>
+            <a:ext cx="4311989" cy="888705"/>
+          </a:xfrm>
+          <a:prstGeom prst="rect">
+            <a:avLst/>
+          </a:prstGeom>
+        </p:spPr>
+        <p:txBody>
+          <a:bodyPr wrap="square">
+            <a:spAutoFit/>
+          </a:bodyPr>
+          <a:lstStyle>
+            <a:defPPr>
+              <a:defRPr lang="zh-CN"/>
+            </a:defPPr>
+            <a:lvl1pPr>
+              <a:lnSpc>
+                <a:spcPct val="150000"/>
+              </a:lnSpc>
+              <a:defRPr b="0">
+                <a:solidFill>
+                  <a:schemeClr val="tx1">
+                    <a:lumMod val="75000"/>
+                    <a:lumOff val="25000"/>
+                  </a:schemeClr>
+                </a:solidFill>
+                <a:latin typeface="PingFang SC Thin" panose="020B0200000000000000" pitchFamily="34" charset="-122"/>
+                <a:ea typeface="PingFang SC Thin" panose="020B0200000000000000" pitchFamily="34" charset="-122"/>
+              </a:defRPr>
+            </a:lvl1pPr>
+          </a:lstStyle>
+          <a:p>
+            <a:r>
+              <a:rPr lang="en-US" altLang="zh-CN" dirty="0" err="1">
+                <a:solidFill>
+                  <a:schemeClr val="tx1"/>
+                </a:solidFill>
+                <a:latin typeface="Courier New" panose="02070309020205020404" pitchFamily="49" charset="0"/>
+                <a:cs typeface="Courier New" panose="02070309020205020404" pitchFamily="49" charset="0"/>
+              </a:rPr>
+              <a:t>Promise.all</a:t>
+            </a:r>
+            <a:r>
+              <a:rPr lang="en-US" altLang="zh-CN" dirty="0">
+                <a:solidFill>
+                  <a:schemeClr val="tx1"/>
+                </a:solidFill>
+                <a:latin typeface="Courier New" panose="02070309020205020404" pitchFamily="49" charset="0"/>
+                <a:cs typeface="Courier New" panose="02070309020205020404" pitchFamily="49" charset="0"/>
+              </a:rPr>
+              <a:t>([..])</a:t>
+            </a:r>
+          </a:p>
+          <a:p>
+            <a:r>
+              <a:rPr lang="en-US" altLang="zh-CN" dirty="0" err="1">
+                <a:solidFill>
+                  <a:schemeClr val="tx1"/>
+                </a:solidFill>
+                <a:latin typeface="Courier New" panose="02070309020205020404" pitchFamily="49" charset="0"/>
+                <a:cs typeface="Courier New" panose="02070309020205020404" pitchFamily="49" charset="0"/>
+              </a:rPr>
+              <a:t>Promise.race</a:t>
+            </a:r>
+            <a:r>
+              <a:rPr lang="en-US" altLang="zh-CN" dirty="0">
+                <a:solidFill>
+                  <a:schemeClr val="tx1"/>
+                </a:solidFill>
+                <a:latin typeface="Courier New" panose="02070309020205020404" pitchFamily="49" charset="0"/>
+                <a:cs typeface="Courier New" panose="02070309020205020404" pitchFamily="49" charset="0"/>
+              </a:rPr>
+              <a:t>([..])</a:t>
+            </a:r>
+          </a:p>
+        </p:txBody>
+      </p:sp>
+      <p:sp>
+        <p:nvSpPr>
+          <p:cNvPr id="6" name="文本框 5">
+            <a:extLst>
+              <a:ext uri="{FF2B5EF4-FFF2-40B4-BE49-F238E27FC236}">
+                <a16:creationId xmlns:a16="http://schemas.microsoft.com/office/drawing/2014/main" id="{C1362369-CEC6-3849-9D91-0EE2238332E0}"/>
+              </a:ext>
+            </a:extLst>
+          </p:cNvPr>
+          <p:cNvSpPr txBox="1"/>
+          <p:nvPr/>
+        </p:nvSpPr>
+        <p:spPr>
+          <a:xfrm>
+            <a:off x="1397618" y="2352266"/>
+            <a:ext cx="1210588" cy="707886"/>
+          </a:xfrm>
+          <a:prstGeom prst="rect">
+            <a:avLst/>
+          </a:prstGeom>
+        </p:spPr>
+        <p:txBody>
+          <a:bodyPr wrap="none">
+            <a:spAutoFit/>
+          </a:bodyPr>
+          <a:lstStyle>
+            <a:defPPr>
+              <a:defRPr lang="zh-CN"/>
+            </a:defPPr>
+            <a:lvl1pPr>
+              <a:defRPr sz="4000" b="1">
+                <a:solidFill>
+                  <a:schemeClr val="bg2">
+                    <a:lumMod val="90000"/>
+                  </a:schemeClr>
+                </a:solidFill>
+                <a:latin typeface="Open Sans"/>
+              </a:defRPr>
+            </a:lvl1pPr>
+          </a:lstStyle>
+          <a:p>
+            <a:r>
+              <a:rPr lang="zh-CN" altLang="en-US" dirty="0">
+                <a:solidFill>
+                  <a:schemeClr val="bg1">
+                    <a:lumMod val="75000"/>
+                  </a:schemeClr>
+                </a:solidFill>
+              </a:rPr>
+              <a:t>模式</a:t>
+            </a:r>
+          </a:p>
+        </p:txBody>
+      </p:sp>
+    </p:spTree>
+    <p:extLst>
+      <p:ext uri="{BB962C8B-B14F-4D97-AF65-F5344CB8AC3E}">
+        <p14:creationId xmlns:p14="http://schemas.microsoft.com/office/powerpoint/2010/main" val="584492040"/>
+      </p:ext>
+    </p:extLst>
+  </p:cSld>
+  <p:clrMapOvr>
+    <a:masterClrMapping/>
+  </p:clrMapOvr>
+</p:sld>
+</file>
+
+<file path=ppt/slides/slide14.xml><?xml version="1.0" encoding="utf-8"?>
+<p:sld xmlns:a="http://schemas.openxmlformats.org/drawingml/2006/main" xmlns:r="http://schemas.openxmlformats.org/officeDocument/2006/relationships" xmlns:p="http://schemas.openxmlformats.org/presentationml/2006/main">
+  <p:cSld>
+    <p:spTree>
+      <p:nvGrpSpPr>
+        <p:cNvPr id="1" name=""/>
+        <p:cNvGrpSpPr/>
+        <p:nvPr/>
+      </p:nvGrpSpPr>
+      <p:grpSpPr>
+        <a:xfrm>
+          <a:off x="0" y="0"/>
+          <a:ext cx="0" cy="0"/>
+          <a:chOff x="0" y="0"/>
+          <a:chExt cx="0" cy="0"/>
+        </a:xfrm>
+      </p:grpSpPr>
+      <p:sp>
+        <p:nvSpPr>
+          <p:cNvPr id="47" name="文本框 46">
+            <a:extLst>
+              <a:ext uri="{FF2B5EF4-FFF2-40B4-BE49-F238E27FC236}">
+                <a16:creationId xmlns:a16="http://schemas.microsoft.com/office/drawing/2014/main" id="{E2EF3B4C-7775-4D07-AA7B-E56542739ED6}"/>
+              </a:ext>
+            </a:extLst>
+          </p:cNvPr>
+          <p:cNvSpPr txBox="1"/>
+          <p:nvPr/>
+        </p:nvSpPr>
+        <p:spPr>
+          <a:xfrm>
+            <a:off x="674238" y="630177"/>
+            <a:ext cx="3040384" cy="830997"/>
+          </a:xfrm>
+          <a:prstGeom prst="rect">
+            <a:avLst/>
+          </a:prstGeom>
+        </p:spPr>
+        <p:txBody>
+          <a:bodyPr wrap="none">
+            <a:spAutoFit/>
+          </a:bodyPr>
+          <a:lstStyle>
+            <a:defPPr>
+              <a:defRPr lang="zh-CN"/>
+            </a:defPPr>
+            <a:lvl1pPr>
+              <a:defRPr sz="4000" b="1">
+                <a:solidFill>
+                  <a:schemeClr val="bg2">
+                    <a:lumMod val="90000"/>
+                  </a:schemeClr>
+                </a:solidFill>
+                <a:latin typeface="Open Sans"/>
+              </a:defRPr>
+            </a:lvl1pPr>
+          </a:lstStyle>
+          <a:p>
+            <a:r>
+              <a:rPr lang="en-US" altLang="zh-CN" sz="4800" dirty="0">
+                <a:solidFill>
+                  <a:srgbClr val="00B0F0"/>
+                </a:solidFill>
+              </a:rPr>
+              <a:t>generator</a:t>
+            </a:r>
+            <a:endParaRPr lang="zh-CN" altLang="en-US" sz="4800" dirty="0">
+              <a:solidFill>
+                <a:srgbClr val="00B0F0"/>
+              </a:solidFill>
+            </a:endParaRPr>
+          </a:p>
+        </p:txBody>
+      </p:sp>
+      <p:sp>
+        <p:nvSpPr>
+          <p:cNvPr id="4" name="文本框 3">
+            <a:extLst>
+              <a:ext uri="{FF2B5EF4-FFF2-40B4-BE49-F238E27FC236}">
+                <a16:creationId xmlns:a16="http://schemas.microsoft.com/office/drawing/2014/main" id="{5CA8FBD3-1B5B-A14F-BB15-29D7C712558D}"/>
+              </a:ext>
+            </a:extLst>
+          </p:cNvPr>
+          <p:cNvSpPr txBox="1"/>
+          <p:nvPr/>
+        </p:nvSpPr>
+        <p:spPr>
+          <a:xfrm>
+            <a:off x="3714622" y="1045675"/>
+            <a:ext cx="4311989" cy="369332"/>
+          </a:xfrm>
+          <a:prstGeom prst="rect">
+            <a:avLst/>
+          </a:prstGeom>
+        </p:spPr>
+        <p:txBody>
+          <a:bodyPr wrap="square">
+            <a:spAutoFit/>
+          </a:bodyPr>
+          <a:lstStyle>
+            <a:defPPr>
+              <a:defRPr lang="zh-CN"/>
+            </a:defPPr>
+            <a:lvl1pPr>
+              <a:lnSpc>
+                <a:spcPct val="100000"/>
+              </a:lnSpc>
+              <a:defRPr b="0">
+                <a:solidFill>
+                  <a:schemeClr val="bg2">
+                    <a:lumMod val="50000"/>
+                  </a:schemeClr>
+                </a:solidFill>
+                <a:latin typeface="PingFang SC Thin" panose="020B0200000000000000" pitchFamily="34" charset="-122"/>
+                <a:ea typeface="PingFang SC Thin" panose="020B0200000000000000" pitchFamily="34" charset="-122"/>
+                <a:cs typeface="Courier New" panose="02070309020205020404" pitchFamily="49" charset="0"/>
+              </a:defRPr>
+            </a:lvl1pPr>
+          </a:lstStyle>
+          <a:p>
+            <a:r>
+              <a:rPr lang="en-US" altLang="zh-CN" dirty="0"/>
+              <a:t>《</a:t>
+            </a:r>
+            <a:r>
+              <a:rPr lang="zh-CN" altLang="en-US" dirty="0"/>
+              <a:t>你不知道的</a:t>
+            </a:r>
+            <a:r>
+              <a:rPr lang="en-US" altLang="zh-CN" dirty="0"/>
+              <a:t>JavaScript》</a:t>
+            </a:r>
+          </a:p>
+        </p:txBody>
+      </p:sp>
+    </p:spTree>
+    <p:extLst>
+      <p:ext uri="{BB962C8B-B14F-4D97-AF65-F5344CB8AC3E}">
+        <p14:creationId xmlns:p14="http://schemas.microsoft.com/office/powerpoint/2010/main" val="557369942"/>
+      </p:ext>
+    </p:extLst>
+  </p:cSld>
+  <p:clrMapOvr>
+    <a:masterClrMapping/>
+  </p:clrMapOvr>
+</p:sld>
+</file>
+
+<file path=ppt/slides/slide15.xml><?xml version="1.0" encoding="utf-8"?>
+<p:sld xmlns:a="http://schemas.openxmlformats.org/drawingml/2006/main" xmlns:r="http://schemas.openxmlformats.org/officeDocument/2006/relationships" xmlns:p="http://schemas.openxmlformats.org/presentationml/2006/main">
+  <p:cSld>
+    <p:spTree>
+      <p:nvGrpSpPr>
+        <p:cNvPr id="1" name=""/>
+        <p:cNvGrpSpPr/>
+        <p:nvPr/>
+      </p:nvGrpSpPr>
+      <p:grpSpPr>
+        <a:xfrm>
+          <a:off x="0" y="0"/>
+          <a:ext cx="0" cy="0"/>
+          <a:chOff x="0" y="0"/>
+          <a:chExt cx="0" cy="0"/>
+        </a:xfrm>
+      </p:grpSpPr>
+      <p:sp>
+        <p:nvSpPr>
+          <p:cNvPr id="47" name="文本框 46">
+            <a:extLst>
+              <a:ext uri="{FF2B5EF4-FFF2-40B4-BE49-F238E27FC236}">
+                <a16:creationId xmlns:a16="http://schemas.microsoft.com/office/drawing/2014/main" id="{E2EF3B4C-7775-4D07-AA7B-E56542739ED6}"/>
+              </a:ext>
+            </a:extLst>
+          </p:cNvPr>
+          <p:cNvSpPr txBox="1"/>
+          <p:nvPr/>
+        </p:nvSpPr>
+        <p:spPr>
+          <a:xfrm>
+            <a:off x="3438862" y="1843950"/>
+            <a:ext cx="5314275" cy="3170099"/>
+          </a:xfrm>
+          <a:prstGeom prst="rect">
+            <a:avLst/>
+          </a:prstGeom>
+        </p:spPr>
+        <p:txBody>
+          <a:bodyPr wrap="none">
+            <a:spAutoFit/>
+          </a:bodyPr>
+          <a:lstStyle>
+            <a:defPPr>
+              <a:defRPr lang="zh-CN"/>
+            </a:defPPr>
+            <a:lvl1pPr>
+              <a:defRPr sz="4000" b="1">
+                <a:solidFill>
+                  <a:schemeClr val="bg2">
+                    <a:lumMod val="90000"/>
+                  </a:schemeClr>
+                </a:solidFill>
+                <a:latin typeface="Open Sans"/>
+              </a:defRPr>
+            </a:lvl1pPr>
+          </a:lstStyle>
+          <a:p>
+            <a:r>
+              <a:rPr lang="zh-CN" altLang="en-US" sz="20000" dirty="0">
+                <a:solidFill>
+                  <a:srgbClr val="F2BE00"/>
+                </a:solidFill>
+              </a:rPr>
+              <a:t>性能</a:t>
+            </a:r>
+          </a:p>
+        </p:txBody>
+      </p:sp>
+    </p:spTree>
+    <p:extLst>
+      <p:ext uri="{BB962C8B-B14F-4D97-AF65-F5344CB8AC3E}">
+        <p14:creationId xmlns:p14="http://schemas.microsoft.com/office/powerpoint/2010/main" val="2026597521"/>
+      </p:ext>
+    </p:extLst>
+  </p:cSld>
+  <p:clrMapOvr>
+    <a:masterClrMapping/>
+  </p:clrMapOvr>
+</p:sld>
+</file>
+
+<file path=ppt/slides/slide16.xml><?xml version="1.0" encoding="utf-8"?>
+<p:sld xmlns:a="http://schemas.openxmlformats.org/drawingml/2006/main" xmlns:r="http://schemas.openxmlformats.org/officeDocument/2006/relationships" xmlns:p="http://schemas.openxmlformats.org/presentationml/2006/main">
+  <p:cSld>
+    <p:spTree>
+      <p:nvGrpSpPr>
+        <p:cNvPr id="1" name=""/>
+        <p:cNvGrpSpPr/>
+        <p:nvPr/>
+      </p:nvGrpSpPr>
+      <p:grpSpPr>
+        <a:xfrm>
+          <a:off x="0" y="0"/>
+          <a:ext cx="0" cy="0"/>
+          <a:chOff x="0" y="0"/>
+          <a:chExt cx="0" cy="0"/>
+        </a:xfrm>
+      </p:grpSpPr>
+      <p:sp>
+        <p:nvSpPr>
+          <p:cNvPr id="3" name="文本框 2">
+            <a:extLst>
+              <a:ext uri="{FF2B5EF4-FFF2-40B4-BE49-F238E27FC236}">
+                <a16:creationId xmlns:a16="http://schemas.microsoft.com/office/drawing/2014/main" id="{28A5FB79-5690-2042-AC6F-66BA8E12C305}"/>
+              </a:ext>
+            </a:extLst>
+          </p:cNvPr>
+          <p:cNvSpPr txBox="1"/>
+          <p:nvPr/>
+        </p:nvSpPr>
+        <p:spPr>
+          <a:xfrm>
+            <a:off x="2438400" y="2055162"/>
+            <a:ext cx="3203569" cy="2747675"/>
+          </a:xfrm>
+          <a:prstGeom prst="rect">
+            <a:avLst/>
+          </a:prstGeom>
+        </p:spPr>
+        <p:txBody>
+          <a:bodyPr wrap="none">
+            <a:spAutoFit/>
+          </a:bodyPr>
+          <a:lstStyle>
+            <a:defPPr>
+              <a:defRPr lang="zh-CN"/>
+            </a:defPPr>
+            <a:lvl1pPr>
+              <a:defRPr sz="4000" b="1">
+                <a:solidFill>
+                  <a:schemeClr val="bg2">
+                    <a:lumMod val="90000"/>
+                  </a:schemeClr>
+                </a:solidFill>
+                <a:latin typeface="Open Sans"/>
+              </a:defRPr>
+            </a:lvl1pPr>
+          </a:lstStyle>
+          <a:p>
+            <a:pPr>
+              <a:lnSpc>
+                <a:spcPct val="150000"/>
+              </a:lnSpc>
+            </a:pPr>
+            <a:r>
+              <a:rPr lang="en-US" altLang="zh-CN" dirty="0">
+                <a:solidFill>
+                  <a:srgbClr val="FF3399"/>
+                </a:solidFill>
+              </a:rPr>
+              <a:t>Web</a:t>
+            </a:r>
+            <a:r>
+              <a:rPr lang="zh-CN" altLang="en-US" dirty="0">
+                <a:solidFill>
+                  <a:srgbClr val="FF3399"/>
+                </a:solidFill>
+              </a:rPr>
+              <a:t> </a:t>
+            </a:r>
+            <a:r>
+              <a:rPr lang="en-US" altLang="zh-CN" dirty="0">
+                <a:solidFill>
+                  <a:srgbClr val="FF3399"/>
+                </a:solidFill>
+              </a:rPr>
+              <a:t>Worker</a:t>
+            </a:r>
+          </a:p>
+          <a:p>
+            <a:pPr>
+              <a:lnSpc>
+                <a:spcPct val="150000"/>
+              </a:lnSpc>
+            </a:pPr>
+            <a:r>
+              <a:rPr lang="en-US" altLang="zh-CN" dirty="0">
+                <a:solidFill>
+                  <a:srgbClr val="FF3399"/>
+                </a:solidFill>
+              </a:rPr>
+              <a:t>SIMD</a:t>
+            </a:r>
+          </a:p>
+          <a:p>
+            <a:pPr>
+              <a:lnSpc>
+                <a:spcPct val="150000"/>
+              </a:lnSpc>
+            </a:pPr>
+            <a:r>
+              <a:rPr lang="en-US" altLang="zh-CN" dirty="0" err="1">
+                <a:solidFill>
+                  <a:srgbClr val="FF3399"/>
+                </a:solidFill>
+              </a:rPr>
+              <a:t>asm.js</a:t>
+            </a:r>
+            <a:endParaRPr lang="zh-CN" altLang="en-US" dirty="0">
+              <a:solidFill>
+                <a:srgbClr val="FF3399"/>
+              </a:solidFill>
+            </a:endParaRPr>
+          </a:p>
+        </p:txBody>
+      </p:sp>
+    </p:spTree>
+    <p:extLst>
+      <p:ext uri="{BB962C8B-B14F-4D97-AF65-F5344CB8AC3E}">
+        <p14:creationId xmlns:p14="http://schemas.microsoft.com/office/powerpoint/2010/main" val="2540653322"/>
+      </p:ext>
+    </p:extLst>
+  </p:cSld>
+  <p:clrMapOvr>
+    <a:masterClrMapping/>
+  </p:clrMapOvr>
+</p:sld>
+</file>
+
 <file path=ppt/slides/slide2.xml><?xml version="1.0" encoding="utf-8"?>
 <p:sld xmlns:a="http://schemas.openxmlformats.org/drawingml/2006/main" xmlns:r="http://schemas.openxmlformats.org/officeDocument/2006/relationships" xmlns:p="http://schemas.openxmlformats.org/presentationml/2006/main">
   <p:cSld>
@@ -3020,6 +4044,220 @@
             <a:r>
               <a:rPr lang="en-US" altLang="zh-CN" dirty="0"/>
               <a:t>》</a:t>
+            </a:r>
+          </a:p>
+        </p:txBody>
+      </p:sp>
+      <p:sp>
+        <p:nvSpPr>
+          <p:cNvPr id="5" name="文本框 4">
+            <a:extLst>
+              <a:ext uri="{FF2B5EF4-FFF2-40B4-BE49-F238E27FC236}">
+                <a16:creationId xmlns:a16="http://schemas.microsoft.com/office/drawing/2014/main" id="{C8B5988E-24E0-7C40-818D-D4BA67C53741}"/>
+              </a:ext>
+            </a:extLst>
+          </p:cNvPr>
+          <p:cNvSpPr txBox="1"/>
+          <p:nvPr/>
+        </p:nvSpPr>
+        <p:spPr>
+          <a:xfrm>
+            <a:off x="6912150" y="1540211"/>
+            <a:ext cx="1503938" cy="707886"/>
+          </a:xfrm>
+          <a:prstGeom prst="rect">
+            <a:avLst/>
+          </a:prstGeom>
+        </p:spPr>
+        <p:txBody>
+          <a:bodyPr wrap="none">
+            <a:spAutoFit/>
+          </a:bodyPr>
+          <a:lstStyle>
+            <a:defPPr>
+              <a:defRPr lang="zh-CN"/>
+            </a:defPPr>
+            <a:lvl1pPr>
+              <a:defRPr sz="4000" b="1">
+                <a:solidFill>
+                  <a:schemeClr val="bg2">
+                    <a:lumMod val="90000"/>
+                  </a:schemeClr>
+                </a:solidFill>
+                <a:latin typeface="Open Sans"/>
+              </a:defRPr>
+            </a:lvl1pPr>
+          </a:lstStyle>
+          <a:p>
+            <a:r>
+              <a:rPr lang="en-US" altLang="zh-CN" dirty="0">
+                <a:solidFill>
+                  <a:schemeClr val="bg1">
+                    <a:lumMod val="75000"/>
+                  </a:schemeClr>
+                </a:solidFill>
+              </a:rPr>
+              <a:t>Array</a:t>
+            </a:r>
+            <a:endParaRPr lang="zh-CN" altLang="en-US" dirty="0">
+              <a:solidFill>
+                <a:schemeClr val="bg1">
+                  <a:lumMod val="75000"/>
+                </a:schemeClr>
+              </a:solidFill>
+            </a:endParaRPr>
+          </a:p>
+        </p:txBody>
+      </p:sp>
+      <p:sp>
+        <p:nvSpPr>
+          <p:cNvPr id="6" name="文本框 5">
+            <a:extLst>
+              <a:ext uri="{FF2B5EF4-FFF2-40B4-BE49-F238E27FC236}">
+                <a16:creationId xmlns:a16="http://schemas.microsoft.com/office/drawing/2014/main" id="{836CA5A7-4147-0141-918B-DB7AA8F72B86}"/>
+              </a:ext>
+            </a:extLst>
+          </p:cNvPr>
+          <p:cNvSpPr txBox="1"/>
+          <p:nvPr/>
+        </p:nvSpPr>
+        <p:spPr>
+          <a:xfrm>
+            <a:off x="6912150" y="2248097"/>
+            <a:ext cx="2756106" cy="3381695"/>
+          </a:xfrm>
+          <a:prstGeom prst="rect">
+            <a:avLst/>
+          </a:prstGeom>
+        </p:spPr>
+        <p:txBody>
+          <a:bodyPr wrap="square">
+            <a:spAutoFit/>
+          </a:bodyPr>
+          <a:lstStyle>
+            <a:defPPr>
+              <a:defRPr lang="zh-CN"/>
+            </a:defPPr>
+            <a:lvl1pPr>
+              <a:lnSpc>
+                <a:spcPct val="150000"/>
+              </a:lnSpc>
+              <a:defRPr b="0">
+                <a:solidFill>
+                  <a:schemeClr val="tx1">
+                    <a:lumMod val="75000"/>
+                    <a:lumOff val="25000"/>
+                  </a:schemeClr>
+                </a:solidFill>
+                <a:latin typeface="PingFang SC Thin" panose="020B0200000000000000" pitchFamily="34" charset="-122"/>
+                <a:ea typeface="PingFang SC Thin" panose="020B0200000000000000" pitchFamily="34" charset="-122"/>
+              </a:defRPr>
+            </a:lvl1pPr>
+          </a:lstStyle>
+          <a:p>
+            <a:r>
+              <a:rPr lang="en-US" altLang="zh-CN" dirty="0">
+                <a:solidFill>
+                  <a:schemeClr val="tx1"/>
+                </a:solidFill>
+                <a:latin typeface="Courier New" panose="02070309020205020404" pitchFamily="49" charset="0"/>
+                <a:cs typeface="Courier New" panose="02070309020205020404" pitchFamily="49" charset="0"/>
+              </a:rPr>
+              <a:t>map()</a:t>
+            </a:r>
+          </a:p>
+          <a:p>
+            <a:r>
+              <a:rPr lang="en-US" altLang="zh-CN" dirty="0">
+                <a:solidFill>
+                  <a:schemeClr val="tx1"/>
+                </a:solidFill>
+                <a:latin typeface="Courier New" panose="02070309020205020404" pitchFamily="49" charset="0"/>
+                <a:cs typeface="Courier New" panose="02070309020205020404" pitchFamily="49" charset="0"/>
+              </a:rPr>
+              <a:t>find()</a:t>
+            </a:r>
+          </a:p>
+          <a:p>
+            <a:r>
+              <a:rPr lang="en-US" altLang="zh-CN" dirty="0">
+                <a:solidFill>
+                  <a:schemeClr val="tx1"/>
+                </a:solidFill>
+                <a:latin typeface="Courier New" panose="02070309020205020404" pitchFamily="49" charset="0"/>
+                <a:cs typeface="Courier New" panose="02070309020205020404" pitchFamily="49" charset="0"/>
+              </a:rPr>
+              <a:t>filter()</a:t>
+            </a:r>
+          </a:p>
+          <a:p>
+            <a:r>
+              <a:rPr lang="en-US" altLang="zh-CN" dirty="0" err="1">
+                <a:solidFill>
+                  <a:schemeClr val="tx1"/>
+                </a:solidFill>
+                <a:latin typeface="Courier New" panose="02070309020205020404" pitchFamily="49" charset="0"/>
+                <a:cs typeface="Courier New" panose="02070309020205020404" pitchFamily="49" charset="0"/>
+              </a:rPr>
+              <a:t>forEach</a:t>
+            </a:r>
+            <a:r>
+              <a:rPr lang="en-US" altLang="zh-CN" dirty="0">
+                <a:solidFill>
+                  <a:schemeClr val="tx1"/>
+                </a:solidFill>
+                <a:latin typeface="Courier New" panose="02070309020205020404" pitchFamily="49" charset="0"/>
+                <a:cs typeface="Courier New" panose="02070309020205020404" pitchFamily="49" charset="0"/>
+              </a:rPr>
+              <a:t>()</a:t>
+            </a:r>
+          </a:p>
+          <a:p>
+            <a:r>
+              <a:rPr lang="en-US" altLang="zh-CN" dirty="0">
+                <a:solidFill>
+                  <a:schemeClr val="tx1"/>
+                </a:solidFill>
+                <a:latin typeface="Courier New" panose="02070309020205020404" pitchFamily="49" charset="0"/>
+                <a:cs typeface="Courier New" panose="02070309020205020404" pitchFamily="49" charset="0"/>
+              </a:rPr>
+              <a:t>every()</a:t>
+            </a:r>
+          </a:p>
+          <a:p>
+            <a:r>
+              <a:rPr lang="en-US" altLang="zh-CN" dirty="0">
+                <a:solidFill>
+                  <a:schemeClr val="tx1"/>
+                </a:solidFill>
+                <a:latin typeface="Courier New" panose="02070309020205020404" pitchFamily="49" charset="0"/>
+                <a:cs typeface="Courier New" panose="02070309020205020404" pitchFamily="49" charset="0"/>
+              </a:rPr>
+              <a:t>some()</a:t>
+            </a:r>
+          </a:p>
+          <a:p>
+            <a:r>
+              <a:rPr lang="en-US" altLang="zh-CN" dirty="0">
+                <a:solidFill>
+                  <a:schemeClr val="tx1"/>
+                </a:solidFill>
+                <a:latin typeface="Courier New" panose="02070309020205020404" pitchFamily="49" charset="0"/>
+                <a:cs typeface="Courier New" panose="02070309020205020404" pitchFamily="49" charset="0"/>
+              </a:rPr>
+              <a:t>includes()</a:t>
+            </a:r>
+          </a:p>
+          <a:p>
+            <a:r>
+              <a:rPr lang="en-US" altLang="zh-CN" dirty="0">
+                <a:solidFill>
+                  <a:schemeClr val="tx1"/>
+                </a:solidFill>
+                <a:latin typeface="Courier New" panose="02070309020205020404" pitchFamily="49" charset="0"/>
+                <a:cs typeface="Courier New" panose="02070309020205020404" pitchFamily="49" charset="0"/>
+              </a:rPr>
+              <a:t>reduce()</a:t>
             </a:r>
           </a:p>
         </p:txBody>

--- a/2 前端/《你不知道的JavaScript》.pptx
+++ b/2 前端/《你不知道的JavaScript》.pptx
@@ -4258,6 +4258,60 @@
                 <a:cs typeface="Courier New" panose="02070309020205020404" pitchFamily="49" charset="0"/>
               </a:rPr>
               <a:t>reduce()</a:t>
+            </a:r>
+          </a:p>
+        </p:txBody>
+      </p:sp>
+      <p:sp>
+        <p:nvSpPr>
+          <p:cNvPr id="7" name="文本框 6">
+            <a:extLst>
+              <a:ext uri="{FF2B5EF4-FFF2-40B4-BE49-F238E27FC236}">
+                <a16:creationId xmlns:a16="http://schemas.microsoft.com/office/drawing/2014/main" id="{44C7276B-1B5D-D44C-94FF-AC4AB8613902}"/>
+              </a:ext>
+            </a:extLst>
+          </p:cNvPr>
+          <p:cNvSpPr txBox="1"/>
+          <p:nvPr/>
+        </p:nvSpPr>
+        <p:spPr>
+          <a:xfrm>
+            <a:off x="1149008" y="3872270"/>
+            <a:ext cx="2749471" cy="707886"/>
+          </a:xfrm>
+          <a:prstGeom prst="rect">
+            <a:avLst/>
+          </a:prstGeom>
+        </p:spPr>
+        <p:txBody>
+          <a:bodyPr wrap="none">
+            <a:spAutoFit/>
+          </a:bodyPr>
+          <a:lstStyle>
+            <a:defPPr>
+              <a:defRPr lang="zh-CN"/>
+            </a:defPPr>
+            <a:lvl1pPr>
+              <a:defRPr sz="4000" b="1">
+                <a:solidFill>
+                  <a:schemeClr val="bg2">
+                    <a:lumMod val="90000"/>
+                  </a:schemeClr>
+                </a:solidFill>
+                <a:latin typeface="Open Sans"/>
+              </a:defRPr>
+            </a:lvl1pPr>
+          </a:lstStyle>
+          <a:p>
+            <a:r>
+              <a:rPr lang="zh-CN" altLang="en-US" dirty="0">
+                <a:solidFill>
+                  <a:schemeClr val="bg1">
+                    <a:lumMod val="75000"/>
+                  </a:schemeClr>
+                </a:solidFill>
+              </a:rPr>
+              <a:t>代理和反射</a:t>
             </a:r>
           </a:p>
         </p:txBody>

--- a/2 前端/《你不知道的JavaScript》.pptx
+++ b/2 前端/《你不知道的JavaScript》.pptx
@@ -5,7 +5,7 @@
     <p:sldMasterId id="2147483648" r:id="rId1"/>
   </p:sldMasterIdLst>
   <p:notesMasterIdLst>
-    <p:notesMasterId r:id="rId18"/>
+    <p:notesMasterId r:id="rId19"/>
   </p:notesMasterIdLst>
   <p:sldIdLst>
     <p:sldId id="714" r:id="rId2"/>
@@ -15,15 +15,16 @@
     <p:sldId id="707" r:id="rId6"/>
     <p:sldId id="708" r:id="rId7"/>
     <p:sldId id="709" r:id="rId8"/>
-    <p:sldId id="710" r:id="rId9"/>
-    <p:sldId id="712" r:id="rId10"/>
-    <p:sldId id="711" r:id="rId11"/>
-    <p:sldId id="713" r:id="rId12"/>
-    <p:sldId id="715" r:id="rId13"/>
-    <p:sldId id="716" r:id="rId14"/>
-    <p:sldId id="717" r:id="rId15"/>
-    <p:sldId id="718" r:id="rId16"/>
-    <p:sldId id="719" r:id="rId17"/>
+    <p:sldId id="720" r:id="rId9"/>
+    <p:sldId id="710" r:id="rId10"/>
+    <p:sldId id="712" r:id="rId11"/>
+    <p:sldId id="711" r:id="rId12"/>
+    <p:sldId id="713" r:id="rId13"/>
+    <p:sldId id="715" r:id="rId14"/>
+    <p:sldId id="716" r:id="rId15"/>
+    <p:sldId id="717" r:id="rId16"/>
+    <p:sldId id="718" r:id="rId17"/>
+    <p:sldId id="719" r:id="rId18"/>
   </p:sldIdLst>
   <p:sldSz cx="12192000" cy="6858000"/>
   <p:notesSz cx="6858000" cy="9144000"/>
@@ -215,7 +216,7 @@
           <a:p>
             <a:fld id="{7F25A8C7-CC1A-4A08-9B4B-31F43B054C7F}" type="datetimeFigureOut">
               <a:rPr lang="zh-CN" altLang="en-US" smtClean="0"/>
-              <a:t>2021/4/18</a:t>
+              <a:t>2021/4/20</a:t>
             </a:fld>
             <a:endParaRPr lang="zh-CN" altLang="en-US"/>
           </a:p>
@@ -511,7 +512,7 @@
           <a:p>
             <a:fld id="{760FBDFE-C587-4B4C-A407-44438C67B59E}" type="datetimeFigureOut">
               <a:rPr lang="zh-CN" altLang="en-US" smtClean="0"/>
-              <a:t>2021/4/18</a:t>
+              <a:t>2021/4/20</a:t>
             </a:fld>
             <a:endParaRPr lang="zh-CN" altLang="en-US"/>
           </a:p>
@@ -732,7 +733,7 @@
           <a:p>
             <a:fld id="{D997B5FA-0921-464F-AAE1-844C04324D75}" type="datetimeFigureOut">
               <a:rPr lang="zh-CN" altLang="en-US" smtClean="0"/>
-              <a:t>2021/4/18</a:t>
+              <a:t>2021/4/20</a:t>
             </a:fld>
             <a:endParaRPr lang="zh-CN" altLang="en-US" dirty="0"/>
           </a:p>
@@ -1427,7 +1428,7 @@
                   <a:srgbClr val="00B0F0"/>
                 </a:solidFill>
               </a:rPr>
-              <a:t>垃圾收集</a:t>
+              <a:t>引用类型</a:t>
             </a:r>
           </a:p>
         </p:txBody>
@@ -1437,7 +1438,7 @@
           <p:cNvPr id="3" name="文本框 2">
             <a:extLst>
               <a:ext uri="{FF2B5EF4-FFF2-40B4-BE49-F238E27FC236}">
-                <a16:creationId xmlns:a16="http://schemas.microsoft.com/office/drawing/2014/main" id="{9FD7FF58-80D8-4B4C-A5CC-4C31E4CF0D48}"/>
+                <a16:creationId xmlns:a16="http://schemas.microsoft.com/office/drawing/2014/main" id="{A1D216FE-3E47-DF49-8B91-3438E90F223B}"/>
               </a:ext>
             </a:extLst>
           </p:cNvPr>
@@ -1484,7 +1485,11 @@
             </a:r>
             <a:r>
               <a:rPr lang="zh-CN" altLang="en-US" dirty="0"/>
-              <a:t>高级程序设计</a:t>
+              <a:t>高级</a:t>
+            </a:r>
+            <a:r>
+              <a:rPr lang="zh-CN" altLang="en-US"/>
+              <a:t>程序设计</a:t>
             </a:r>
             <a:r>
               <a:rPr lang="en-US" altLang="zh-CN" dirty="0"/>
@@ -1496,7 +1501,7 @@
     </p:spTree>
     <p:extLst>
       <p:ext uri="{BB962C8B-B14F-4D97-AF65-F5344CB8AC3E}">
-        <p14:creationId xmlns:p14="http://schemas.microsoft.com/office/powerpoint/2010/main" val="873862669"/>
+        <p14:creationId xmlns:p14="http://schemas.microsoft.com/office/powerpoint/2010/main" val="2738565239"/>
       </p:ext>
     </p:extLst>
   </p:cSld>
@@ -1537,8 +1542,8 @@
         </p:nvSpPr>
         <p:spPr>
           <a:xfrm>
-            <a:off x="3438862" y="1843950"/>
-            <a:ext cx="5314275" cy="3170099"/>
+            <a:off x="674238" y="630177"/>
+            <a:ext cx="2646878" cy="830997"/>
           </a:xfrm>
           <a:prstGeom prst="rect">
             <a:avLst/>
@@ -1565,12 +1570,73 @@
           </a:lstStyle>
           <a:p>
             <a:r>
-              <a:rPr lang="zh-CN" altLang="en-US" sz="20000" dirty="0">
-                <a:solidFill>
-                  <a:srgbClr val="F2BE00"/>
-                </a:solidFill>
-              </a:rPr>
-              <a:t>异步</a:t>
+              <a:rPr lang="zh-CN" altLang="en-US" sz="4800" dirty="0">
+                <a:solidFill>
+                  <a:srgbClr val="00B0F0"/>
+                </a:solidFill>
+              </a:rPr>
+              <a:t>垃圾收集</a:t>
+            </a:r>
+          </a:p>
+        </p:txBody>
+      </p:sp>
+      <p:sp>
+        <p:nvSpPr>
+          <p:cNvPr id="3" name="文本框 2">
+            <a:extLst>
+              <a:ext uri="{FF2B5EF4-FFF2-40B4-BE49-F238E27FC236}">
+                <a16:creationId xmlns:a16="http://schemas.microsoft.com/office/drawing/2014/main" id="{9FD7FF58-80D8-4B4C-A5CC-4C31E4CF0D48}"/>
+              </a:ext>
+            </a:extLst>
+          </p:cNvPr>
+          <p:cNvSpPr txBox="1"/>
+          <p:nvPr/>
+        </p:nvSpPr>
+        <p:spPr>
+          <a:xfrm>
+            <a:off x="3321116" y="1045675"/>
+            <a:ext cx="4311989" cy="369332"/>
+          </a:xfrm>
+          <a:prstGeom prst="rect">
+            <a:avLst/>
+          </a:prstGeom>
+        </p:spPr>
+        <p:txBody>
+          <a:bodyPr wrap="square">
+            <a:spAutoFit/>
+          </a:bodyPr>
+          <a:lstStyle>
+            <a:defPPr>
+              <a:defRPr lang="zh-CN"/>
+            </a:defPPr>
+            <a:lvl1pPr>
+              <a:lnSpc>
+                <a:spcPct val="100000"/>
+              </a:lnSpc>
+              <a:defRPr b="0">
+                <a:solidFill>
+                  <a:schemeClr val="bg2">
+                    <a:lumMod val="50000"/>
+                  </a:schemeClr>
+                </a:solidFill>
+                <a:latin typeface="PingFang SC Thin" panose="020B0200000000000000" pitchFamily="34" charset="-122"/>
+                <a:ea typeface="PingFang SC Thin" panose="020B0200000000000000" pitchFamily="34" charset="-122"/>
+                <a:cs typeface="Courier New" panose="02070309020205020404" pitchFamily="49" charset="0"/>
+              </a:defRPr>
+            </a:lvl1pPr>
+          </a:lstStyle>
+          <a:p>
+            <a:r>
+              <a:rPr lang="en-US" altLang="zh-CN" dirty="0"/>
+              <a:t>《JavaScript</a:t>
+            </a:r>
+            <a:r>
+              <a:rPr lang="zh-CN" altLang="en-US" dirty="0"/>
+              <a:t>高级程序设计</a:t>
+            </a:r>
+            <a:r>
+              <a:rPr lang="en-US" altLang="zh-CN" dirty="0"/>
+              <a:t>》</a:t>
             </a:r>
           </a:p>
         </p:txBody>
@@ -1578,7 +1644,7 @@
     </p:spTree>
     <p:extLst>
       <p:ext uri="{BB962C8B-B14F-4D97-AF65-F5344CB8AC3E}">
-        <p14:creationId xmlns:p14="http://schemas.microsoft.com/office/powerpoint/2010/main" val="1322881263"/>
+        <p14:creationId xmlns:p14="http://schemas.microsoft.com/office/powerpoint/2010/main" val="873862669"/>
       </p:ext>
     </p:extLst>
   </p:cSld>
@@ -1619,8 +1685,8 @@
         </p:nvSpPr>
         <p:spPr>
           <a:xfrm>
-            <a:off x="674238" y="630177"/>
-            <a:ext cx="1415772" cy="830997"/>
+            <a:off x="3438862" y="1843950"/>
+            <a:ext cx="5314275" cy="3170099"/>
           </a:xfrm>
           <a:prstGeom prst="rect">
             <a:avLst/>
@@ -1647,264 +1713,20 @@
           </a:lstStyle>
           <a:p>
             <a:r>
-              <a:rPr lang="zh-CN" altLang="en-US" sz="4800" dirty="0">
-                <a:solidFill>
-                  <a:srgbClr val="00B0F0"/>
-                </a:solidFill>
-              </a:rPr>
-              <a:t>回调</a:t>
-            </a:r>
-          </a:p>
-        </p:txBody>
-      </p:sp>
-      <p:sp>
-        <p:nvSpPr>
-          <p:cNvPr id="4" name="文本框 3">
-            <a:extLst>
-              <a:ext uri="{FF2B5EF4-FFF2-40B4-BE49-F238E27FC236}">
-                <a16:creationId xmlns:a16="http://schemas.microsoft.com/office/drawing/2014/main" id="{5CA8FBD3-1B5B-A14F-BB15-29D7C712558D}"/>
-              </a:ext>
-            </a:extLst>
-          </p:cNvPr>
-          <p:cNvSpPr txBox="1"/>
-          <p:nvPr/>
-        </p:nvSpPr>
-        <p:spPr>
-          <a:xfrm>
-            <a:off x="2084505" y="1045675"/>
-            <a:ext cx="4311989" cy="276999"/>
-          </a:xfrm>
-          <a:prstGeom prst="rect">
-            <a:avLst/>
-          </a:prstGeom>
-        </p:spPr>
-        <p:txBody>
-          <a:bodyPr wrap="square">
-            <a:spAutoFit/>
-          </a:bodyPr>
-          <a:lstStyle>
-            <a:defPPr>
-              <a:defRPr lang="zh-CN"/>
-            </a:defPPr>
-            <a:lvl1pPr>
-              <a:lnSpc>
-                <a:spcPct val="100000"/>
-              </a:lnSpc>
-              <a:defRPr b="0">
-                <a:solidFill>
-                  <a:schemeClr val="bg2">
-                    <a:lumMod val="50000"/>
-                  </a:schemeClr>
-                </a:solidFill>
-                <a:latin typeface="PingFang SC Thin" panose="020B0200000000000000" pitchFamily="34" charset="-122"/>
-                <a:ea typeface="PingFang SC Thin" panose="020B0200000000000000" pitchFamily="34" charset="-122"/>
-                <a:cs typeface="Courier New" panose="02070309020205020404" pitchFamily="49" charset="0"/>
-              </a:defRPr>
-            </a:lvl1pPr>
-          </a:lstStyle>
-          <a:p>
-            <a:r>
-              <a:rPr lang="en-US" altLang="zh-CN" dirty="0"/>
-              <a:t>《</a:t>
-            </a:r>
-            <a:r>
-              <a:rPr lang="zh-CN" altLang="en-US" dirty="0"/>
-              <a:t>你不知道的</a:t>
-            </a:r>
-            <a:r>
-              <a:rPr lang="en-US" altLang="zh-CN" dirty="0"/>
-              <a:t>JavaScript》</a:t>
-            </a:r>
-          </a:p>
-        </p:txBody>
-      </p:sp>
-      <p:sp>
-        <p:nvSpPr>
-          <p:cNvPr id="5" name="文本框 4">
-            <a:extLst>
-              <a:ext uri="{FF2B5EF4-FFF2-40B4-BE49-F238E27FC236}">
-                <a16:creationId xmlns:a16="http://schemas.microsoft.com/office/drawing/2014/main" id="{F7F06D5C-CFCE-164A-BD64-268AEEB95E47}"/>
-              </a:ext>
-            </a:extLst>
-          </p:cNvPr>
-          <p:cNvSpPr txBox="1"/>
-          <p:nvPr/>
-        </p:nvSpPr>
-        <p:spPr>
-          <a:xfrm>
-            <a:off x="1809594" y="2373943"/>
-            <a:ext cx="1210588" cy="707886"/>
-          </a:xfrm>
-          <a:prstGeom prst="rect">
-            <a:avLst/>
-          </a:prstGeom>
-        </p:spPr>
-        <p:txBody>
-          <a:bodyPr wrap="none">
-            <a:spAutoFit/>
-          </a:bodyPr>
-          <a:lstStyle>
-            <a:defPPr>
-              <a:defRPr lang="zh-CN"/>
-            </a:defPPr>
-            <a:lvl1pPr>
-              <a:defRPr sz="4000" b="1">
-                <a:solidFill>
-                  <a:schemeClr val="bg2">
-                    <a:lumMod val="90000"/>
-                  </a:schemeClr>
-                </a:solidFill>
-                <a:latin typeface="Open Sans"/>
-              </a:defRPr>
-            </a:lvl1pPr>
-          </a:lstStyle>
-          <a:p>
-            <a:r>
-              <a:rPr lang="zh-CN" altLang="en-US" dirty="0">
-                <a:solidFill>
-                  <a:srgbClr val="92D050"/>
-                </a:solidFill>
-              </a:rPr>
-              <a:t>作用</a:t>
-            </a:r>
-          </a:p>
-        </p:txBody>
-      </p:sp>
-      <p:sp>
-        <p:nvSpPr>
-          <p:cNvPr id="6" name="文本框 5">
-            <a:extLst>
-              <a:ext uri="{FF2B5EF4-FFF2-40B4-BE49-F238E27FC236}">
-                <a16:creationId xmlns:a16="http://schemas.microsoft.com/office/drawing/2014/main" id="{69DDE249-2DC1-D449-AE8C-3C148F206B18}"/>
-              </a:ext>
-            </a:extLst>
-          </p:cNvPr>
-          <p:cNvSpPr txBox="1"/>
-          <p:nvPr/>
-        </p:nvSpPr>
-        <p:spPr>
-          <a:xfrm>
-            <a:off x="5791200" y="2373943"/>
-            <a:ext cx="1210588" cy="707886"/>
-          </a:xfrm>
-          <a:prstGeom prst="rect">
-            <a:avLst/>
-          </a:prstGeom>
-        </p:spPr>
-        <p:txBody>
-          <a:bodyPr wrap="none">
-            <a:spAutoFit/>
-          </a:bodyPr>
-          <a:lstStyle>
-            <a:defPPr>
-              <a:defRPr lang="zh-CN"/>
-            </a:defPPr>
-            <a:lvl1pPr>
-              <a:defRPr sz="4000" b="1">
-                <a:solidFill>
-                  <a:schemeClr val="bg2">
-                    <a:lumMod val="90000"/>
-                  </a:schemeClr>
-                </a:solidFill>
-                <a:latin typeface="Open Sans"/>
-              </a:defRPr>
-            </a:lvl1pPr>
-          </a:lstStyle>
-          <a:p>
-            <a:r>
-              <a:rPr lang="zh-CN" altLang="en-US" dirty="0">
-                <a:solidFill>
-                  <a:schemeClr val="bg1">
-                    <a:lumMod val="75000"/>
-                  </a:schemeClr>
-                </a:solidFill>
-              </a:rPr>
-              <a:t>不足</a:t>
-            </a:r>
-          </a:p>
-        </p:txBody>
-      </p:sp>
-      <p:sp>
-        <p:nvSpPr>
-          <p:cNvPr id="7" name="文本框 6">
-            <a:extLst>
-              <a:ext uri="{FF2B5EF4-FFF2-40B4-BE49-F238E27FC236}">
-                <a16:creationId xmlns:a16="http://schemas.microsoft.com/office/drawing/2014/main" id="{2186F7FC-8D26-9143-A53E-6934D64EDE5B}"/>
-              </a:ext>
-            </a:extLst>
-          </p:cNvPr>
-          <p:cNvSpPr txBox="1"/>
-          <p:nvPr/>
-        </p:nvSpPr>
-        <p:spPr>
-          <a:xfrm>
-            <a:off x="5791200" y="3127850"/>
-            <a:ext cx="3430414" cy="888705"/>
-          </a:xfrm>
-          <a:prstGeom prst="rect">
-            <a:avLst/>
-          </a:prstGeom>
-        </p:spPr>
-        <p:txBody>
-          <a:bodyPr wrap="square">
-            <a:spAutoFit/>
-          </a:bodyPr>
-          <a:lstStyle>
-            <a:defPPr>
-              <a:defRPr lang="zh-CN"/>
-            </a:defPPr>
-            <a:lvl1pPr>
-              <a:lnSpc>
-                <a:spcPct val="150000"/>
-              </a:lnSpc>
-              <a:defRPr b="0">
-                <a:solidFill>
-                  <a:schemeClr val="tx1">
-                    <a:lumMod val="75000"/>
-                    <a:lumOff val="25000"/>
-                  </a:schemeClr>
-                </a:solidFill>
-                <a:latin typeface="PingFang SC Thin" panose="020B0200000000000000" pitchFamily="34" charset="-122"/>
-                <a:ea typeface="PingFang SC Thin" panose="020B0200000000000000" pitchFamily="34" charset="-122"/>
-              </a:defRPr>
-            </a:lvl1pPr>
-          </a:lstStyle>
-          <a:p>
-            <a:r>
-              <a:rPr lang="zh-CN" altLang="en-US" dirty="0">
-                <a:latin typeface="PingFang SC Thin" panose="020B0200000000000000" pitchFamily="34" charset="-122"/>
-                <a:ea typeface="PingFang SC Thin" panose="020B0200000000000000" pitchFamily="34" charset="-122"/>
-                <a:cs typeface="Courier New" panose="02070309020205020404" pitchFamily="49" charset="0"/>
-              </a:rPr>
-              <a:t>缺乏顺序性</a:t>
-            </a:r>
-            <a:endParaRPr lang="en-US" altLang="zh-CN" dirty="0">
-              <a:latin typeface="PingFang SC Thin" panose="020B0200000000000000" pitchFamily="34" charset="-122"/>
-              <a:ea typeface="PingFang SC Thin" panose="020B0200000000000000" pitchFamily="34" charset="-122"/>
-              <a:cs typeface="Courier New" panose="02070309020205020404" pitchFamily="49" charset="0"/>
-            </a:endParaRPr>
-          </a:p>
-          <a:p>
-            <a:r>
-              <a:rPr lang="zh-CN" altLang="en-US" dirty="0">
-                <a:latin typeface="PingFang SC Thin" panose="020B0200000000000000" pitchFamily="34" charset="-122"/>
-                <a:ea typeface="PingFang SC Thin" panose="020B0200000000000000" pitchFamily="34" charset="-122"/>
-                <a:cs typeface="Courier New" panose="02070309020205020404" pitchFamily="49" charset="0"/>
-              </a:rPr>
-              <a:t>不可信用</a:t>
-            </a:r>
-            <a:endParaRPr lang="en-US" altLang="zh-CN" dirty="0">
-              <a:latin typeface="PingFang SC Thin" panose="020B0200000000000000" pitchFamily="34" charset="-122"/>
-              <a:ea typeface="PingFang SC Thin" panose="020B0200000000000000" pitchFamily="34" charset="-122"/>
-              <a:cs typeface="Courier New" panose="02070309020205020404" pitchFamily="49" charset="0"/>
-            </a:endParaRPr>
+              <a:rPr lang="zh-CN" altLang="en-US" sz="20000" dirty="0">
+                <a:solidFill>
+                  <a:srgbClr val="F2BE00"/>
+                </a:solidFill>
+              </a:rPr>
+              <a:t>异步</a:t>
+            </a:r>
           </a:p>
         </p:txBody>
       </p:sp>
     </p:spTree>
     <p:extLst>
       <p:ext uri="{BB962C8B-B14F-4D97-AF65-F5344CB8AC3E}">
-        <p14:creationId xmlns:p14="http://schemas.microsoft.com/office/powerpoint/2010/main" val="1088924085"/>
+        <p14:creationId xmlns:p14="http://schemas.microsoft.com/office/powerpoint/2010/main" val="1322881263"/>
       </p:ext>
     </p:extLst>
   </p:cSld>
@@ -1946,7 +1768,7 @@
         <p:spPr>
           <a:xfrm>
             <a:off x="674238" y="630177"/>
-            <a:ext cx="2525820" cy="830997"/>
+            <a:ext cx="1415772" cy="830997"/>
           </a:xfrm>
           <a:prstGeom prst="rect">
             <a:avLst/>
@@ -1973,18 +1795,13 @@
           </a:lstStyle>
           <a:p>
             <a:r>
-              <a:rPr lang="en-US" altLang="zh-CN" sz="4800" dirty="0">
+              <a:rPr lang="zh-CN" altLang="en-US" sz="4800" dirty="0">
                 <a:solidFill>
                   <a:srgbClr val="00B0F0"/>
                 </a:solidFill>
               </a:rPr>
-              <a:t>Promise</a:t>
-            </a:r>
-            <a:endParaRPr lang="zh-CN" altLang="en-US" sz="4800" dirty="0">
-              <a:solidFill>
-                <a:srgbClr val="00B0F0"/>
-              </a:solidFill>
-            </a:endParaRPr>
+              <a:t>回调</a:t>
+            </a:r>
           </a:p>
         </p:txBody>
       </p:sp>
@@ -2002,8 +1819,8 @@
         </p:nvSpPr>
         <p:spPr>
           <a:xfrm>
-            <a:off x="3200058" y="1045675"/>
-            <a:ext cx="4311989" cy="369332"/>
+            <a:off x="2084505" y="1045675"/>
+            <a:ext cx="4311989" cy="276999"/>
           </a:xfrm>
           <a:prstGeom prst="rect">
             <a:avLst/>
@@ -2054,7 +1871,7 @@
           <p:cNvPr id="5" name="文本框 4">
             <a:extLst>
               <a:ext uri="{FF2B5EF4-FFF2-40B4-BE49-F238E27FC236}">
-                <a16:creationId xmlns:a16="http://schemas.microsoft.com/office/drawing/2014/main" id="{00E19AE1-5A28-8442-A3AB-5DE63AD11BE1}"/>
+                <a16:creationId xmlns:a16="http://schemas.microsoft.com/office/drawing/2014/main" id="{F7F06D5C-CFCE-164A-BD64-268AEEB95E47}"/>
               </a:ext>
             </a:extLst>
           </p:cNvPr>
@@ -2063,8 +1880,114 @@
         </p:nvSpPr>
         <p:spPr>
           <a:xfrm>
-            <a:off x="1397618" y="3060152"/>
-            <a:ext cx="4311989" cy="888705"/>
+            <a:off x="1809594" y="2373943"/>
+            <a:ext cx="1210588" cy="707886"/>
+          </a:xfrm>
+          <a:prstGeom prst="rect">
+            <a:avLst/>
+          </a:prstGeom>
+        </p:spPr>
+        <p:txBody>
+          <a:bodyPr wrap="none">
+            <a:spAutoFit/>
+          </a:bodyPr>
+          <a:lstStyle>
+            <a:defPPr>
+              <a:defRPr lang="zh-CN"/>
+            </a:defPPr>
+            <a:lvl1pPr>
+              <a:defRPr sz="4000" b="1">
+                <a:solidFill>
+                  <a:schemeClr val="bg2">
+                    <a:lumMod val="90000"/>
+                  </a:schemeClr>
+                </a:solidFill>
+                <a:latin typeface="Open Sans"/>
+              </a:defRPr>
+            </a:lvl1pPr>
+          </a:lstStyle>
+          <a:p>
+            <a:r>
+              <a:rPr lang="zh-CN" altLang="en-US" dirty="0">
+                <a:solidFill>
+                  <a:srgbClr val="92D050"/>
+                </a:solidFill>
+              </a:rPr>
+              <a:t>作用</a:t>
+            </a:r>
+          </a:p>
+        </p:txBody>
+      </p:sp>
+      <p:sp>
+        <p:nvSpPr>
+          <p:cNvPr id="6" name="文本框 5">
+            <a:extLst>
+              <a:ext uri="{FF2B5EF4-FFF2-40B4-BE49-F238E27FC236}">
+                <a16:creationId xmlns:a16="http://schemas.microsoft.com/office/drawing/2014/main" id="{69DDE249-2DC1-D449-AE8C-3C148F206B18}"/>
+              </a:ext>
+            </a:extLst>
+          </p:cNvPr>
+          <p:cNvSpPr txBox="1"/>
+          <p:nvPr/>
+        </p:nvSpPr>
+        <p:spPr>
+          <a:xfrm>
+            <a:off x="5791200" y="2373943"/>
+            <a:ext cx="1210588" cy="707886"/>
+          </a:xfrm>
+          <a:prstGeom prst="rect">
+            <a:avLst/>
+          </a:prstGeom>
+        </p:spPr>
+        <p:txBody>
+          <a:bodyPr wrap="none">
+            <a:spAutoFit/>
+          </a:bodyPr>
+          <a:lstStyle>
+            <a:defPPr>
+              <a:defRPr lang="zh-CN"/>
+            </a:defPPr>
+            <a:lvl1pPr>
+              <a:defRPr sz="4000" b="1">
+                <a:solidFill>
+                  <a:schemeClr val="bg2">
+                    <a:lumMod val="90000"/>
+                  </a:schemeClr>
+                </a:solidFill>
+                <a:latin typeface="Open Sans"/>
+              </a:defRPr>
+            </a:lvl1pPr>
+          </a:lstStyle>
+          <a:p>
+            <a:r>
+              <a:rPr lang="zh-CN" altLang="en-US" dirty="0">
+                <a:solidFill>
+                  <a:schemeClr val="bg1">
+                    <a:lumMod val="75000"/>
+                  </a:schemeClr>
+                </a:solidFill>
+              </a:rPr>
+              <a:t>不足</a:t>
+            </a:r>
+          </a:p>
+        </p:txBody>
+      </p:sp>
+      <p:sp>
+        <p:nvSpPr>
+          <p:cNvPr id="7" name="文本框 6">
+            <a:extLst>
+              <a:ext uri="{FF2B5EF4-FFF2-40B4-BE49-F238E27FC236}">
+                <a16:creationId xmlns:a16="http://schemas.microsoft.com/office/drawing/2014/main" id="{2186F7FC-8D26-9143-A53E-6934D64EDE5B}"/>
+              </a:ext>
+            </a:extLst>
+          </p:cNvPr>
+          <p:cNvSpPr txBox="1"/>
+          <p:nvPr/>
+        </p:nvSpPr>
+        <p:spPr>
+          <a:xfrm>
+            <a:off x="5791200" y="3127850"/>
+            <a:ext cx="3430414" cy="888705"/>
           </a:xfrm>
           <a:prstGeom prst="rect">
             <a:avLst/>
@@ -2096,108 +2019,40 @@
           </a:lstStyle>
           <a:p>
             <a:r>
-              <a:rPr lang="en-US" altLang="zh-CN" dirty="0" err="1">
-                <a:solidFill>
-                  <a:schemeClr val="tx1"/>
-                </a:solidFill>
-                <a:latin typeface="Courier New" panose="02070309020205020404" pitchFamily="49" charset="0"/>
+              <a:rPr lang="zh-CN" altLang="en-US" dirty="0">
+                <a:latin typeface="PingFang SC Thin" panose="020B0200000000000000" pitchFamily="34" charset="-122"/>
+                <a:ea typeface="PingFang SC Thin" panose="020B0200000000000000" pitchFamily="34" charset="-122"/>
                 <a:cs typeface="Courier New" panose="02070309020205020404" pitchFamily="49" charset="0"/>
               </a:rPr>
-              <a:t>Promise.all</a:t>
-            </a:r>
-            <a:r>
-              <a:rPr lang="en-US" altLang="zh-CN" dirty="0">
-                <a:solidFill>
-                  <a:schemeClr val="tx1"/>
-                </a:solidFill>
-                <a:latin typeface="Courier New" panose="02070309020205020404" pitchFamily="49" charset="0"/>
+              <a:t>缺乏顺序性</a:t>
+            </a:r>
+            <a:endParaRPr lang="en-US" altLang="zh-CN" dirty="0">
+              <a:latin typeface="PingFang SC Thin" panose="020B0200000000000000" pitchFamily="34" charset="-122"/>
+              <a:ea typeface="PingFang SC Thin" panose="020B0200000000000000" pitchFamily="34" charset="-122"/>
+              <a:cs typeface="Courier New" panose="02070309020205020404" pitchFamily="49" charset="0"/>
+            </a:endParaRPr>
+          </a:p>
+          <a:p>
+            <a:r>
+              <a:rPr lang="zh-CN" altLang="en-US" dirty="0">
+                <a:latin typeface="PingFang SC Thin" panose="020B0200000000000000" pitchFamily="34" charset="-122"/>
+                <a:ea typeface="PingFang SC Thin" panose="020B0200000000000000" pitchFamily="34" charset="-122"/>
                 <a:cs typeface="Courier New" panose="02070309020205020404" pitchFamily="49" charset="0"/>
               </a:rPr>
-              <a:t>([..])</a:t>
-            </a:r>
-          </a:p>
-          <a:p>
-            <a:r>
-              <a:rPr lang="en-US" altLang="zh-CN" dirty="0" err="1">
-                <a:solidFill>
-                  <a:schemeClr val="tx1"/>
-                </a:solidFill>
-                <a:latin typeface="Courier New" panose="02070309020205020404" pitchFamily="49" charset="0"/>
-                <a:cs typeface="Courier New" panose="02070309020205020404" pitchFamily="49" charset="0"/>
-              </a:rPr>
-              <a:t>Promise.race</a:t>
-            </a:r>
-            <a:r>
-              <a:rPr lang="en-US" altLang="zh-CN" dirty="0">
-                <a:solidFill>
-                  <a:schemeClr val="tx1"/>
-                </a:solidFill>
-                <a:latin typeface="Courier New" panose="02070309020205020404" pitchFamily="49" charset="0"/>
-                <a:cs typeface="Courier New" panose="02070309020205020404" pitchFamily="49" charset="0"/>
-              </a:rPr>
-              <a:t>([..])</a:t>
-            </a:r>
-          </a:p>
-        </p:txBody>
-      </p:sp>
-      <p:sp>
-        <p:nvSpPr>
-          <p:cNvPr id="6" name="文本框 5">
-            <a:extLst>
-              <a:ext uri="{FF2B5EF4-FFF2-40B4-BE49-F238E27FC236}">
-                <a16:creationId xmlns:a16="http://schemas.microsoft.com/office/drawing/2014/main" id="{C1362369-CEC6-3849-9D91-0EE2238332E0}"/>
-              </a:ext>
-            </a:extLst>
-          </p:cNvPr>
-          <p:cNvSpPr txBox="1"/>
-          <p:nvPr/>
-        </p:nvSpPr>
-        <p:spPr>
-          <a:xfrm>
-            <a:off x="1397618" y="2352266"/>
-            <a:ext cx="1210588" cy="707886"/>
-          </a:xfrm>
-          <a:prstGeom prst="rect">
-            <a:avLst/>
-          </a:prstGeom>
-        </p:spPr>
-        <p:txBody>
-          <a:bodyPr wrap="none">
-            <a:spAutoFit/>
-          </a:bodyPr>
-          <a:lstStyle>
-            <a:defPPr>
-              <a:defRPr lang="zh-CN"/>
-            </a:defPPr>
-            <a:lvl1pPr>
-              <a:defRPr sz="4000" b="1">
-                <a:solidFill>
-                  <a:schemeClr val="bg2">
-                    <a:lumMod val="90000"/>
-                  </a:schemeClr>
-                </a:solidFill>
-                <a:latin typeface="Open Sans"/>
-              </a:defRPr>
-            </a:lvl1pPr>
-          </a:lstStyle>
-          <a:p>
-            <a:r>
-              <a:rPr lang="zh-CN" altLang="en-US" dirty="0">
-                <a:solidFill>
-                  <a:schemeClr val="bg1">
-                    <a:lumMod val="75000"/>
-                  </a:schemeClr>
-                </a:solidFill>
-              </a:rPr>
-              <a:t>模式</a:t>
-            </a:r>
+              <a:t>不可信用</a:t>
+            </a:r>
+            <a:endParaRPr lang="en-US" altLang="zh-CN" dirty="0">
+              <a:latin typeface="PingFang SC Thin" panose="020B0200000000000000" pitchFamily="34" charset="-122"/>
+              <a:ea typeface="PingFang SC Thin" panose="020B0200000000000000" pitchFamily="34" charset="-122"/>
+              <a:cs typeface="Courier New" panose="02070309020205020404" pitchFamily="49" charset="0"/>
+            </a:endParaRPr>
           </a:p>
         </p:txBody>
       </p:sp>
     </p:spTree>
     <p:extLst>
       <p:ext uri="{BB962C8B-B14F-4D97-AF65-F5344CB8AC3E}">
-        <p14:creationId xmlns:p14="http://schemas.microsoft.com/office/powerpoint/2010/main" val="584492040"/>
+        <p14:creationId xmlns:p14="http://schemas.microsoft.com/office/powerpoint/2010/main" val="1088924085"/>
       </p:ext>
     </p:extLst>
   </p:cSld>
@@ -2239,7 +2094,7 @@
         <p:spPr>
           <a:xfrm>
             <a:off x="674238" y="630177"/>
-            <a:ext cx="3040384" cy="830997"/>
+            <a:ext cx="2525820" cy="830997"/>
           </a:xfrm>
           <a:prstGeom prst="rect">
             <a:avLst/>
@@ -2271,7 +2126,7 @@
                   <a:srgbClr val="00B0F0"/>
                 </a:solidFill>
               </a:rPr>
-              <a:t>generator</a:t>
+              <a:t>Promise</a:t>
             </a:r>
             <a:endParaRPr lang="zh-CN" altLang="en-US" sz="4800" dirty="0">
               <a:solidFill>
@@ -2295,7 +2150,7 @@
         </p:nvSpPr>
         <p:spPr>
           <a:xfrm>
-            <a:off x="3714622" y="1045675"/>
+            <a:off x="3200058" y="1045675"/>
             <a:ext cx="4311989" cy="369332"/>
           </a:xfrm>
           <a:prstGeom prst="rect">
@@ -2342,10 +2197,155 @@
           </a:p>
         </p:txBody>
       </p:sp>
+      <p:sp>
+        <p:nvSpPr>
+          <p:cNvPr id="5" name="文本框 4">
+            <a:extLst>
+              <a:ext uri="{FF2B5EF4-FFF2-40B4-BE49-F238E27FC236}">
+                <a16:creationId xmlns:a16="http://schemas.microsoft.com/office/drawing/2014/main" id="{00E19AE1-5A28-8442-A3AB-5DE63AD11BE1}"/>
+              </a:ext>
+            </a:extLst>
+          </p:cNvPr>
+          <p:cNvSpPr txBox="1"/>
+          <p:nvPr/>
+        </p:nvSpPr>
+        <p:spPr>
+          <a:xfrm>
+            <a:off x="1397618" y="3060152"/>
+            <a:ext cx="4311989" cy="888705"/>
+          </a:xfrm>
+          <a:prstGeom prst="rect">
+            <a:avLst/>
+          </a:prstGeom>
+        </p:spPr>
+        <p:txBody>
+          <a:bodyPr wrap="square">
+            <a:spAutoFit/>
+          </a:bodyPr>
+          <a:lstStyle>
+            <a:defPPr>
+              <a:defRPr lang="zh-CN"/>
+            </a:defPPr>
+            <a:lvl1pPr>
+              <a:lnSpc>
+                <a:spcPct val="150000"/>
+              </a:lnSpc>
+              <a:defRPr b="0">
+                <a:solidFill>
+                  <a:schemeClr val="tx1">
+                    <a:lumMod val="75000"/>
+                    <a:lumOff val="25000"/>
+                  </a:schemeClr>
+                </a:solidFill>
+                <a:latin typeface="PingFang SC Thin" panose="020B0200000000000000" pitchFamily="34" charset="-122"/>
+                <a:ea typeface="PingFang SC Thin" panose="020B0200000000000000" pitchFamily="34" charset="-122"/>
+              </a:defRPr>
+            </a:lvl1pPr>
+          </a:lstStyle>
+          <a:p>
+            <a:r>
+              <a:rPr lang="en-US" altLang="zh-CN" dirty="0" err="1">
+                <a:solidFill>
+                  <a:schemeClr val="tx1"/>
+                </a:solidFill>
+                <a:latin typeface="Courier New" panose="02070309020205020404" pitchFamily="49" charset="0"/>
+                <a:cs typeface="Courier New" panose="02070309020205020404" pitchFamily="49" charset="0"/>
+              </a:rPr>
+              <a:t>Promise.all</a:t>
+            </a:r>
+            <a:r>
+              <a:rPr lang="en-US" altLang="zh-CN" dirty="0">
+                <a:solidFill>
+                  <a:schemeClr val="tx1"/>
+                </a:solidFill>
+                <a:latin typeface="Courier New" panose="02070309020205020404" pitchFamily="49" charset="0"/>
+                <a:cs typeface="Courier New" panose="02070309020205020404" pitchFamily="49" charset="0"/>
+              </a:rPr>
+              <a:t>([..])</a:t>
+            </a:r>
+          </a:p>
+          <a:p>
+            <a:r>
+              <a:rPr lang="en-US" altLang="zh-CN" dirty="0" err="1">
+                <a:solidFill>
+                  <a:schemeClr val="tx1"/>
+                </a:solidFill>
+                <a:latin typeface="Courier New" panose="02070309020205020404" pitchFamily="49" charset="0"/>
+                <a:cs typeface="Courier New" panose="02070309020205020404" pitchFamily="49" charset="0"/>
+              </a:rPr>
+              <a:t>Promise.race</a:t>
+            </a:r>
+            <a:r>
+              <a:rPr lang="en-US" altLang="zh-CN" dirty="0">
+                <a:solidFill>
+                  <a:schemeClr val="tx1"/>
+                </a:solidFill>
+                <a:latin typeface="Courier New" panose="02070309020205020404" pitchFamily="49" charset="0"/>
+                <a:cs typeface="Courier New" panose="02070309020205020404" pitchFamily="49" charset="0"/>
+              </a:rPr>
+              <a:t>([..])</a:t>
+            </a:r>
+          </a:p>
+        </p:txBody>
+      </p:sp>
+      <p:sp>
+        <p:nvSpPr>
+          <p:cNvPr id="6" name="文本框 5">
+            <a:extLst>
+              <a:ext uri="{FF2B5EF4-FFF2-40B4-BE49-F238E27FC236}">
+                <a16:creationId xmlns:a16="http://schemas.microsoft.com/office/drawing/2014/main" id="{C1362369-CEC6-3849-9D91-0EE2238332E0}"/>
+              </a:ext>
+            </a:extLst>
+          </p:cNvPr>
+          <p:cNvSpPr txBox="1"/>
+          <p:nvPr/>
+        </p:nvSpPr>
+        <p:spPr>
+          <a:xfrm>
+            <a:off x="1397618" y="2352266"/>
+            <a:ext cx="1210588" cy="707886"/>
+          </a:xfrm>
+          <a:prstGeom prst="rect">
+            <a:avLst/>
+          </a:prstGeom>
+        </p:spPr>
+        <p:txBody>
+          <a:bodyPr wrap="none">
+            <a:spAutoFit/>
+          </a:bodyPr>
+          <a:lstStyle>
+            <a:defPPr>
+              <a:defRPr lang="zh-CN"/>
+            </a:defPPr>
+            <a:lvl1pPr>
+              <a:defRPr sz="4000" b="1">
+                <a:solidFill>
+                  <a:schemeClr val="bg2">
+                    <a:lumMod val="90000"/>
+                  </a:schemeClr>
+                </a:solidFill>
+                <a:latin typeface="Open Sans"/>
+              </a:defRPr>
+            </a:lvl1pPr>
+          </a:lstStyle>
+          <a:p>
+            <a:r>
+              <a:rPr lang="zh-CN" altLang="en-US" dirty="0">
+                <a:solidFill>
+                  <a:schemeClr val="bg1">
+                    <a:lumMod val="75000"/>
+                  </a:schemeClr>
+                </a:solidFill>
+              </a:rPr>
+              <a:t>模式</a:t>
+            </a:r>
+          </a:p>
+        </p:txBody>
+      </p:sp>
     </p:spTree>
     <p:extLst>
       <p:ext uri="{BB962C8B-B14F-4D97-AF65-F5344CB8AC3E}">
-        <p14:creationId xmlns:p14="http://schemas.microsoft.com/office/powerpoint/2010/main" val="557369942"/>
+        <p14:creationId xmlns:p14="http://schemas.microsoft.com/office/powerpoint/2010/main" val="584492040"/>
       </p:ext>
     </p:extLst>
   </p:cSld>
@@ -2386,6 +2386,154 @@
         </p:nvSpPr>
         <p:spPr>
           <a:xfrm>
+            <a:off x="674238" y="630177"/>
+            <a:ext cx="3040384" cy="830997"/>
+          </a:xfrm>
+          <a:prstGeom prst="rect">
+            <a:avLst/>
+          </a:prstGeom>
+        </p:spPr>
+        <p:txBody>
+          <a:bodyPr wrap="none">
+            <a:spAutoFit/>
+          </a:bodyPr>
+          <a:lstStyle>
+            <a:defPPr>
+              <a:defRPr lang="zh-CN"/>
+            </a:defPPr>
+            <a:lvl1pPr>
+              <a:defRPr sz="4000" b="1">
+                <a:solidFill>
+                  <a:schemeClr val="bg2">
+                    <a:lumMod val="90000"/>
+                  </a:schemeClr>
+                </a:solidFill>
+                <a:latin typeface="Open Sans"/>
+              </a:defRPr>
+            </a:lvl1pPr>
+          </a:lstStyle>
+          <a:p>
+            <a:r>
+              <a:rPr lang="en-US" altLang="zh-CN" sz="4800" dirty="0">
+                <a:solidFill>
+                  <a:srgbClr val="00B0F0"/>
+                </a:solidFill>
+              </a:rPr>
+              <a:t>generator</a:t>
+            </a:r>
+            <a:endParaRPr lang="zh-CN" altLang="en-US" sz="4800" dirty="0">
+              <a:solidFill>
+                <a:srgbClr val="00B0F0"/>
+              </a:solidFill>
+            </a:endParaRPr>
+          </a:p>
+        </p:txBody>
+      </p:sp>
+      <p:sp>
+        <p:nvSpPr>
+          <p:cNvPr id="4" name="文本框 3">
+            <a:extLst>
+              <a:ext uri="{FF2B5EF4-FFF2-40B4-BE49-F238E27FC236}">
+                <a16:creationId xmlns:a16="http://schemas.microsoft.com/office/drawing/2014/main" id="{5CA8FBD3-1B5B-A14F-BB15-29D7C712558D}"/>
+              </a:ext>
+            </a:extLst>
+          </p:cNvPr>
+          <p:cNvSpPr txBox="1"/>
+          <p:nvPr/>
+        </p:nvSpPr>
+        <p:spPr>
+          <a:xfrm>
+            <a:off x="3714622" y="1045675"/>
+            <a:ext cx="4311989" cy="369332"/>
+          </a:xfrm>
+          <a:prstGeom prst="rect">
+            <a:avLst/>
+          </a:prstGeom>
+        </p:spPr>
+        <p:txBody>
+          <a:bodyPr wrap="square">
+            <a:spAutoFit/>
+          </a:bodyPr>
+          <a:lstStyle>
+            <a:defPPr>
+              <a:defRPr lang="zh-CN"/>
+            </a:defPPr>
+            <a:lvl1pPr>
+              <a:lnSpc>
+                <a:spcPct val="100000"/>
+              </a:lnSpc>
+              <a:defRPr b="0">
+                <a:solidFill>
+                  <a:schemeClr val="bg2">
+                    <a:lumMod val="50000"/>
+                  </a:schemeClr>
+                </a:solidFill>
+                <a:latin typeface="PingFang SC Thin" panose="020B0200000000000000" pitchFamily="34" charset="-122"/>
+                <a:ea typeface="PingFang SC Thin" panose="020B0200000000000000" pitchFamily="34" charset="-122"/>
+                <a:cs typeface="Courier New" panose="02070309020205020404" pitchFamily="49" charset="0"/>
+              </a:defRPr>
+            </a:lvl1pPr>
+          </a:lstStyle>
+          <a:p>
+            <a:r>
+              <a:rPr lang="en-US" altLang="zh-CN" dirty="0"/>
+              <a:t>《</a:t>
+            </a:r>
+            <a:r>
+              <a:rPr lang="zh-CN" altLang="en-US" dirty="0"/>
+              <a:t>你不知道的</a:t>
+            </a:r>
+            <a:r>
+              <a:rPr lang="en-US" altLang="zh-CN" dirty="0"/>
+              <a:t>JavaScript》</a:t>
+            </a:r>
+          </a:p>
+        </p:txBody>
+      </p:sp>
+    </p:spTree>
+    <p:extLst>
+      <p:ext uri="{BB962C8B-B14F-4D97-AF65-F5344CB8AC3E}">
+        <p14:creationId xmlns:p14="http://schemas.microsoft.com/office/powerpoint/2010/main" val="557369942"/>
+      </p:ext>
+    </p:extLst>
+  </p:cSld>
+  <p:clrMapOvr>
+    <a:masterClrMapping/>
+  </p:clrMapOvr>
+</p:sld>
+</file>
+
+<file path=ppt/slides/slide16.xml><?xml version="1.0" encoding="utf-8"?>
+<p:sld xmlns:a="http://schemas.openxmlformats.org/drawingml/2006/main" xmlns:r="http://schemas.openxmlformats.org/officeDocument/2006/relationships" xmlns:p="http://schemas.openxmlformats.org/presentationml/2006/main">
+  <p:cSld>
+    <p:spTree>
+      <p:nvGrpSpPr>
+        <p:cNvPr id="1" name=""/>
+        <p:cNvGrpSpPr/>
+        <p:nvPr/>
+      </p:nvGrpSpPr>
+      <p:grpSpPr>
+        <a:xfrm>
+          <a:off x="0" y="0"/>
+          <a:ext cx="0" cy="0"/>
+          <a:chOff x="0" y="0"/>
+          <a:chExt cx="0" cy="0"/>
+        </a:xfrm>
+      </p:grpSpPr>
+      <p:sp>
+        <p:nvSpPr>
+          <p:cNvPr id="47" name="文本框 46">
+            <a:extLst>
+              <a:ext uri="{FF2B5EF4-FFF2-40B4-BE49-F238E27FC236}">
+                <a16:creationId xmlns:a16="http://schemas.microsoft.com/office/drawing/2014/main" id="{E2EF3B4C-7775-4D07-AA7B-E56542739ED6}"/>
+              </a:ext>
+            </a:extLst>
+          </p:cNvPr>
+          <p:cNvSpPr txBox="1"/>
+          <p:nvPr/>
+        </p:nvSpPr>
+        <p:spPr>
+          <a:xfrm>
             <a:off x="3438862" y="1843950"/>
             <a:ext cx="5314275" cy="3170099"/>
           </a:xfrm>
@@ -2437,7 +2585,7 @@
 </p:sld>
 </file>
 
-<file path=ppt/slides/slide16.xml><?xml version="1.0" encoding="utf-8"?>
+<file path=ppt/slides/slide17.xml><?xml version="1.0" encoding="utf-8"?>
 <p:sld xmlns:a="http://schemas.openxmlformats.org/drawingml/2006/main" xmlns:r="http://schemas.openxmlformats.org/officeDocument/2006/relationships" xmlns:p="http://schemas.openxmlformats.org/presentationml/2006/main">
   <p:cSld>
     <p:spTree>
@@ -4361,7 +4509,7 @@
         <p:spPr>
           <a:xfrm>
             <a:off x="674238" y="630177"/>
-            <a:ext cx="5724644" cy="830997"/>
+            <a:ext cx="2031325" cy="830997"/>
           </a:xfrm>
           <a:prstGeom prst="rect">
             <a:avLst/>
@@ -4393,7 +4541,7 @@
                   <a:srgbClr val="00B0F0"/>
                 </a:solidFill>
               </a:rPr>
-              <a:t>字符串和正则表达式</a:t>
+              <a:t>字符串</a:t>
             </a:r>
           </a:p>
         </p:txBody>
@@ -4412,8 +4560,8 @@
         </p:nvSpPr>
         <p:spPr>
           <a:xfrm>
-            <a:off x="6398882" y="1045675"/>
-            <a:ext cx="4311989" cy="369332"/>
+            <a:off x="2705563" y="1045675"/>
+            <a:ext cx="5174413" cy="338554"/>
           </a:xfrm>
           <a:prstGeom prst="rect">
             <a:avLst/>
@@ -4445,16 +4593,24 @@
           </a:lstStyle>
           <a:p>
             <a:r>
-              <a:rPr lang="en-US" altLang="zh-CN" dirty="0"/>
+              <a:rPr lang="en-US" altLang="zh-CN" sz="1600" dirty="0"/>
               <a:t>《</a:t>
             </a:r>
             <a:r>
-              <a:rPr lang="zh-CN" altLang="en-US" dirty="0"/>
+              <a:rPr lang="zh-CN" altLang="en-US" sz="1600" dirty="0"/>
               <a:t>深入理解</a:t>
             </a:r>
             <a:r>
-              <a:rPr lang="en-US" altLang="zh-CN" dirty="0"/>
-              <a:t>ES6》</a:t>
+              <a:rPr lang="en-US" altLang="zh-CN" sz="1600" dirty="0"/>
+              <a:t>ES6》《JavaScript</a:t>
+            </a:r>
+            <a:r>
+              <a:rPr lang="zh-CN" altLang="en-US" sz="1600" dirty="0"/>
+              <a:t>高级程序设计</a:t>
+            </a:r>
+            <a:r>
+              <a:rPr lang="en-US" altLang="zh-CN" sz="1600" dirty="0"/>
+              <a:t>》</a:t>
             </a:r>
           </a:p>
         </p:txBody>
@@ -4504,7 +4660,7 @@
         <p:spPr>
           <a:xfrm>
             <a:off x="674238" y="630177"/>
-            <a:ext cx="2343014" cy="830997"/>
+            <a:ext cx="3262432" cy="830997"/>
           </a:xfrm>
           <a:prstGeom prst="rect">
             <a:avLst/>
@@ -4531,27 +4687,22 @@
           </a:lstStyle>
           <a:p>
             <a:r>
-              <a:rPr lang="en-US" altLang="zh-CN" sz="4800" dirty="0">
+              <a:rPr lang="zh-CN" altLang="en-US" sz="4800" dirty="0">
                 <a:solidFill>
                   <a:srgbClr val="00B0F0"/>
                 </a:solidFill>
               </a:rPr>
-              <a:t>Symbol</a:t>
-            </a:r>
-            <a:endParaRPr lang="zh-CN" altLang="en-US" sz="4800" dirty="0">
-              <a:solidFill>
-                <a:srgbClr val="00B0F0"/>
-              </a:solidFill>
-            </a:endParaRPr>
-          </a:p>
-        </p:txBody>
-      </p:sp>
-      <p:sp>
-        <p:nvSpPr>
-          <p:cNvPr id="3" name="文本框 2">
+              <a:t>正则表达式</a:t>
+            </a:r>
+          </a:p>
+        </p:txBody>
+      </p:sp>
+      <p:sp>
+        <p:nvSpPr>
+          <p:cNvPr id="4" name="文本框 3">
             <a:extLst>
               <a:ext uri="{FF2B5EF4-FFF2-40B4-BE49-F238E27FC236}">
-                <a16:creationId xmlns:a16="http://schemas.microsoft.com/office/drawing/2014/main" id="{2758075F-65D4-A54B-927A-F9A3C1269037}"/>
+                <a16:creationId xmlns:a16="http://schemas.microsoft.com/office/drawing/2014/main" id="{DC0DCBC6-FC4F-A94F-A5F5-BC634F18B1FA}"/>
               </a:ext>
             </a:extLst>
           </p:cNvPr>
@@ -4560,8 +4711,8 @@
         </p:nvSpPr>
         <p:spPr>
           <a:xfrm>
-            <a:off x="3321116" y="1045675"/>
-            <a:ext cx="4311989" cy="369332"/>
+            <a:off x="3936670" y="1045675"/>
+            <a:ext cx="7436224" cy="338554"/>
           </a:xfrm>
           <a:prstGeom prst="rect">
             <a:avLst/>
@@ -4593,16 +4744,32 @@
           </a:lstStyle>
           <a:p>
             <a:r>
-              <a:rPr lang="en-US" altLang="zh-CN" dirty="0"/>
+              <a:rPr lang="en-US" altLang="zh-CN" sz="1600" dirty="0"/>
               <a:t>《</a:t>
             </a:r>
             <a:r>
-              <a:rPr lang="zh-CN" altLang="en-US" dirty="0"/>
+              <a:rPr lang="zh-CN" altLang="en-US" sz="1600" dirty="0"/>
               <a:t>深入理解</a:t>
             </a:r>
             <a:r>
-              <a:rPr lang="en-US" altLang="zh-CN" dirty="0"/>
-              <a:t>ES6》</a:t>
+              <a:rPr lang="en-US" altLang="zh-CN" sz="1600" dirty="0"/>
+              <a:t>ES6》《JavaScript</a:t>
+            </a:r>
+            <a:r>
+              <a:rPr lang="zh-CN" altLang="en-US" sz="1600" dirty="0"/>
+              <a:t>忍者秘籍</a:t>
+            </a:r>
+            <a:r>
+              <a:rPr lang="en-US" altLang="zh-CN" sz="1600" dirty="0"/>
+              <a:t>》《JavaScript</a:t>
+            </a:r>
+            <a:r>
+              <a:rPr lang="zh-CN" altLang="en-US" sz="1600" dirty="0"/>
+              <a:t>高级程序设计</a:t>
+            </a:r>
+            <a:r>
+              <a:rPr lang="en-US" altLang="zh-CN" sz="1600" dirty="0"/>
+              <a:t>》</a:t>
             </a:r>
           </a:p>
         </p:txBody>
@@ -4610,7 +4777,7 @@
     </p:spTree>
     <p:extLst>
       <p:ext uri="{BB962C8B-B14F-4D97-AF65-F5344CB8AC3E}">
-        <p14:creationId xmlns:p14="http://schemas.microsoft.com/office/powerpoint/2010/main" val="2808989962"/>
+        <p14:creationId xmlns:p14="http://schemas.microsoft.com/office/powerpoint/2010/main" val="2849387715"/>
       </p:ext>
     </p:extLst>
   </p:cSld>
@@ -4652,7 +4819,7 @@
         <p:spPr>
           <a:xfrm>
             <a:off x="674238" y="630177"/>
-            <a:ext cx="2646878" cy="830997"/>
+            <a:ext cx="2343014" cy="830997"/>
           </a:xfrm>
           <a:prstGeom prst="rect">
             <a:avLst/>
@@ -4679,13 +4846,18 @@
           </a:lstStyle>
           <a:p>
             <a:r>
-              <a:rPr lang="zh-CN" altLang="en-US" sz="4800" dirty="0">
+              <a:rPr lang="en-US" altLang="zh-CN" sz="4800" dirty="0">
                 <a:solidFill>
                   <a:srgbClr val="00B0F0"/>
                 </a:solidFill>
               </a:rPr>
-              <a:t>引用类型</a:t>
-            </a:r>
+              <a:t>Symbol</a:t>
+            </a:r>
+            <a:endParaRPr lang="zh-CN" altLang="en-US" sz="4800" dirty="0">
+              <a:solidFill>
+                <a:srgbClr val="00B0F0"/>
+              </a:solidFill>
+            </a:endParaRPr>
           </a:p>
         </p:txBody>
       </p:sp>
@@ -4694,7 +4866,7 @@
           <p:cNvPr id="3" name="文本框 2">
             <a:extLst>
               <a:ext uri="{FF2B5EF4-FFF2-40B4-BE49-F238E27FC236}">
-                <a16:creationId xmlns:a16="http://schemas.microsoft.com/office/drawing/2014/main" id="{A1D216FE-3E47-DF49-8B91-3438E90F223B}"/>
+                <a16:creationId xmlns:a16="http://schemas.microsoft.com/office/drawing/2014/main" id="{2758075F-65D4-A54B-927A-F9A3C1269037}"/>
               </a:ext>
             </a:extLst>
           </p:cNvPr>
@@ -4737,19 +4909,15 @@
           <a:p>
             <a:r>
               <a:rPr lang="en-US" altLang="zh-CN" dirty="0"/>
-              <a:t>《JavaScript</a:t>
+              <a:t>《</a:t>
             </a:r>
             <a:r>
               <a:rPr lang="zh-CN" altLang="en-US" dirty="0"/>
-              <a:t>高级</a:t>
-            </a:r>
-            <a:r>
-              <a:rPr lang="zh-CN" altLang="en-US"/>
-              <a:t>程序设计</a:t>
+              <a:t>深入理解</a:t>
             </a:r>
             <a:r>
               <a:rPr lang="en-US" altLang="zh-CN" dirty="0"/>
-              <a:t>》</a:t>
+              <a:t>ES6》</a:t>
             </a:r>
           </a:p>
         </p:txBody>
@@ -4757,7 +4925,7 @@
     </p:spTree>
     <p:extLst>
       <p:ext uri="{BB962C8B-B14F-4D97-AF65-F5344CB8AC3E}">
-        <p14:creationId xmlns:p14="http://schemas.microsoft.com/office/powerpoint/2010/main" val="2738565239"/>
+        <p14:creationId xmlns:p14="http://schemas.microsoft.com/office/powerpoint/2010/main" val="2808989962"/>
       </p:ext>
     </p:extLst>
   </p:cSld>

--- a/2 前端/《你不知道的JavaScript》.pptx
+++ b/2 前端/《你不知道的JavaScript》.pptx
@@ -9,16 +9,16 @@
   </p:notesMasterIdLst>
   <p:sldIdLst>
     <p:sldId id="714" r:id="rId2"/>
-    <p:sldId id="704" r:id="rId3"/>
-    <p:sldId id="705" r:id="rId4"/>
-    <p:sldId id="706" r:id="rId5"/>
+    <p:sldId id="721" r:id="rId3"/>
+    <p:sldId id="706" r:id="rId4"/>
+    <p:sldId id="712" r:id="rId5"/>
     <p:sldId id="707" r:id="rId6"/>
-    <p:sldId id="708" r:id="rId7"/>
-    <p:sldId id="709" r:id="rId8"/>
-    <p:sldId id="720" r:id="rId9"/>
-    <p:sldId id="710" r:id="rId10"/>
-    <p:sldId id="712" r:id="rId11"/>
-    <p:sldId id="711" r:id="rId12"/>
+    <p:sldId id="705" r:id="rId7"/>
+    <p:sldId id="711" r:id="rId8"/>
+    <p:sldId id="708" r:id="rId9"/>
+    <p:sldId id="709" r:id="rId10"/>
+    <p:sldId id="720" r:id="rId11"/>
+    <p:sldId id="710" r:id="rId12"/>
     <p:sldId id="713" r:id="rId13"/>
     <p:sldId id="715" r:id="rId14"/>
     <p:sldId id="716" r:id="rId15"/>
@@ -216,7 +216,7 @@
           <a:p>
             <a:fld id="{7F25A8C7-CC1A-4A08-9B4B-31F43B054C7F}" type="datetimeFigureOut">
               <a:rPr lang="zh-CN" altLang="en-US" smtClean="0"/>
-              <a:t>2021/4/20</a:t>
+              <a:t>2021/4/21</a:t>
             </a:fld>
             <a:endParaRPr lang="zh-CN" altLang="en-US"/>
           </a:p>
@@ -512,7 +512,7 @@
           <a:p>
             <a:fld id="{760FBDFE-C587-4B4C-A407-44438C67B59E}" type="datetimeFigureOut">
               <a:rPr lang="zh-CN" altLang="en-US" smtClean="0"/>
-              <a:t>2021/4/20</a:t>
+              <a:t>2021/4/21</a:t>
             </a:fld>
             <a:endParaRPr lang="zh-CN" altLang="en-US"/>
           </a:p>
@@ -733,7 +733,7 @@
           <a:p>
             <a:fld id="{D997B5FA-0921-464F-AAE1-844C04324D75}" type="datetimeFigureOut">
               <a:rPr lang="zh-CN" altLang="en-US" smtClean="0"/>
-              <a:t>2021/4/20</a:t>
+              <a:t>2021/4/21</a:t>
             </a:fld>
             <a:endParaRPr lang="zh-CN" altLang="en-US" dirty="0"/>
           </a:p>
@@ -1396,7 +1396,7 @@
         <p:spPr>
           <a:xfrm>
             <a:off x="674238" y="630177"/>
-            <a:ext cx="2646878" cy="830997"/>
+            <a:ext cx="3262432" cy="830997"/>
           </a:xfrm>
           <a:prstGeom prst="rect">
             <a:avLst/>
@@ -1428,17 +1428,17 @@
                   <a:srgbClr val="00B0F0"/>
                 </a:solidFill>
               </a:rPr>
-              <a:t>引用类型</a:t>
-            </a:r>
-          </a:p>
-        </p:txBody>
-      </p:sp>
-      <p:sp>
-        <p:nvSpPr>
-          <p:cNvPr id="3" name="文本框 2">
+              <a:t>正则表达式</a:t>
+            </a:r>
+          </a:p>
+        </p:txBody>
+      </p:sp>
+      <p:sp>
+        <p:nvSpPr>
+          <p:cNvPr id="4" name="文本框 3">
             <a:extLst>
               <a:ext uri="{FF2B5EF4-FFF2-40B4-BE49-F238E27FC236}">
-                <a16:creationId xmlns:a16="http://schemas.microsoft.com/office/drawing/2014/main" id="{A1D216FE-3E47-DF49-8B91-3438E90F223B}"/>
+                <a16:creationId xmlns:a16="http://schemas.microsoft.com/office/drawing/2014/main" id="{DC0DCBC6-FC4F-A94F-A5F5-BC634F18B1FA}"/>
               </a:ext>
             </a:extLst>
           </p:cNvPr>
@@ -1447,8 +1447,8 @@
         </p:nvSpPr>
         <p:spPr>
           <a:xfrm>
-            <a:off x="3321116" y="1045675"/>
-            <a:ext cx="4311989" cy="369332"/>
+            <a:off x="3936670" y="1045675"/>
+            <a:ext cx="7436224" cy="338554"/>
           </a:xfrm>
           <a:prstGeom prst="rect">
             <a:avLst/>
@@ -1480,19 +1480,31 @@
           </a:lstStyle>
           <a:p>
             <a:r>
-              <a:rPr lang="en-US" altLang="zh-CN" dirty="0"/>
-              <a:t>《JavaScript</a:t>
-            </a:r>
-            <a:r>
-              <a:rPr lang="zh-CN" altLang="en-US" dirty="0"/>
-              <a:t>高级</a:t>
-            </a:r>
-            <a:r>
-              <a:rPr lang="zh-CN" altLang="en-US"/>
-              <a:t>程序设计</a:t>
-            </a:r>
-            <a:r>
-              <a:rPr lang="en-US" altLang="zh-CN" dirty="0"/>
+              <a:rPr lang="en-US" altLang="zh-CN" sz="1600" dirty="0"/>
+              <a:t>《</a:t>
+            </a:r>
+            <a:r>
+              <a:rPr lang="zh-CN" altLang="en-US" sz="1600" dirty="0"/>
+              <a:t>深入理解</a:t>
+            </a:r>
+            <a:r>
+              <a:rPr lang="en-US" altLang="zh-CN" sz="1600" dirty="0"/>
+              <a:t>ES6》《JavaScript</a:t>
+            </a:r>
+            <a:r>
+              <a:rPr lang="zh-CN" altLang="en-US" sz="1600" dirty="0"/>
+              <a:t>忍者秘籍</a:t>
+            </a:r>
+            <a:r>
+              <a:rPr lang="en-US" altLang="zh-CN" sz="1600" dirty="0"/>
+              <a:t>》《JavaScript</a:t>
+            </a:r>
+            <a:r>
+              <a:rPr lang="zh-CN" altLang="en-US" sz="1600" dirty="0"/>
+              <a:t>高级程序设计</a:t>
+            </a:r>
+            <a:r>
+              <a:rPr lang="en-US" altLang="zh-CN" sz="1600" dirty="0"/>
               <a:t>》</a:t>
             </a:r>
           </a:p>
@@ -1501,7 +1513,7 @@
     </p:spTree>
     <p:extLst>
       <p:ext uri="{BB962C8B-B14F-4D97-AF65-F5344CB8AC3E}">
-        <p14:creationId xmlns:p14="http://schemas.microsoft.com/office/powerpoint/2010/main" val="2738565239"/>
+        <p14:creationId xmlns:p14="http://schemas.microsoft.com/office/powerpoint/2010/main" val="2849387715"/>
       </p:ext>
     </p:extLst>
   </p:cSld>
@@ -1543,7 +1555,7 @@
         <p:spPr>
           <a:xfrm>
             <a:off x="674238" y="630177"/>
-            <a:ext cx="2646878" cy="830997"/>
+            <a:ext cx="2343014" cy="830997"/>
           </a:xfrm>
           <a:prstGeom prst="rect">
             <a:avLst/>
@@ -1570,13 +1582,18 @@
           </a:lstStyle>
           <a:p>
             <a:r>
-              <a:rPr lang="zh-CN" altLang="en-US" sz="4800" dirty="0">
+              <a:rPr lang="en-US" altLang="zh-CN" sz="4800" dirty="0">
                 <a:solidFill>
                   <a:srgbClr val="00B0F0"/>
                 </a:solidFill>
               </a:rPr>
-              <a:t>垃圾收集</a:t>
-            </a:r>
+              <a:t>Symbol</a:t>
+            </a:r>
+            <a:endParaRPr lang="zh-CN" altLang="en-US" sz="4800" dirty="0">
+              <a:solidFill>
+                <a:srgbClr val="00B0F0"/>
+              </a:solidFill>
+            </a:endParaRPr>
           </a:p>
         </p:txBody>
       </p:sp>
@@ -1585,7 +1602,7 @@
           <p:cNvPr id="3" name="文本框 2">
             <a:extLst>
               <a:ext uri="{FF2B5EF4-FFF2-40B4-BE49-F238E27FC236}">
-                <a16:creationId xmlns:a16="http://schemas.microsoft.com/office/drawing/2014/main" id="{9FD7FF58-80D8-4B4C-A5CC-4C31E4CF0D48}"/>
+                <a16:creationId xmlns:a16="http://schemas.microsoft.com/office/drawing/2014/main" id="{2758075F-65D4-A54B-927A-F9A3C1269037}"/>
               </a:ext>
             </a:extLst>
           </p:cNvPr>
@@ -1628,15 +1645,15 @@
           <a:p>
             <a:r>
               <a:rPr lang="en-US" altLang="zh-CN" dirty="0"/>
-              <a:t>《JavaScript</a:t>
+              <a:t>《</a:t>
             </a:r>
             <a:r>
               <a:rPr lang="zh-CN" altLang="en-US" dirty="0"/>
-              <a:t>高级程序设计</a:t>
+              <a:t>深入理解</a:t>
             </a:r>
             <a:r>
               <a:rPr lang="en-US" altLang="zh-CN" dirty="0"/>
-              <a:t>》</a:t>
+              <a:t>ES6》</a:t>
             </a:r>
           </a:p>
         </p:txBody>
@@ -1644,7 +1661,7 @@
     </p:spTree>
     <p:extLst>
       <p:ext uri="{BB962C8B-B14F-4D97-AF65-F5344CB8AC3E}">
-        <p14:creationId xmlns:p14="http://schemas.microsoft.com/office/powerpoint/2010/main" val="873862669"/>
+        <p14:creationId xmlns:p14="http://schemas.microsoft.com/office/powerpoint/2010/main" val="2808989962"/>
       </p:ext>
     </p:extLst>
   </p:cSld>
@@ -2875,10 +2892,9 @@
               <a:t>函数作用域、函数表达式与标准函数声明、</a:t>
             </a:r>
             <a:r>
-              <a:rPr lang="en-US" altLang="zh-CN"/>
+              <a:rPr lang="en-US" altLang="zh-CN" dirty="0"/>
               <a:t>IIFE</a:t>
             </a:r>
-            <a:endParaRPr lang="en-US" altLang="zh-CN" dirty="0"/>
           </a:p>
           <a:p>
             <a:r>
@@ -3022,7 +3038,7 @@
     </p:spTree>
     <p:extLst>
       <p:ext uri="{BB962C8B-B14F-4D97-AF65-F5344CB8AC3E}">
-        <p14:creationId xmlns:p14="http://schemas.microsoft.com/office/powerpoint/2010/main" val="2191091071"/>
+        <p14:creationId xmlns:p14="http://schemas.microsoft.com/office/powerpoint/2010/main" val="3077987658"/>
       </p:ext>
     </p:extLst>
   </p:cSld>
@@ -3064,7 +3080,7 @@
         <p:spPr>
           <a:xfrm>
             <a:off x="674238" y="630177"/>
-            <a:ext cx="1415772" cy="830997"/>
+            <a:ext cx="1239442" cy="830997"/>
           </a:xfrm>
           <a:prstGeom prst="rect">
             <a:avLst/>
@@ -3091,22 +3107,27 @@
           </a:lstStyle>
           <a:p>
             <a:r>
-              <a:rPr lang="zh-CN" altLang="en-US" sz="4800" dirty="0">
+              <a:rPr lang="en-US" altLang="zh-CN" sz="4800" dirty="0">
                 <a:solidFill>
                   <a:srgbClr val="00B0F0"/>
                 </a:solidFill>
               </a:rPr>
-              <a:t>类型</a:t>
-            </a:r>
-          </a:p>
-        </p:txBody>
-      </p:sp>
-      <p:sp>
-        <p:nvSpPr>
-          <p:cNvPr id="37" name="文本框 36">
+              <a:t>this</a:t>
+            </a:r>
+            <a:endParaRPr lang="zh-CN" altLang="en-US" sz="4800" dirty="0">
+              <a:solidFill>
+                <a:srgbClr val="00B0F0"/>
+              </a:solidFill>
+            </a:endParaRPr>
+          </a:p>
+        </p:txBody>
+      </p:sp>
+      <p:sp>
+        <p:nvSpPr>
+          <p:cNvPr id="6" name="文本框 5">
             <a:extLst>
               <a:ext uri="{FF2B5EF4-FFF2-40B4-BE49-F238E27FC236}">
-                <a16:creationId xmlns:a16="http://schemas.microsoft.com/office/drawing/2014/main" id="{89065613-2589-5649-8FBA-3226869986D0}"/>
+                <a16:creationId xmlns:a16="http://schemas.microsoft.com/office/drawing/2014/main" id="{3EDA7B10-7D20-A04E-8FE5-715BEF138BC2}"/>
               </a:ext>
             </a:extLst>
           </p:cNvPr>
@@ -3115,8 +3136,8 @@
         </p:nvSpPr>
         <p:spPr>
           <a:xfrm>
-            <a:off x="1385427" y="1743416"/>
-            <a:ext cx="3081066" cy="3102709"/>
+            <a:off x="1385426" y="1743416"/>
+            <a:ext cx="4311989" cy="1719702"/>
           </a:xfrm>
           <a:prstGeom prst="rect">
             <a:avLst/>
@@ -3148,66 +3169,88 @@
           </a:lstStyle>
           <a:p>
             <a:r>
-              <a:rPr lang="zh-CN" altLang="en-US" sz="2400" b="1" dirty="0">
-                <a:latin typeface="Microsoft YaHei" panose="020B0503020204020204" pitchFamily="34" charset="-122"/>
-                <a:ea typeface="Microsoft YaHei" panose="020B0503020204020204" pitchFamily="34" charset="-122"/>
-              </a:rPr>
-              <a:t>基本类型</a:t>
-            </a:r>
-            <a:endParaRPr lang="en-US" altLang="zh-CN" sz="2400" b="1" dirty="0">
-              <a:latin typeface="Microsoft YaHei" panose="020B0503020204020204" pitchFamily="34" charset="-122"/>
-              <a:ea typeface="Microsoft YaHei" panose="020B0503020204020204" pitchFamily="34" charset="-122"/>
+              <a:rPr lang="zh-CN" altLang="en-US" dirty="0">
+                <a:solidFill>
+                  <a:schemeClr val="tx1"/>
+                </a:solidFill>
+                <a:latin typeface="Courier New" panose="02070309020205020404" pitchFamily="49" charset="0"/>
+                <a:cs typeface="Courier New" panose="02070309020205020404" pitchFamily="49" charset="0"/>
+              </a:rPr>
+              <a:t>调用位置</a:t>
+            </a:r>
+            <a:endParaRPr lang="en-US" altLang="zh-CN" dirty="0">
+              <a:solidFill>
+                <a:schemeClr val="tx1"/>
+              </a:solidFill>
+              <a:latin typeface="Courier New" panose="02070309020205020404" pitchFamily="49" charset="0"/>
+              <a:cs typeface="Courier New" panose="02070309020205020404" pitchFamily="49" charset="0"/>
             </a:endParaRPr>
           </a:p>
           <a:p>
             <a:r>
-              <a:rPr lang="en-US" altLang="zh-CN" dirty="0"/>
-              <a:t>string</a:t>
-            </a:r>
-          </a:p>
-          <a:p>
-            <a:r>
-              <a:rPr lang="en-US" altLang="zh-CN" dirty="0"/>
-              <a:t>number</a:t>
-            </a:r>
-          </a:p>
-          <a:p>
-            <a:r>
-              <a:rPr lang="en-US" altLang="zh-CN" dirty="0"/>
-              <a:t>boolean</a:t>
-            </a:r>
-          </a:p>
-          <a:p>
-            <a:r>
-              <a:rPr lang="en-US" altLang="zh-CN" dirty="0"/>
-              <a:t>null</a:t>
-            </a:r>
-          </a:p>
-          <a:p>
-            <a:r>
-              <a:rPr lang="en-US" altLang="zh-CN" dirty="0"/>
-              <a:t>undefined</a:t>
-            </a:r>
-          </a:p>
-          <a:p>
-            <a:r>
-              <a:rPr lang="en-US" altLang="zh-CN" dirty="0"/>
-              <a:t>object</a:t>
-            </a:r>
-            <a:r>
-              <a:rPr lang="zh-CN" altLang="en-US" dirty="0"/>
-              <a:t>（函数、数组）</a:t>
-            </a:r>
-            <a:endParaRPr lang="en-US" altLang="zh-CN" dirty="0"/>
-          </a:p>
-        </p:txBody>
-      </p:sp>
-      <p:sp>
-        <p:nvSpPr>
-          <p:cNvPr id="5" name="文本框 4">
+              <a:rPr lang="zh-CN" altLang="en-US" dirty="0">
+                <a:solidFill>
+                  <a:schemeClr val="tx1"/>
+                </a:solidFill>
+                <a:latin typeface="Courier New" panose="02070309020205020404" pitchFamily="49" charset="0"/>
+                <a:cs typeface="Courier New" panose="02070309020205020404" pitchFamily="49" charset="0"/>
+              </a:rPr>
+              <a:t>绑定规则</a:t>
+            </a:r>
+            <a:endParaRPr lang="en-US" altLang="zh-CN" dirty="0">
+              <a:solidFill>
+                <a:schemeClr val="tx1"/>
+              </a:solidFill>
+              <a:latin typeface="Courier New" panose="02070309020205020404" pitchFamily="49" charset="0"/>
+              <a:cs typeface="Courier New" panose="02070309020205020404" pitchFamily="49" charset="0"/>
+            </a:endParaRPr>
+          </a:p>
+          <a:p>
+            <a:r>
+              <a:rPr lang="zh-CN" altLang="en-US" dirty="0">
+                <a:solidFill>
+                  <a:schemeClr val="tx1"/>
+                </a:solidFill>
+                <a:latin typeface="Courier New" panose="02070309020205020404" pitchFamily="49" charset="0"/>
+                <a:cs typeface="Courier New" panose="02070309020205020404" pitchFamily="49" charset="0"/>
+              </a:rPr>
+              <a:t>优先级</a:t>
+            </a:r>
+            <a:endParaRPr lang="en-US" altLang="zh-CN" dirty="0">
+              <a:solidFill>
+                <a:schemeClr val="tx1"/>
+              </a:solidFill>
+              <a:latin typeface="Courier New" panose="02070309020205020404" pitchFamily="49" charset="0"/>
+              <a:cs typeface="Courier New" panose="02070309020205020404" pitchFamily="49" charset="0"/>
+            </a:endParaRPr>
+          </a:p>
+          <a:p>
+            <a:r>
+              <a:rPr lang="zh-CN" altLang="en-US" dirty="0">
+                <a:solidFill>
+                  <a:schemeClr val="tx1"/>
+                </a:solidFill>
+                <a:latin typeface="Courier New" panose="02070309020205020404" pitchFamily="49" charset="0"/>
+                <a:cs typeface="Courier New" panose="02070309020205020404" pitchFamily="49" charset="0"/>
+              </a:rPr>
+              <a:t>绑定例外</a:t>
+            </a:r>
+            <a:endParaRPr lang="en-US" altLang="zh-CN" dirty="0">
+              <a:solidFill>
+                <a:schemeClr val="tx1"/>
+              </a:solidFill>
+              <a:latin typeface="Courier New" panose="02070309020205020404" pitchFamily="49" charset="0"/>
+              <a:cs typeface="Courier New" panose="02070309020205020404" pitchFamily="49" charset="0"/>
+            </a:endParaRPr>
+          </a:p>
+        </p:txBody>
+      </p:sp>
+      <p:sp>
+        <p:nvSpPr>
+          <p:cNvPr id="7" name="文本框 6">
             <a:extLst>
               <a:ext uri="{FF2B5EF4-FFF2-40B4-BE49-F238E27FC236}">
-                <a16:creationId xmlns:a16="http://schemas.microsoft.com/office/drawing/2014/main" id="{BE31C4DC-4F21-254D-A242-7F0605F27337}"/>
+                <a16:creationId xmlns:a16="http://schemas.microsoft.com/office/drawing/2014/main" id="{C68A20B4-7C5A-A547-B06B-D2D46D7A15FD}"/>
               </a:ext>
             </a:extLst>
           </p:cNvPr>
@@ -3216,121 +3259,7 @@
         </p:nvSpPr>
         <p:spPr>
           <a:xfrm>
-            <a:off x="5863643" y="1743416"/>
-            <a:ext cx="3081066" cy="4349204"/>
-          </a:xfrm>
-          <a:prstGeom prst="rect">
-            <a:avLst/>
-          </a:prstGeom>
-        </p:spPr>
-        <p:txBody>
-          <a:bodyPr wrap="square">
-            <a:spAutoFit/>
-          </a:bodyPr>
-          <a:lstStyle>
-            <a:defPPr>
-              <a:defRPr lang="zh-CN"/>
-            </a:defPPr>
-            <a:lvl1pPr>
-              <a:lnSpc>
-                <a:spcPct val="150000"/>
-              </a:lnSpc>
-              <a:defRPr b="0">
-                <a:solidFill>
-                  <a:schemeClr val="tx1">
-                    <a:lumMod val="75000"/>
-                    <a:lumOff val="25000"/>
-                  </a:schemeClr>
-                </a:solidFill>
-                <a:latin typeface="PingFang SC Thin" panose="020B0200000000000000" pitchFamily="34" charset="-122"/>
-                <a:ea typeface="PingFang SC Thin" panose="020B0200000000000000" pitchFamily="34" charset="-122"/>
-              </a:defRPr>
-            </a:lvl1pPr>
-          </a:lstStyle>
-          <a:p>
-            <a:r>
-              <a:rPr lang="zh-CN" altLang="en-US" sz="2400" b="1" dirty="0">
-                <a:latin typeface="Microsoft YaHei" panose="020B0503020204020204" pitchFamily="34" charset="-122"/>
-                <a:ea typeface="Microsoft YaHei" panose="020B0503020204020204" pitchFamily="34" charset="-122"/>
-              </a:rPr>
-              <a:t>内置对象</a:t>
-            </a:r>
-            <a:endParaRPr lang="en-US" altLang="zh-CN" sz="2400" b="1" dirty="0">
-              <a:latin typeface="Microsoft YaHei" panose="020B0503020204020204" pitchFamily="34" charset="-122"/>
-              <a:ea typeface="Microsoft YaHei" panose="020B0503020204020204" pitchFamily="34" charset="-122"/>
-            </a:endParaRPr>
-          </a:p>
-          <a:p>
-            <a:r>
-              <a:rPr lang="en-US" altLang="zh-CN" dirty="0"/>
-              <a:t>String</a:t>
-            </a:r>
-          </a:p>
-          <a:p>
-            <a:r>
-              <a:rPr lang="en-US" altLang="zh-CN" dirty="0"/>
-              <a:t>Number</a:t>
-            </a:r>
-          </a:p>
-          <a:p>
-            <a:r>
-              <a:rPr lang="en-US" altLang="zh-CN" dirty="0"/>
-              <a:t>Boolean</a:t>
-            </a:r>
-          </a:p>
-          <a:p>
-            <a:r>
-              <a:rPr lang="en-US" altLang="zh-CN" dirty="0"/>
-              <a:t>Object</a:t>
-            </a:r>
-          </a:p>
-          <a:p>
-            <a:r>
-              <a:rPr lang="en-US" altLang="zh-CN" dirty="0"/>
-              <a:t>Function</a:t>
-            </a:r>
-          </a:p>
-          <a:p>
-            <a:r>
-              <a:rPr lang="en-US" altLang="zh-CN" dirty="0"/>
-              <a:t>Array</a:t>
-            </a:r>
-          </a:p>
-          <a:p>
-            <a:r>
-              <a:rPr lang="en-US" altLang="zh-CN" dirty="0"/>
-              <a:t>Date</a:t>
-            </a:r>
-          </a:p>
-          <a:p>
-            <a:r>
-              <a:rPr lang="en-US" altLang="zh-CN" dirty="0"/>
-              <a:t>RegExp</a:t>
-            </a:r>
-          </a:p>
-          <a:p>
-            <a:r>
-              <a:rPr lang="en-US" altLang="zh-CN" dirty="0"/>
-              <a:t>Error</a:t>
-            </a:r>
-          </a:p>
-        </p:txBody>
-      </p:sp>
-      <p:sp>
-        <p:nvSpPr>
-          <p:cNvPr id="6" name="文本框 5">
-            <a:extLst>
-              <a:ext uri="{FF2B5EF4-FFF2-40B4-BE49-F238E27FC236}">
-                <a16:creationId xmlns:a16="http://schemas.microsoft.com/office/drawing/2014/main" id="{CFF64B49-D092-8E4A-8244-3081279A5687}"/>
-              </a:ext>
-            </a:extLst>
-          </p:cNvPr>
-          <p:cNvSpPr txBox="1"/>
-          <p:nvPr/>
-        </p:nvSpPr>
-        <p:spPr>
-          <a:xfrm>
-            <a:off x="2090010" y="1045675"/>
+            <a:off x="1913680" y="1045675"/>
             <a:ext cx="4311989" cy="369332"/>
           </a:xfrm>
           <a:prstGeom prst="rect">
@@ -3380,7 +3309,7 @@
     </p:spTree>
     <p:extLst>
       <p:ext uri="{BB962C8B-B14F-4D97-AF65-F5344CB8AC3E}">
-        <p14:creationId xmlns:p14="http://schemas.microsoft.com/office/powerpoint/2010/main" val="3879653507"/>
+        <p14:creationId xmlns:p14="http://schemas.microsoft.com/office/powerpoint/2010/main" val="1847065353"/>
       </p:ext>
     </p:extLst>
   </p:cSld>
@@ -3422,7 +3351,7 @@
         <p:spPr>
           <a:xfrm>
             <a:off x="674238" y="630177"/>
-            <a:ext cx="1239442" cy="830997"/>
+            <a:ext cx="2646878" cy="830997"/>
           </a:xfrm>
           <a:prstGeom prst="rect">
             <a:avLst/>
@@ -3449,27 +3378,22 @@
           </a:lstStyle>
           <a:p>
             <a:r>
-              <a:rPr lang="en-US" altLang="zh-CN" sz="4800" dirty="0">
+              <a:rPr lang="zh-CN" altLang="en-US" sz="4800" dirty="0">
                 <a:solidFill>
                   <a:srgbClr val="00B0F0"/>
                 </a:solidFill>
               </a:rPr>
-              <a:t>this</a:t>
-            </a:r>
-            <a:endParaRPr lang="zh-CN" altLang="en-US" sz="4800" dirty="0">
-              <a:solidFill>
-                <a:srgbClr val="00B0F0"/>
-              </a:solidFill>
-            </a:endParaRPr>
-          </a:p>
-        </p:txBody>
-      </p:sp>
-      <p:sp>
-        <p:nvSpPr>
-          <p:cNvPr id="6" name="文本框 5">
+              <a:t>引用类型</a:t>
+            </a:r>
+          </a:p>
+        </p:txBody>
+      </p:sp>
+      <p:sp>
+        <p:nvSpPr>
+          <p:cNvPr id="3" name="文本框 2">
             <a:extLst>
               <a:ext uri="{FF2B5EF4-FFF2-40B4-BE49-F238E27FC236}">
-                <a16:creationId xmlns:a16="http://schemas.microsoft.com/office/drawing/2014/main" id="{3EDA7B10-7D20-A04E-8FE5-715BEF138BC2}"/>
+                <a16:creationId xmlns:a16="http://schemas.microsoft.com/office/drawing/2014/main" id="{A1D216FE-3E47-DF49-8B91-3438E90F223B}"/>
               </a:ext>
             </a:extLst>
           </p:cNvPr>
@@ -3478,8 +3402,73 @@
         </p:nvSpPr>
         <p:spPr>
           <a:xfrm>
+            <a:off x="3321116" y="1045675"/>
+            <a:ext cx="4311989" cy="369332"/>
+          </a:xfrm>
+          <a:prstGeom prst="rect">
+            <a:avLst/>
+          </a:prstGeom>
+        </p:spPr>
+        <p:txBody>
+          <a:bodyPr wrap="square">
+            <a:spAutoFit/>
+          </a:bodyPr>
+          <a:lstStyle>
+            <a:defPPr>
+              <a:defRPr lang="zh-CN"/>
+            </a:defPPr>
+            <a:lvl1pPr>
+              <a:lnSpc>
+                <a:spcPct val="100000"/>
+              </a:lnSpc>
+              <a:defRPr b="0">
+                <a:solidFill>
+                  <a:schemeClr val="bg2">
+                    <a:lumMod val="50000"/>
+                  </a:schemeClr>
+                </a:solidFill>
+                <a:latin typeface="PingFang SC Thin" panose="020B0200000000000000" pitchFamily="34" charset="-122"/>
+                <a:ea typeface="PingFang SC Thin" panose="020B0200000000000000" pitchFamily="34" charset="-122"/>
+                <a:cs typeface="Courier New" panose="02070309020205020404" pitchFamily="49" charset="0"/>
+              </a:defRPr>
+            </a:lvl1pPr>
+          </a:lstStyle>
+          <a:p>
+            <a:r>
+              <a:rPr lang="en-US" altLang="zh-CN" dirty="0"/>
+              <a:t>《JavaScript</a:t>
+            </a:r>
+            <a:r>
+              <a:rPr lang="zh-CN" altLang="en-US" dirty="0"/>
+              <a:t>高级</a:t>
+            </a:r>
+            <a:r>
+              <a:rPr lang="zh-CN" altLang="en-US"/>
+              <a:t>程序设计</a:t>
+            </a:r>
+            <a:r>
+              <a:rPr lang="en-US" altLang="zh-CN" dirty="0"/>
+              <a:t>》</a:t>
+            </a:r>
+          </a:p>
+        </p:txBody>
+      </p:sp>
+      <p:sp>
+        <p:nvSpPr>
+          <p:cNvPr id="4" name="文本框 3">
+            <a:extLst>
+              <a:ext uri="{FF2B5EF4-FFF2-40B4-BE49-F238E27FC236}">
+                <a16:creationId xmlns:a16="http://schemas.microsoft.com/office/drawing/2014/main" id="{BB90F405-F034-40E1-B57B-D0187115ED82}"/>
+              </a:ext>
+            </a:extLst>
+          </p:cNvPr>
+          <p:cNvSpPr txBox="1"/>
+          <p:nvPr/>
+        </p:nvSpPr>
+        <p:spPr>
+          <a:xfrm>
             <a:off x="1385426" y="1743416"/>
-            <a:ext cx="4311989" cy="1719702"/>
+            <a:ext cx="4311989" cy="472758"/>
           </a:xfrm>
           <a:prstGeom prst="rect">
             <a:avLst/>
@@ -3518,7 +3507,7 @@
                 <a:latin typeface="Courier New" panose="02070309020205020404" pitchFamily="49" charset="0"/>
                 <a:cs typeface="Courier New" panose="02070309020205020404" pitchFamily="49" charset="0"/>
               </a:rPr>
-              <a:t>调用位置</a:t>
+              <a:t>深拷贝、浅拷贝</a:t>
             </a:r>
             <a:endParaRPr lang="en-US" altLang="zh-CN" dirty="0">
               <a:solidFill>
@@ -3528,130 +3517,12 @@
               <a:cs typeface="Courier New" panose="02070309020205020404" pitchFamily="49" charset="0"/>
             </a:endParaRPr>
           </a:p>
-          <a:p>
-            <a:r>
-              <a:rPr lang="zh-CN" altLang="en-US" dirty="0">
-                <a:solidFill>
-                  <a:schemeClr val="tx1"/>
-                </a:solidFill>
-                <a:latin typeface="Courier New" panose="02070309020205020404" pitchFamily="49" charset="0"/>
-                <a:cs typeface="Courier New" panose="02070309020205020404" pitchFamily="49" charset="0"/>
-              </a:rPr>
-              <a:t>绑定规则</a:t>
-            </a:r>
-            <a:endParaRPr lang="en-US" altLang="zh-CN" dirty="0">
-              <a:solidFill>
-                <a:schemeClr val="tx1"/>
-              </a:solidFill>
-              <a:latin typeface="Courier New" panose="02070309020205020404" pitchFamily="49" charset="0"/>
-              <a:cs typeface="Courier New" panose="02070309020205020404" pitchFamily="49" charset="0"/>
-            </a:endParaRPr>
-          </a:p>
-          <a:p>
-            <a:r>
-              <a:rPr lang="zh-CN" altLang="en-US" dirty="0">
-                <a:solidFill>
-                  <a:schemeClr val="tx1"/>
-                </a:solidFill>
-                <a:latin typeface="Courier New" panose="02070309020205020404" pitchFamily="49" charset="0"/>
-                <a:cs typeface="Courier New" panose="02070309020205020404" pitchFamily="49" charset="0"/>
-              </a:rPr>
-              <a:t>优先级</a:t>
-            </a:r>
-            <a:endParaRPr lang="en-US" altLang="zh-CN" dirty="0">
-              <a:solidFill>
-                <a:schemeClr val="tx1"/>
-              </a:solidFill>
-              <a:latin typeface="Courier New" panose="02070309020205020404" pitchFamily="49" charset="0"/>
-              <a:cs typeface="Courier New" panose="02070309020205020404" pitchFamily="49" charset="0"/>
-            </a:endParaRPr>
-          </a:p>
-          <a:p>
-            <a:r>
-              <a:rPr lang="zh-CN" altLang="en-US" dirty="0">
-                <a:solidFill>
-                  <a:schemeClr val="tx1"/>
-                </a:solidFill>
-                <a:latin typeface="Courier New" panose="02070309020205020404" pitchFamily="49" charset="0"/>
-                <a:cs typeface="Courier New" panose="02070309020205020404" pitchFamily="49" charset="0"/>
-              </a:rPr>
-              <a:t>绑定例外</a:t>
-            </a:r>
-            <a:endParaRPr lang="en-US" altLang="zh-CN" dirty="0">
-              <a:solidFill>
-                <a:schemeClr val="tx1"/>
-              </a:solidFill>
-              <a:latin typeface="Courier New" panose="02070309020205020404" pitchFamily="49" charset="0"/>
-              <a:cs typeface="Courier New" panose="02070309020205020404" pitchFamily="49" charset="0"/>
-            </a:endParaRPr>
-          </a:p>
-        </p:txBody>
-      </p:sp>
-      <p:sp>
-        <p:nvSpPr>
-          <p:cNvPr id="7" name="文本框 6">
-            <a:extLst>
-              <a:ext uri="{FF2B5EF4-FFF2-40B4-BE49-F238E27FC236}">
-                <a16:creationId xmlns:a16="http://schemas.microsoft.com/office/drawing/2014/main" id="{C68A20B4-7C5A-A547-B06B-D2D46D7A15FD}"/>
-              </a:ext>
-            </a:extLst>
-          </p:cNvPr>
-          <p:cNvSpPr txBox="1"/>
-          <p:nvPr/>
-        </p:nvSpPr>
-        <p:spPr>
-          <a:xfrm>
-            <a:off x="1913680" y="1045675"/>
-            <a:ext cx="4311989" cy="369332"/>
-          </a:xfrm>
-          <a:prstGeom prst="rect">
-            <a:avLst/>
-          </a:prstGeom>
-        </p:spPr>
-        <p:txBody>
-          <a:bodyPr wrap="square">
-            <a:spAutoFit/>
-          </a:bodyPr>
-          <a:lstStyle>
-            <a:defPPr>
-              <a:defRPr lang="zh-CN"/>
-            </a:defPPr>
-            <a:lvl1pPr>
-              <a:lnSpc>
-                <a:spcPct val="100000"/>
-              </a:lnSpc>
-              <a:defRPr b="0">
-                <a:solidFill>
-                  <a:schemeClr val="bg2">
-                    <a:lumMod val="50000"/>
-                  </a:schemeClr>
-                </a:solidFill>
-                <a:latin typeface="PingFang SC Thin" panose="020B0200000000000000" pitchFamily="34" charset="-122"/>
-                <a:ea typeface="PingFang SC Thin" panose="020B0200000000000000" pitchFamily="34" charset="-122"/>
-                <a:cs typeface="Courier New" panose="02070309020205020404" pitchFamily="49" charset="0"/>
-              </a:defRPr>
-            </a:lvl1pPr>
-          </a:lstStyle>
-          <a:p>
-            <a:r>
-              <a:rPr lang="en-US" altLang="zh-CN" dirty="0"/>
-              <a:t>《</a:t>
-            </a:r>
-            <a:r>
-              <a:rPr lang="zh-CN" altLang="en-US" dirty="0"/>
-              <a:t>你不知道的</a:t>
-            </a:r>
-            <a:r>
-              <a:rPr lang="en-US" altLang="zh-CN" dirty="0"/>
-              <a:t>JavaScript》</a:t>
-            </a:r>
-          </a:p>
         </p:txBody>
       </p:sp>
     </p:spTree>
     <p:extLst>
       <p:ext uri="{BB962C8B-B14F-4D97-AF65-F5344CB8AC3E}">
-        <p14:creationId xmlns:p14="http://schemas.microsoft.com/office/powerpoint/2010/main" val="1847065353"/>
+        <p14:creationId xmlns:p14="http://schemas.microsoft.com/office/powerpoint/2010/main" val="2738565239"/>
       </p:ext>
     </p:extLst>
   </p:cSld>
@@ -4047,7 +3918,7 @@
                   <a:srgbClr val="00B0F0"/>
                 </a:solidFill>
               </a:rPr>
-              <a:t>集合</a:t>
+              <a:t>类型</a:t>
             </a:r>
           </a:p>
         </p:txBody>
@@ -4066,8 +3937,8 @@
         </p:nvSpPr>
         <p:spPr>
           <a:xfrm>
-            <a:off x="1385426" y="1743416"/>
-            <a:ext cx="4311989" cy="1304203"/>
+            <a:off x="1385427" y="1743416"/>
+            <a:ext cx="3081066" cy="3102709"/>
           </a:xfrm>
           <a:prstGeom prst="rect">
             <a:avLst/>
@@ -4099,48 +3970,66 @@
           </a:lstStyle>
           <a:p>
             <a:r>
-              <a:rPr lang="en-US" altLang="zh-CN" dirty="0">
-                <a:solidFill>
-                  <a:schemeClr val="tx1"/>
-                </a:solidFill>
-                <a:latin typeface="Courier New" panose="02070309020205020404" pitchFamily="49" charset="0"/>
-                <a:cs typeface="Courier New" panose="02070309020205020404" pitchFamily="49" charset="0"/>
-              </a:rPr>
-              <a:t>Array</a:t>
-            </a:r>
-          </a:p>
-          <a:p>
-            <a:r>
-              <a:rPr lang="en-US" altLang="zh-CN" dirty="0">
-                <a:solidFill>
-                  <a:schemeClr val="tx1"/>
-                </a:solidFill>
-                <a:latin typeface="Courier New" panose="02070309020205020404" pitchFamily="49" charset="0"/>
-                <a:cs typeface="Courier New" panose="02070309020205020404" pitchFamily="49" charset="0"/>
-              </a:rPr>
-              <a:t>Map</a:t>
-            </a:r>
-          </a:p>
-          <a:p>
-            <a:r>
-              <a:rPr lang="en-US" altLang="zh-CN" dirty="0">
-                <a:solidFill>
-                  <a:schemeClr val="tx1"/>
-                </a:solidFill>
-                <a:latin typeface="Courier New" panose="02070309020205020404" pitchFamily="49" charset="0"/>
-                <a:cs typeface="Courier New" panose="02070309020205020404" pitchFamily="49" charset="0"/>
-              </a:rPr>
-              <a:t>Set</a:t>
-            </a:r>
-          </a:p>
-        </p:txBody>
-      </p:sp>
-      <p:sp>
-        <p:nvSpPr>
-          <p:cNvPr id="4" name="文本框 3">
+              <a:rPr lang="zh-CN" altLang="en-US" sz="2400" b="1" dirty="0">
+                <a:latin typeface="Microsoft YaHei" panose="020B0503020204020204" pitchFamily="34" charset="-122"/>
+                <a:ea typeface="Microsoft YaHei" panose="020B0503020204020204" pitchFamily="34" charset="-122"/>
+              </a:rPr>
+              <a:t>基本类型</a:t>
+            </a:r>
+            <a:endParaRPr lang="en-US" altLang="zh-CN" sz="2400" b="1" dirty="0">
+              <a:latin typeface="Microsoft YaHei" panose="020B0503020204020204" pitchFamily="34" charset="-122"/>
+              <a:ea typeface="Microsoft YaHei" panose="020B0503020204020204" pitchFamily="34" charset="-122"/>
+            </a:endParaRPr>
+          </a:p>
+          <a:p>
+            <a:r>
+              <a:rPr lang="en-US" altLang="zh-CN" dirty="0"/>
+              <a:t>string</a:t>
+            </a:r>
+          </a:p>
+          <a:p>
+            <a:r>
+              <a:rPr lang="en-US" altLang="zh-CN" dirty="0"/>
+              <a:t>number</a:t>
+            </a:r>
+          </a:p>
+          <a:p>
+            <a:r>
+              <a:rPr lang="en-US" altLang="zh-CN" dirty="0"/>
+              <a:t>boolean</a:t>
+            </a:r>
+          </a:p>
+          <a:p>
+            <a:r>
+              <a:rPr lang="en-US" altLang="zh-CN" dirty="0"/>
+              <a:t>null</a:t>
+            </a:r>
+          </a:p>
+          <a:p>
+            <a:r>
+              <a:rPr lang="en-US" altLang="zh-CN" dirty="0"/>
+              <a:t>undefined</a:t>
+            </a:r>
+          </a:p>
+          <a:p>
+            <a:r>
+              <a:rPr lang="en-US" altLang="zh-CN" dirty="0"/>
+              <a:t>object</a:t>
+            </a:r>
+            <a:r>
+              <a:rPr lang="zh-CN" altLang="en-US" dirty="0"/>
+              <a:t>（函数、数组）</a:t>
+            </a:r>
+            <a:endParaRPr lang="en-US" altLang="zh-CN" dirty="0"/>
+          </a:p>
+        </p:txBody>
+      </p:sp>
+      <p:sp>
+        <p:nvSpPr>
+          <p:cNvPr id="5" name="文本框 4">
             <a:extLst>
               <a:ext uri="{FF2B5EF4-FFF2-40B4-BE49-F238E27FC236}">
-                <a16:creationId xmlns:a16="http://schemas.microsoft.com/office/drawing/2014/main" id="{4BAC90AB-D9E0-754C-A94E-C2E367742437}"/>
+                <a16:creationId xmlns:a16="http://schemas.microsoft.com/office/drawing/2014/main" id="{BE31C4DC-4F21-254D-A242-7F0605F27337}"/>
               </a:ext>
             </a:extLst>
           </p:cNvPr>
@@ -4149,7 +4038,121 @@
         </p:nvSpPr>
         <p:spPr>
           <a:xfrm>
-            <a:off x="2090010" y="1048297"/>
+            <a:off x="5863643" y="1743416"/>
+            <a:ext cx="3081066" cy="4349204"/>
+          </a:xfrm>
+          <a:prstGeom prst="rect">
+            <a:avLst/>
+          </a:prstGeom>
+        </p:spPr>
+        <p:txBody>
+          <a:bodyPr wrap="square">
+            <a:spAutoFit/>
+          </a:bodyPr>
+          <a:lstStyle>
+            <a:defPPr>
+              <a:defRPr lang="zh-CN"/>
+            </a:defPPr>
+            <a:lvl1pPr>
+              <a:lnSpc>
+                <a:spcPct val="150000"/>
+              </a:lnSpc>
+              <a:defRPr b="0">
+                <a:solidFill>
+                  <a:schemeClr val="tx1">
+                    <a:lumMod val="75000"/>
+                    <a:lumOff val="25000"/>
+                  </a:schemeClr>
+                </a:solidFill>
+                <a:latin typeface="PingFang SC Thin" panose="020B0200000000000000" pitchFamily="34" charset="-122"/>
+                <a:ea typeface="PingFang SC Thin" panose="020B0200000000000000" pitchFamily="34" charset="-122"/>
+              </a:defRPr>
+            </a:lvl1pPr>
+          </a:lstStyle>
+          <a:p>
+            <a:r>
+              <a:rPr lang="zh-CN" altLang="en-US" sz="2400" b="1" dirty="0">
+                <a:latin typeface="Microsoft YaHei" panose="020B0503020204020204" pitchFamily="34" charset="-122"/>
+                <a:ea typeface="Microsoft YaHei" panose="020B0503020204020204" pitchFamily="34" charset="-122"/>
+              </a:rPr>
+              <a:t>内置对象</a:t>
+            </a:r>
+            <a:endParaRPr lang="en-US" altLang="zh-CN" sz="2400" b="1" dirty="0">
+              <a:latin typeface="Microsoft YaHei" panose="020B0503020204020204" pitchFamily="34" charset="-122"/>
+              <a:ea typeface="Microsoft YaHei" panose="020B0503020204020204" pitchFamily="34" charset="-122"/>
+            </a:endParaRPr>
+          </a:p>
+          <a:p>
+            <a:r>
+              <a:rPr lang="en-US" altLang="zh-CN" dirty="0"/>
+              <a:t>String</a:t>
+            </a:r>
+          </a:p>
+          <a:p>
+            <a:r>
+              <a:rPr lang="en-US" altLang="zh-CN" dirty="0"/>
+              <a:t>Number</a:t>
+            </a:r>
+          </a:p>
+          <a:p>
+            <a:r>
+              <a:rPr lang="en-US" altLang="zh-CN" dirty="0"/>
+              <a:t>Boolean</a:t>
+            </a:r>
+          </a:p>
+          <a:p>
+            <a:r>
+              <a:rPr lang="en-US" altLang="zh-CN" dirty="0"/>
+              <a:t>Object</a:t>
+            </a:r>
+          </a:p>
+          <a:p>
+            <a:r>
+              <a:rPr lang="en-US" altLang="zh-CN" dirty="0"/>
+              <a:t>Function</a:t>
+            </a:r>
+          </a:p>
+          <a:p>
+            <a:r>
+              <a:rPr lang="en-US" altLang="zh-CN" dirty="0"/>
+              <a:t>Array</a:t>
+            </a:r>
+          </a:p>
+          <a:p>
+            <a:r>
+              <a:rPr lang="en-US" altLang="zh-CN" dirty="0"/>
+              <a:t>Date</a:t>
+            </a:r>
+          </a:p>
+          <a:p>
+            <a:r>
+              <a:rPr lang="en-US" altLang="zh-CN" dirty="0"/>
+              <a:t>RegExp</a:t>
+            </a:r>
+          </a:p>
+          <a:p>
+            <a:r>
+              <a:rPr lang="en-US" altLang="zh-CN" dirty="0"/>
+              <a:t>Error</a:t>
+            </a:r>
+          </a:p>
+        </p:txBody>
+      </p:sp>
+      <p:sp>
+        <p:nvSpPr>
+          <p:cNvPr id="6" name="文本框 5">
+            <a:extLst>
+              <a:ext uri="{FF2B5EF4-FFF2-40B4-BE49-F238E27FC236}">
+                <a16:creationId xmlns:a16="http://schemas.microsoft.com/office/drawing/2014/main" id="{CFF64B49-D092-8E4A-8244-3081279A5687}"/>
+              </a:ext>
+            </a:extLst>
+          </p:cNvPr>
+          <p:cNvSpPr txBox="1"/>
+          <p:nvPr/>
+        </p:nvSpPr>
+        <p:spPr>
+          <a:xfrm>
+            <a:off x="2090010" y="1045675"/>
             <a:ext cx="4311989" cy="369332"/>
           </a:xfrm>
           <a:prstGeom prst="rect">
@@ -4183,283 +4186,15 @@
           <a:p>
             <a:r>
               <a:rPr lang="en-US" altLang="zh-CN" dirty="0"/>
-              <a:t>《JavaScript</a:t>
+              <a:t>《</a:t>
             </a:r>
             <a:r>
               <a:rPr lang="zh-CN" altLang="en-US" dirty="0"/>
-              <a:t>忍者秘籍</a:t>
+              <a:t>你不知道的</a:t>
             </a:r>
             <a:r>
               <a:rPr lang="en-US" altLang="zh-CN" dirty="0"/>
-              <a:t>》</a:t>
-            </a:r>
-          </a:p>
-        </p:txBody>
-      </p:sp>
-      <p:sp>
-        <p:nvSpPr>
-          <p:cNvPr id="5" name="文本框 4">
-            <a:extLst>
-              <a:ext uri="{FF2B5EF4-FFF2-40B4-BE49-F238E27FC236}">
-                <a16:creationId xmlns:a16="http://schemas.microsoft.com/office/drawing/2014/main" id="{C8B5988E-24E0-7C40-818D-D4BA67C53741}"/>
-              </a:ext>
-            </a:extLst>
-          </p:cNvPr>
-          <p:cNvSpPr txBox="1"/>
-          <p:nvPr/>
-        </p:nvSpPr>
-        <p:spPr>
-          <a:xfrm>
-            <a:off x="6912150" y="1540211"/>
-            <a:ext cx="1503938" cy="707886"/>
-          </a:xfrm>
-          <a:prstGeom prst="rect">
-            <a:avLst/>
-          </a:prstGeom>
-        </p:spPr>
-        <p:txBody>
-          <a:bodyPr wrap="none">
-            <a:spAutoFit/>
-          </a:bodyPr>
-          <a:lstStyle>
-            <a:defPPr>
-              <a:defRPr lang="zh-CN"/>
-            </a:defPPr>
-            <a:lvl1pPr>
-              <a:defRPr sz="4000" b="1">
-                <a:solidFill>
-                  <a:schemeClr val="bg2">
-                    <a:lumMod val="90000"/>
-                  </a:schemeClr>
-                </a:solidFill>
-                <a:latin typeface="Open Sans"/>
-              </a:defRPr>
-            </a:lvl1pPr>
-          </a:lstStyle>
-          <a:p>
-            <a:r>
-              <a:rPr lang="en-US" altLang="zh-CN" dirty="0">
-                <a:solidFill>
-                  <a:schemeClr val="bg1">
-                    <a:lumMod val="75000"/>
-                  </a:schemeClr>
-                </a:solidFill>
-              </a:rPr>
-              <a:t>Array</a:t>
-            </a:r>
-            <a:endParaRPr lang="zh-CN" altLang="en-US" dirty="0">
-              <a:solidFill>
-                <a:schemeClr val="bg1">
-                  <a:lumMod val="75000"/>
-                </a:schemeClr>
-              </a:solidFill>
-            </a:endParaRPr>
-          </a:p>
-        </p:txBody>
-      </p:sp>
-      <p:sp>
-        <p:nvSpPr>
-          <p:cNvPr id="6" name="文本框 5">
-            <a:extLst>
-              <a:ext uri="{FF2B5EF4-FFF2-40B4-BE49-F238E27FC236}">
-                <a16:creationId xmlns:a16="http://schemas.microsoft.com/office/drawing/2014/main" id="{836CA5A7-4147-0141-918B-DB7AA8F72B86}"/>
-              </a:ext>
-            </a:extLst>
-          </p:cNvPr>
-          <p:cNvSpPr txBox="1"/>
-          <p:nvPr/>
-        </p:nvSpPr>
-        <p:spPr>
-          <a:xfrm>
-            <a:off x="6912150" y="2248097"/>
-            <a:ext cx="2756106" cy="3381695"/>
-          </a:xfrm>
-          <a:prstGeom prst="rect">
-            <a:avLst/>
-          </a:prstGeom>
-        </p:spPr>
-        <p:txBody>
-          <a:bodyPr wrap="square">
-            <a:spAutoFit/>
-          </a:bodyPr>
-          <a:lstStyle>
-            <a:defPPr>
-              <a:defRPr lang="zh-CN"/>
-            </a:defPPr>
-            <a:lvl1pPr>
-              <a:lnSpc>
-                <a:spcPct val="150000"/>
-              </a:lnSpc>
-              <a:defRPr b="0">
-                <a:solidFill>
-                  <a:schemeClr val="tx1">
-                    <a:lumMod val="75000"/>
-                    <a:lumOff val="25000"/>
-                  </a:schemeClr>
-                </a:solidFill>
-                <a:latin typeface="PingFang SC Thin" panose="020B0200000000000000" pitchFamily="34" charset="-122"/>
-                <a:ea typeface="PingFang SC Thin" panose="020B0200000000000000" pitchFamily="34" charset="-122"/>
-              </a:defRPr>
-            </a:lvl1pPr>
-          </a:lstStyle>
-          <a:p>
-            <a:r>
-              <a:rPr lang="en-US" altLang="zh-CN" dirty="0">
-                <a:solidFill>
-                  <a:schemeClr val="tx1"/>
-                </a:solidFill>
-                <a:latin typeface="Courier New" panose="02070309020205020404" pitchFamily="49" charset="0"/>
-                <a:cs typeface="Courier New" panose="02070309020205020404" pitchFamily="49" charset="0"/>
-              </a:rPr>
-              <a:t>map()</a:t>
-            </a:r>
-          </a:p>
-          <a:p>
-            <a:r>
-              <a:rPr lang="en-US" altLang="zh-CN" dirty="0">
-                <a:solidFill>
-                  <a:schemeClr val="tx1"/>
-                </a:solidFill>
-                <a:latin typeface="Courier New" panose="02070309020205020404" pitchFamily="49" charset="0"/>
-                <a:cs typeface="Courier New" panose="02070309020205020404" pitchFamily="49" charset="0"/>
-              </a:rPr>
-              <a:t>find()</a:t>
-            </a:r>
-          </a:p>
-          <a:p>
-            <a:r>
-              <a:rPr lang="en-US" altLang="zh-CN" dirty="0">
-                <a:solidFill>
-                  <a:schemeClr val="tx1"/>
-                </a:solidFill>
-                <a:latin typeface="Courier New" panose="02070309020205020404" pitchFamily="49" charset="0"/>
-                <a:cs typeface="Courier New" panose="02070309020205020404" pitchFamily="49" charset="0"/>
-              </a:rPr>
-              <a:t>filter()</a:t>
-            </a:r>
-          </a:p>
-          <a:p>
-            <a:r>
-              <a:rPr lang="en-US" altLang="zh-CN" dirty="0" err="1">
-                <a:solidFill>
-                  <a:schemeClr val="tx1"/>
-                </a:solidFill>
-                <a:latin typeface="Courier New" panose="02070309020205020404" pitchFamily="49" charset="0"/>
-                <a:cs typeface="Courier New" panose="02070309020205020404" pitchFamily="49" charset="0"/>
-              </a:rPr>
-              <a:t>forEach</a:t>
-            </a:r>
-            <a:r>
-              <a:rPr lang="en-US" altLang="zh-CN" dirty="0">
-                <a:solidFill>
-                  <a:schemeClr val="tx1"/>
-                </a:solidFill>
-                <a:latin typeface="Courier New" panose="02070309020205020404" pitchFamily="49" charset="0"/>
-                <a:cs typeface="Courier New" panose="02070309020205020404" pitchFamily="49" charset="0"/>
-              </a:rPr>
-              <a:t>()</a:t>
-            </a:r>
-          </a:p>
-          <a:p>
-            <a:r>
-              <a:rPr lang="en-US" altLang="zh-CN" dirty="0">
-                <a:solidFill>
-                  <a:schemeClr val="tx1"/>
-                </a:solidFill>
-                <a:latin typeface="Courier New" panose="02070309020205020404" pitchFamily="49" charset="0"/>
-                <a:cs typeface="Courier New" panose="02070309020205020404" pitchFamily="49" charset="0"/>
-              </a:rPr>
-              <a:t>every()</a:t>
-            </a:r>
-          </a:p>
-          <a:p>
-            <a:r>
-              <a:rPr lang="en-US" altLang="zh-CN" dirty="0">
-                <a:solidFill>
-                  <a:schemeClr val="tx1"/>
-                </a:solidFill>
-                <a:latin typeface="Courier New" panose="02070309020205020404" pitchFamily="49" charset="0"/>
-                <a:cs typeface="Courier New" panose="02070309020205020404" pitchFamily="49" charset="0"/>
-              </a:rPr>
-              <a:t>some()</a:t>
-            </a:r>
-          </a:p>
-          <a:p>
-            <a:r>
-              <a:rPr lang="en-US" altLang="zh-CN" dirty="0">
-                <a:solidFill>
-                  <a:schemeClr val="tx1"/>
-                </a:solidFill>
-                <a:latin typeface="Courier New" panose="02070309020205020404" pitchFamily="49" charset="0"/>
-                <a:cs typeface="Courier New" panose="02070309020205020404" pitchFamily="49" charset="0"/>
-              </a:rPr>
-              <a:t>includes()</a:t>
-            </a:r>
-          </a:p>
-          <a:p>
-            <a:r>
-              <a:rPr lang="en-US" altLang="zh-CN" dirty="0">
-                <a:solidFill>
-                  <a:schemeClr val="tx1"/>
-                </a:solidFill>
-                <a:latin typeface="Courier New" panose="02070309020205020404" pitchFamily="49" charset="0"/>
-                <a:cs typeface="Courier New" panose="02070309020205020404" pitchFamily="49" charset="0"/>
-              </a:rPr>
-              <a:t>reduce()</a:t>
-            </a:r>
-          </a:p>
-        </p:txBody>
-      </p:sp>
-      <p:sp>
-        <p:nvSpPr>
-          <p:cNvPr id="7" name="文本框 6">
-            <a:extLst>
-              <a:ext uri="{FF2B5EF4-FFF2-40B4-BE49-F238E27FC236}">
-                <a16:creationId xmlns:a16="http://schemas.microsoft.com/office/drawing/2014/main" id="{44C7276B-1B5D-D44C-94FF-AC4AB8613902}"/>
-              </a:ext>
-            </a:extLst>
-          </p:cNvPr>
-          <p:cNvSpPr txBox="1"/>
-          <p:nvPr/>
-        </p:nvSpPr>
-        <p:spPr>
-          <a:xfrm>
-            <a:off x="1149008" y="3872270"/>
-            <a:ext cx="2749471" cy="707886"/>
-          </a:xfrm>
-          <a:prstGeom prst="rect">
-            <a:avLst/>
-          </a:prstGeom>
-        </p:spPr>
-        <p:txBody>
-          <a:bodyPr wrap="none">
-            <a:spAutoFit/>
-          </a:bodyPr>
-          <a:lstStyle>
-            <a:defPPr>
-              <a:defRPr lang="zh-CN"/>
-            </a:defPPr>
-            <a:lvl1pPr>
-              <a:defRPr sz="4000" b="1">
-                <a:solidFill>
-                  <a:schemeClr val="bg2">
-                    <a:lumMod val="90000"/>
-                  </a:schemeClr>
-                </a:solidFill>
-                <a:latin typeface="Open Sans"/>
-              </a:defRPr>
-            </a:lvl1pPr>
-          </a:lstStyle>
-          <a:p>
-            <a:r>
-              <a:rPr lang="zh-CN" altLang="en-US" dirty="0">
-                <a:solidFill>
-                  <a:schemeClr val="bg1">
-                    <a:lumMod val="75000"/>
-                  </a:schemeClr>
-                </a:solidFill>
-              </a:rPr>
-              <a:t>代理和反射</a:t>
+              <a:t>JavaScript》</a:t>
             </a:r>
           </a:p>
         </p:txBody>
@@ -4467,7 +4202,7 @@
     </p:spTree>
     <p:extLst>
       <p:ext uri="{BB962C8B-B14F-4D97-AF65-F5344CB8AC3E}">
-        <p14:creationId xmlns:p14="http://schemas.microsoft.com/office/powerpoint/2010/main" val="1917379577"/>
+        <p14:creationId xmlns:p14="http://schemas.microsoft.com/office/powerpoint/2010/main" val="3879653507"/>
       </p:ext>
     </p:extLst>
   </p:cSld>
@@ -4509,7 +4244,7 @@
         <p:spPr>
           <a:xfrm>
             <a:off x="674238" y="630177"/>
-            <a:ext cx="2031325" cy="830997"/>
+            <a:ext cx="2646878" cy="830997"/>
           </a:xfrm>
           <a:prstGeom prst="rect">
             <a:avLst/>
@@ -4541,17 +4276,17 @@
                   <a:srgbClr val="00B0F0"/>
                 </a:solidFill>
               </a:rPr>
-              <a:t>字符串</a:t>
-            </a:r>
-          </a:p>
-        </p:txBody>
-      </p:sp>
-      <p:sp>
-        <p:nvSpPr>
-          <p:cNvPr id="4" name="文本框 3">
+              <a:t>垃圾收集</a:t>
+            </a:r>
+          </a:p>
+        </p:txBody>
+      </p:sp>
+      <p:sp>
+        <p:nvSpPr>
+          <p:cNvPr id="3" name="文本框 2">
             <a:extLst>
               <a:ext uri="{FF2B5EF4-FFF2-40B4-BE49-F238E27FC236}">
-                <a16:creationId xmlns:a16="http://schemas.microsoft.com/office/drawing/2014/main" id="{DC0DCBC6-FC4F-A94F-A5F5-BC634F18B1FA}"/>
+                <a16:creationId xmlns:a16="http://schemas.microsoft.com/office/drawing/2014/main" id="{9FD7FF58-80D8-4B4C-A5CC-4C31E4CF0D48}"/>
               </a:ext>
             </a:extLst>
           </p:cNvPr>
@@ -4560,8 +4295,8 @@
         </p:nvSpPr>
         <p:spPr>
           <a:xfrm>
-            <a:off x="2705563" y="1045675"/>
-            <a:ext cx="5174413" cy="338554"/>
+            <a:off x="3321116" y="1045675"/>
+            <a:ext cx="4311989" cy="369332"/>
           </a:xfrm>
           <a:prstGeom prst="rect">
             <a:avLst/>
@@ -4593,23 +4328,15 @@
           </a:lstStyle>
           <a:p>
             <a:r>
-              <a:rPr lang="en-US" altLang="zh-CN" sz="1600" dirty="0"/>
-              <a:t>《</a:t>
-            </a:r>
-            <a:r>
-              <a:rPr lang="zh-CN" altLang="en-US" sz="1600" dirty="0"/>
-              <a:t>深入理解</a:t>
-            </a:r>
-            <a:r>
-              <a:rPr lang="en-US" altLang="zh-CN" sz="1600" dirty="0"/>
-              <a:t>ES6》《JavaScript</a:t>
-            </a:r>
-            <a:r>
-              <a:rPr lang="zh-CN" altLang="en-US" sz="1600" dirty="0"/>
+              <a:rPr lang="en-US" altLang="zh-CN" dirty="0"/>
+              <a:t>《JavaScript</a:t>
+            </a:r>
+            <a:r>
+              <a:rPr lang="zh-CN" altLang="en-US" dirty="0"/>
               <a:t>高级程序设计</a:t>
             </a:r>
             <a:r>
-              <a:rPr lang="en-US" altLang="zh-CN" sz="1600" dirty="0"/>
+              <a:rPr lang="en-US" altLang="zh-CN" dirty="0"/>
               <a:t>》</a:t>
             </a:r>
           </a:p>
@@ -4618,7 +4345,7 @@
     </p:spTree>
     <p:extLst>
       <p:ext uri="{BB962C8B-B14F-4D97-AF65-F5344CB8AC3E}">
-        <p14:creationId xmlns:p14="http://schemas.microsoft.com/office/powerpoint/2010/main" val="794268623"/>
+        <p14:creationId xmlns:p14="http://schemas.microsoft.com/office/powerpoint/2010/main" val="873862669"/>
       </p:ext>
     </p:extLst>
   </p:cSld>
@@ -4660,7 +4387,7 @@
         <p:spPr>
           <a:xfrm>
             <a:off x="674238" y="630177"/>
-            <a:ext cx="3262432" cy="830997"/>
+            <a:ext cx="1415772" cy="830997"/>
           </a:xfrm>
           <a:prstGeom prst="rect">
             <a:avLst/>
@@ -4692,17 +4419,17 @@
                   <a:srgbClr val="00B0F0"/>
                 </a:solidFill>
               </a:rPr>
-              <a:t>正则表达式</a:t>
-            </a:r>
-          </a:p>
-        </p:txBody>
-      </p:sp>
-      <p:sp>
-        <p:nvSpPr>
-          <p:cNvPr id="4" name="文本框 3">
+              <a:t>集合</a:t>
+            </a:r>
+          </a:p>
+        </p:txBody>
+      </p:sp>
+      <p:sp>
+        <p:nvSpPr>
+          <p:cNvPr id="37" name="文本框 36">
             <a:extLst>
               <a:ext uri="{FF2B5EF4-FFF2-40B4-BE49-F238E27FC236}">
-                <a16:creationId xmlns:a16="http://schemas.microsoft.com/office/drawing/2014/main" id="{DC0DCBC6-FC4F-A94F-A5F5-BC634F18B1FA}"/>
+                <a16:creationId xmlns:a16="http://schemas.microsoft.com/office/drawing/2014/main" id="{89065613-2589-5649-8FBA-3226869986D0}"/>
               </a:ext>
             </a:extLst>
           </p:cNvPr>
@@ -4711,8 +4438,91 @@
         </p:nvSpPr>
         <p:spPr>
           <a:xfrm>
-            <a:off x="3936670" y="1045675"/>
-            <a:ext cx="7436224" cy="338554"/>
+            <a:off x="1385426" y="1743416"/>
+            <a:ext cx="4311989" cy="1304203"/>
+          </a:xfrm>
+          <a:prstGeom prst="rect">
+            <a:avLst/>
+          </a:prstGeom>
+        </p:spPr>
+        <p:txBody>
+          <a:bodyPr wrap="square">
+            <a:spAutoFit/>
+          </a:bodyPr>
+          <a:lstStyle>
+            <a:defPPr>
+              <a:defRPr lang="zh-CN"/>
+            </a:defPPr>
+            <a:lvl1pPr>
+              <a:lnSpc>
+                <a:spcPct val="150000"/>
+              </a:lnSpc>
+              <a:defRPr b="0">
+                <a:solidFill>
+                  <a:schemeClr val="tx1">
+                    <a:lumMod val="75000"/>
+                    <a:lumOff val="25000"/>
+                  </a:schemeClr>
+                </a:solidFill>
+                <a:latin typeface="PingFang SC Thin" panose="020B0200000000000000" pitchFamily="34" charset="-122"/>
+                <a:ea typeface="PingFang SC Thin" panose="020B0200000000000000" pitchFamily="34" charset="-122"/>
+              </a:defRPr>
+            </a:lvl1pPr>
+          </a:lstStyle>
+          <a:p>
+            <a:r>
+              <a:rPr lang="en-US" altLang="zh-CN" dirty="0">
+                <a:solidFill>
+                  <a:schemeClr val="tx1"/>
+                </a:solidFill>
+                <a:latin typeface="Courier New" panose="02070309020205020404" pitchFamily="49" charset="0"/>
+                <a:cs typeface="Courier New" panose="02070309020205020404" pitchFamily="49" charset="0"/>
+              </a:rPr>
+              <a:t>Array</a:t>
+            </a:r>
+          </a:p>
+          <a:p>
+            <a:r>
+              <a:rPr lang="en-US" altLang="zh-CN" dirty="0">
+                <a:solidFill>
+                  <a:schemeClr val="tx1"/>
+                </a:solidFill>
+                <a:latin typeface="Courier New" panose="02070309020205020404" pitchFamily="49" charset="0"/>
+                <a:cs typeface="Courier New" panose="02070309020205020404" pitchFamily="49" charset="0"/>
+              </a:rPr>
+              <a:t>Map</a:t>
+            </a:r>
+          </a:p>
+          <a:p>
+            <a:r>
+              <a:rPr lang="en-US" altLang="zh-CN" dirty="0">
+                <a:solidFill>
+                  <a:schemeClr val="tx1"/>
+                </a:solidFill>
+                <a:latin typeface="Courier New" panose="02070309020205020404" pitchFamily="49" charset="0"/>
+                <a:cs typeface="Courier New" panose="02070309020205020404" pitchFamily="49" charset="0"/>
+              </a:rPr>
+              <a:t>Set</a:t>
+            </a:r>
+          </a:p>
+        </p:txBody>
+      </p:sp>
+      <p:sp>
+        <p:nvSpPr>
+          <p:cNvPr id="4" name="文本框 3">
+            <a:extLst>
+              <a:ext uri="{FF2B5EF4-FFF2-40B4-BE49-F238E27FC236}">
+                <a16:creationId xmlns:a16="http://schemas.microsoft.com/office/drawing/2014/main" id="{4BAC90AB-D9E0-754C-A94E-C2E367742437}"/>
+              </a:ext>
+            </a:extLst>
+          </p:cNvPr>
+          <p:cNvSpPr txBox="1"/>
+          <p:nvPr/>
+        </p:nvSpPr>
+        <p:spPr>
+          <a:xfrm>
+            <a:off x="2090010" y="1048297"/>
+            <a:ext cx="4311989" cy="369332"/>
           </a:xfrm>
           <a:prstGeom prst="rect">
             <a:avLst/>
@@ -4744,32 +4554,284 @@
           </a:lstStyle>
           <a:p>
             <a:r>
-              <a:rPr lang="en-US" altLang="zh-CN" sz="1600" dirty="0"/>
-              <a:t>《</a:t>
-            </a:r>
-            <a:r>
-              <a:rPr lang="zh-CN" altLang="en-US" sz="1600" dirty="0"/>
-              <a:t>深入理解</a:t>
-            </a:r>
-            <a:r>
-              <a:rPr lang="en-US" altLang="zh-CN" sz="1600" dirty="0"/>
-              <a:t>ES6》《JavaScript</a:t>
-            </a:r>
-            <a:r>
-              <a:rPr lang="zh-CN" altLang="en-US" sz="1600" dirty="0"/>
+              <a:rPr lang="en-US" altLang="zh-CN" dirty="0"/>
+              <a:t>《JavaScript</a:t>
+            </a:r>
+            <a:r>
+              <a:rPr lang="zh-CN" altLang="en-US" dirty="0"/>
               <a:t>忍者秘籍</a:t>
             </a:r>
             <a:r>
-              <a:rPr lang="en-US" altLang="zh-CN" sz="1600" dirty="0"/>
-              <a:t>》《JavaScript</a:t>
-            </a:r>
-            <a:r>
-              <a:rPr lang="zh-CN" altLang="en-US" sz="1600" dirty="0"/>
-              <a:t>高级程序设计</a:t>
-            </a:r>
-            <a:r>
-              <a:rPr lang="en-US" altLang="zh-CN" sz="1600" dirty="0"/>
+              <a:rPr lang="en-US" altLang="zh-CN" dirty="0"/>
               <a:t>》</a:t>
+            </a:r>
+          </a:p>
+        </p:txBody>
+      </p:sp>
+      <p:sp>
+        <p:nvSpPr>
+          <p:cNvPr id="5" name="文本框 4">
+            <a:extLst>
+              <a:ext uri="{FF2B5EF4-FFF2-40B4-BE49-F238E27FC236}">
+                <a16:creationId xmlns:a16="http://schemas.microsoft.com/office/drawing/2014/main" id="{C8B5988E-24E0-7C40-818D-D4BA67C53741}"/>
+              </a:ext>
+            </a:extLst>
+          </p:cNvPr>
+          <p:cNvSpPr txBox="1"/>
+          <p:nvPr/>
+        </p:nvSpPr>
+        <p:spPr>
+          <a:xfrm>
+            <a:off x="6912150" y="1540211"/>
+            <a:ext cx="1503938" cy="707886"/>
+          </a:xfrm>
+          <a:prstGeom prst="rect">
+            <a:avLst/>
+          </a:prstGeom>
+        </p:spPr>
+        <p:txBody>
+          <a:bodyPr wrap="none">
+            <a:spAutoFit/>
+          </a:bodyPr>
+          <a:lstStyle>
+            <a:defPPr>
+              <a:defRPr lang="zh-CN"/>
+            </a:defPPr>
+            <a:lvl1pPr>
+              <a:defRPr sz="4000" b="1">
+                <a:solidFill>
+                  <a:schemeClr val="bg2">
+                    <a:lumMod val="90000"/>
+                  </a:schemeClr>
+                </a:solidFill>
+                <a:latin typeface="Open Sans"/>
+              </a:defRPr>
+            </a:lvl1pPr>
+          </a:lstStyle>
+          <a:p>
+            <a:r>
+              <a:rPr lang="en-US" altLang="zh-CN" dirty="0">
+                <a:solidFill>
+                  <a:schemeClr val="bg1">
+                    <a:lumMod val="75000"/>
+                  </a:schemeClr>
+                </a:solidFill>
+              </a:rPr>
+              <a:t>Array</a:t>
+            </a:r>
+            <a:endParaRPr lang="zh-CN" altLang="en-US" dirty="0">
+              <a:solidFill>
+                <a:schemeClr val="bg1">
+                  <a:lumMod val="75000"/>
+                </a:schemeClr>
+              </a:solidFill>
+            </a:endParaRPr>
+          </a:p>
+        </p:txBody>
+      </p:sp>
+      <p:sp>
+        <p:nvSpPr>
+          <p:cNvPr id="6" name="文本框 5">
+            <a:extLst>
+              <a:ext uri="{FF2B5EF4-FFF2-40B4-BE49-F238E27FC236}">
+                <a16:creationId xmlns:a16="http://schemas.microsoft.com/office/drawing/2014/main" id="{836CA5A7-4147-0141-918B-DB7AA8F72B86}"/>
+              </a:ext>
+            </a:extLst>
+          </p:cNvPr>
+          <p:cNvSpPr txBox="1"/>
+          <p:nvPr/>
+        </p:nvSpPr>
+        <p:spPr>
+          <a:xfrm>
+            <a:off x="6912150" y="2248097"/>
+            <a:ext cx="2756106" cy="3381695"/>
+          </a:xfrm>
+          <a:prstGeom prst="rect">
+            <a:avLst/>
+          </a:prstGeom>
+        </p:spPr>
+        <p:txBody>
+          <a:bodyPr wrap="square">
+            <a:spAutoFit/>
+          </a:bodyPr>
+          <a:lstStyle>
+            <a:defPPr>
+              <a:defRPr lang="zh-CN"/>
+            </a:defPPr>
+            <a:lvl1pPr>
+              <a:lnSpc>
+                <a:spcPct val="150000"/>
+              </a:lnSpc>
+              <a:defRPr b="0">
+                <a:solidFill>
+                  <a:schemeClr val="tx1">
+                    <a:lumMod val="75000"/>
+                    <a:lumOff val="25000"/>
+                  </a:schemeClr>
+                </a:solidFill>
+                <a:latin typeface="PingFang SC Thin" panose="020B0200000000000000" pitchFamily="34" charset="-122"/>
+                <a:ea typeface="PingFang SC Thin" panose="020B0200000000000000" pitchFamily="34" charset="-122"/>
+              </a:defRPr>
+            </a:lvl1pPr>
+          </a:lstStyle>
+          <a:p>
+            <a:r>
+              <a:rPr lang="en-US" altLang="zh-CN" dirty="0">
+                <a:solidFill>
+                  <a:schemeClr val="tx1"/>
+                </a:solidFill>
+                <a:latin typeface="Courier New" panose="02070309020205020404" pitchFamily="49" charset="0"/>
+                <a:cs typeface="Courier New" panose="02070309020205020404" pitchFamily="49" charset="0"/>
+              </a:rPr>
+              <a:t>map()</a:t>
+            </a:r>
+          </a:p>
+          <a:p>
+            <a:r>
+              <a:rPr lang="en-US" altLang="zh-CN" dirty="0">
+                <a:solidFill>
+                  <a:schemeClr val="tx1"/>
+                </a:solidFill>
+                <a:latin typeface="Courier New" panose="02070309020205020404" pitchFamily="49" charset="0"/>
+                <a:cs typeface="Courier New" panose="02070309020205020404" pitchFamily="49" charset="0"/>
+              </a:rPr>
+              <a:t>find()</a:t>
+            </a:r>
+          </a:p>
+          <a:p>
+            <a:r>
+              <a:rPr lang="en-US" altLang="zh-CN" dirty="0">
+                <a:solidFill>
+                  <a:schemeClr val="tx1"/>
+                </a:solidFill>
+                <a:latin typeface="Courier New" panose="02070309020205020404" pitchFamily="49" charset="0"/>
+                <a:cs typeface="Courier New" panose="02070309020205020404" pitchFamily="49" charset="0"/>
+              </a:rPr>
+              <a:t>filter()</a:t>
+            </a:r>
+          </a:p>
+          <a:p>
+            <a:r>
+              <a:rPr lang="en-US" altLang="zh-CN" dirty="0" err="1">
+                <a:solidFill>
+                  <a:schemeClr val="tx1"/>
+                </a:solidFill>
+                <a:latin typeface="Courier New" panose="02070309020205020404" pitchFamily="49" charset="0"/>
+                <a:cs typeface="Courier New" panose="02070309020205020404" pitchFamily="49" charset="0"/>
+              </a:rPr>
+              <a:t>forEach</a:t>
+            </a:r>
+            <a:r>
+              <a:rPr lang="en-US" altLang="zh-CN" dirty="0">
+                <a:solidFill>
+                  <a:schemeClr val="tx1"/>
+                </a:solidFill>
+                <a:latin typeface="Courier New" panose="02070309020205020404" pitchFamily="49" charset="0"/>
+                <a:cs typeface="Courier New" panose="02070309020205020404" pitchFamily="49" charset="0"/>
+              </a:rPr>
+              <a:t>()</a:t>
+            </a:r>
+          </a:p>
+          <a:p>
+            <a:r>
+              <a:rPr lang="en-US" altLang="zh-CN" dirty="0">
+                <a:solidFill>
+                  <a:schemeClr val="tx1"/>
+                </a:solidFill>
+                <a:latin typeface="Courier New" panose="02070309020205020404" pitchFamily="49" charset="0"/>
+                <a:cs typeface="Courier New" panose="02070309020205020404" pitchFamily="49" charset="0"/>
+              </a:rPr>
+              <a:t>every()</a:t>
+            </a:r>
+          </a:p>
+          <a:p>
+            <a:r>
+              <a:rPr lang="en-US" altLang="zh-CN" dirty="0">
+                <a:solidFill>
+                  <a:schemeClr val="tx1"/>
+                </a:solidFill>
+                <a:latin typeface="Courier New" panose="02070309020205020404" pitchFamily="49" charset="0"/>
+                <a:cs typeface="Courier New" panose="02070309020205020404" pitchFamily="49" charset="0"/>
+              </a:rPr>
+              <a:t>some()</a:t>
+            </a:r>
+          </a:p>
+          <a:p>
+            <a:r>
+              <a:rPr lang="en-US" altLang="zh-CN" dirty="0">
+                <a:solidFill>
+                  <a:schemeClr val="tx1"/>
+                </a:solidFill>
+                <a:latin typeface="Courier New" panose="02070309020205020404" pitchFamily="49" charset="0"/>
+                <a:cs typeface="Courier New" panose="02070309020205020404" pitchFamily="49" charset="0"/>
+              </a:rPr>
+              <a:t>includes()</a:t>
+            </a:r>
+          </a:p>
+          <a:p>
+            <a:r>
+              <a:rPr lang="en-US" altLang="zh-CN" dirty="0">
+                <a:solidFill>
+                  <a:schemeClr val="tx1"/>
+                </a:solidFill>
+                <a:latin typeface="Courier New" panose="02070309020205020404" pitchFamily="49" charset="0"/>
+                <a:cs typeface="Courier New" panose="02070309020205020404" pitchFamily="49" charset="0"/>
+              </a:rPr>
+              <a:t>reduce()</a:t>
+            </a:r>
+          </a:p>
+        </p:txBody>
+      </p:sp>
+      <p:sp>
+        <p:nvSpPr>
+          <p:cNvPr id="7" name="文本框 6">
+            <a:extLst>
+              <a:ext uri="{FF2B5EF4-FFF2-40B4-BE49-F238E27FC236}">
+                <a16:creationId xmlns:a16="http://schemas.microsoft.com/office/drawing/2014/main" id="{44C7276B-1B5D-D44C-94FF-AC4AB8613902}"/>
+              </a:ext>
+            </a:extLst>
+          </p:cNvPr>
+          <p:cNvSpPr txBox="1"/>
+          <p:nvPr/>
+        </p:nvSpPr>
+        <p:spPr>
+          <a:xfrm>
+            <a:off x="1149008" y="3872270"/>
+            <a:ext cx="2749471" cy="707886"/>
+          </a:xfrm>
+          <a:prstGeom prst="rect">
+            <a:avLst/>
+          </a:prstGeom>
+        </p:spPr>
+        <p:txBody>
+          <a:bodyPr wrap="none">
+            <a:spAutoFit/>
+          </a:bodyPr>
+          <a:lstStyle>
+            <a:defPPr>
+              <a:defRPr lang="zh-CN"/>
+            </a:defPPr>
+            <a:lvl1pPr>
+              <a:defRPr sz="4000" b="1">
+                <a:solidFill>
+                  <a:schemeClr val="bg2">
+                    <a:lumMod val="90000"/>
+                  </a:schemeClr>
+                </a:solidFill>
+                <a:latin typeface="Open Sans"/>
+              </a:defRPr>
+            </a:lvl1pPr>
+          </a:lstStyle>
+          <a:p>
+            <a:r>
+              <a:rPr lang="zh-CN" altLang="en-US" dirty="0">
+                <a:solidFill>
+                  <a:schemeClr val="bg1">
+                    <a:lumMod val="75000"/>
+                  </a:schemeClr>
+                </a:solidFill>
+              </a:rPr>
+              <a:t>代理和反射</a:t>
             </a:r>
           </a:p>
         </p:txBody>
@@ -4777,7 +4839,7 @@
     </p:spTree>
     <p:extLst>
       <p:ext uri="{BB962C8B-B14F-4D97-AF65-F5344CB8AC3E}">
-        <p14:creationId xmlns:p14="http://schemas.microsoft.com/office/powerpoint/2010/main" val="2849387715"/>
+        <p14:creationId xmlns:p14="http://schemas.microsoft.com/office/powerpoint/2010/main" val="1917379577"/>
       </p:ext>
     </p:extLst>
   </p:cSld>
@@ -4819,7 +4881,7 @@
         <p:spPr>
           <a:xfrm>
             <a:off x="674238" y="630177"/>
-            <a:ext cx="2343014" cy="830997"/>
+            <a:ext cx="2031325" cy="830997"/>
           </a:xfrm>
           <a:prstGeom prst="rect">
             <a:avLst/>
@@ -4846,27 +4908,22 @@
           </a:lstStyle>
           <a:p>
             <a:r>
-              <a:rPr lang="en-US" altLang="zh-CN" sz="4800" dirty="0">
+              <a:rPr lang="zh-CN" altLang="en-US" sz="4800" dirty="0">
                 <a:solidFill>
                   <a:srgbClr val="00B0F0"/>
                 </a:solidFill>
               </a:rPr>
-              <a:t>Symbol</a:t>
-            </a:r>
-            <a:endParaRPr lang="zh-CN" altLang="en-US" sz="4800" dirty="0">
-              <a:solidFill>
-                <a:srgbClr val="00B0F0"/>
-              </a:solidFill>
-            </a:endParaRPr>
-          </a:p>
-        </p:txBody>
-      </p:sp>
-      <p:sp>
-        <p:nvSpPr>
-          <p:cNvPr id="3" name="文本框 2">
+              <a:t>字符串</a:t>
+            </a:r>
+          </a:p>
+        </p:txBody>
+      </p:sp>
+      <p:sp>
+        <p:nvSpPr>
+          <p:cNvPr id="4" name="文本框 3">
             <a:extLst>
               <a:ext uri="{FF2B5EF4-FFF2-40B4-BE49-F238E27FC236}">
-                <a16:creationId xmlns:a16="http://schemas.microsoft.com/office/drawing/2014/main" id="{2758075F-65D4-A54B-927A-F9A3C1269037}"/>
+                <a16:creationId xmlns:a16="http://schemas.microsoft.com/office/drawing/2014/main" id="{DC0DCBC6-FC4F-A94F-A5F5-BC634F18B1FA}"/>
               </a:ext>
             </a:extLst>
           </p:cNvPr>
@@ -4875,8 +4932,8 @@
         </p:nvSpPr>
         <p:spPr>
           <a:xfrm>
-            <a:off x="3321116" y="1045675"/>
-            <a:ext cx="4311989" cy="369332"/>
+            <a:off x="2705563" y="1045675"/>
+            <a:ext cx="5174413" cy="338554"/>
           </a:xfrm>
           <a:prstGeom prst="rect">
             <a:avLst/>
@@ -4908,16 +4965,24 @@
           </a:lstStyle>
           <a:p>
             <a:r>
-              <a:rPr lang="en-US" altLang="zh-CN" dirty="0"/>
+              <a:rPr lang="en-US" altLang="zh-CN" sz="1600" dirty="0"/>
               <a:t>《</a:t>
             </a:r>
             <a:r>
-              <a:rPr lang="zh-CN" altLang="en-US" dirty="0"/>
+              <a:rPr lang="zh-CN" altLang="en-US" sz="1600" dirty="0"/>
               <a:t>深入理解</a:t>
             </a:r>
             <a:r>
-              <a:rPr lang="en-US" altLang="zh-CN" dirty="0"/>
-              <a:t>ES6》</a:t>
+              <a:rPr lang="en-US" altLang="zh-CN" sz="1600" dirty="0"/>
+              <a:t>ES6》《JavaScript</a:t>
+            </a:r>
+            <a:r>
+              <a:rPr lang="zh-CN" altLang="en-US" sz="1600" dirty="0"/>
+              <a:t>高级程序设计</a:t>
+            </a:r>
+            <a:r>
+              <a:rPr lang="en-US" altLang="zh-CN" sz="1600" dirty="0"/>
+              <a:t>》</a:t>
             </a:r>
           </a:p>
         </p:txBody>
@@ -4925,7 +4990,7 @@
     </p:spTree>
     <p:extLst>
       <p:ext uri="{BB962C8B-B14F-4D97-AF65-F5344CB8AC3E}">
-        <p14:creationId xmlns:p14="http://schemas.microsoft.com/office/powerpoint/2010/main" val="2808989962"/>
+        <p14:creationId xmlns:p14="http://schemas.microsoft.com/office/powerpoint/2010/main" val="794268623"/>
       </p:ext>
     </p:extLst>
   </p:cSld>

--- a/2 前端/《你不知道的JavaScript》.pptx
+++ b/2 前端/《你不知道的JavaScript》.pptx
@@ -216,7 +216,7 @@
           <a:p>
             <a:fld id="{7F25A8C7-CC1A-4A08-9B4B-31F43B054C7F}" type="datetimeFigureOut">
               <a:rPr lang="zh-CN" altLang="en-US" smtClean="0"/>
-              <a:t>2021/4/21</a:t>
+              <a:t>2021/4/22</a:t>
             </a:fld>
             <a:endParaRPr lang="zh-CN" altLang="en-US"/>
           </a:p>
@@ -512,7 +512,7 @@
           <a:p>
             <a:fld id="{760FBDFE-C587-4B4C-A407-44438C67B59E}" type="datetimeFigureOut">
               <a:rPr lang="zh-CN" altLang="en-US" smtClean="0"/>
-              <a:t>2021/4/21</a:t>
+              <a:t>2021/4/22</a:t>
             </a:fld>
             <a:endParaRPr lang="zh-CN" altLang="en-US"/>
           </a:p>
@@ -733,7 +733,7 @@
           <a:p>
             <a:fld id="{D997B5FA-0921-464F-AAE1-844C04324D75}" type="datetimeFigureOut">
               <a:rPr lang="zh-CN" altLang="en-US" smtClean="0"/>
-              <a:t>2021/4/21</a:t>
+              <a:t>2021/4/22</a:t>
             </a:fld>
             <a:endParaRPr lang="zh-CN" altLang="en-US" dirty="0"/>
           </a:p>
@@ -4338,6 +4338,381 @@
             <a:r>
               <a:rPr lang="en-US" altLang="zh-CN" dirty="0"/>
               <a:t>》</a:t>
+            </a:r>
+          </a:p>
+        </p:txBody>
+      </p:sp>
+      <p:sp>
+        <p:nvSpPr>
+          <p:cNvPr id="4" name="文本框 3">
+            <a:extLst>
+              <a:ext uri="{FF2B5EF4-FFF2-40B4-BE49-F238E27FC236}">
+                <a16:creationId xmlns:a16="http://schemas.microsoft.com/office/drawing/2014/main" id="{18164E3E-6ACF-48BE-B6CF-FD7B9C255A1B}"/>
+              </a:ext>
+            </a:extLst>
+          </p:cNvPr>
+          <p:cNvSpPr txBox="1"/>
+          <p:nvPr/>
+        </p:nvSpPr>
+        <p:spPr>
+          <a:xfrm>
+            <a:off x="831754" y="2282520"/>
+            <a:ext cx="1919834" cy="1843903"/>
+          </a:xfrm>
+          <a:prstGeom prst="rect">
+            <a:avLst/>
+          </a:prstGeom>
+        </p:spPr>
+        <p:txBody>
+          <a:bodyPr wrap="square">
+            <a:spAutoFit/>
+          </a:bodyPr>
+          <a:lstStyle>
+            <a:defPPr>
+              <a:defRPr lang="zh-CN"/>
+            </a:defPPr>
+            <a:lvl1pPr>
+              <a:lnSpc>
+                <a:spcPct val="150000"/>
+              </a:lnSpc>
+              <a:defRPr b="0">
+                <a:solidFill>
+                  <a:schemeClr val="tx1">
+                    <a:lumMod val="75000"/>
+                    <a:lumOff val="25000"/>
+                  </a:schemeClr>
+                </a:solidFill>
+                <a:latin typeface="PingFang SC Thin" panose="020B0200000000000000" pitchFamily="34" charset="-122"/>
+                <a:ea typeface="PingFang SC Thin" panose="020B0200000000000000" pitchFamily="34" charset="-122"/>
+              </a:defRPr>
+            </a:lvl1pPr>
+          </a:lstStyle>
+          <a:p>
+            <a:r>
+              <a:rPr lang="zh-CN" altLang="en-US" sz="2400" b="1" dirty="0">
+                <a:latin typeface="Microsoft YaHei" panose="020B0503020204020204" pitchFamily="34" charset="-122"/>
+                <a:ea typeface="Microsoft YaHei" panose="020B0503020204020204" pitchFamily="34" charset="-122"/>
+              </a:rPr>
+              <a:t>内存管理</a:t>
+            </a:r>
+            <a:endParaRPr lang="en-US" altLang="zh-CN" sz="2400" b="1" dirty="0">
+              <a:latin typeface="Microsoft YaHei" panose="020B0503020204020204" pitchFamily="34" charset="-122"/>
+              <a:ea typeface="Microsoft YaHei" panose="020B0503020204020204" pitchFamily="34" charset="-122"/>
+            </a:endParaRPr>
+          </a:p>
+          <a:p>
+            <a:r>
+              <a:rPr lang="zh-CN" altLang="en-US" dirty="0"/>
+              <a:t>内存生命周期</a:t>
+            </a:r>
+            <a:endParaRPr lang="en-US" altLang="zh-CN" dirty="0"/>
+          </a:p>
+          <a:p>
+            <a:r>
+              <a:rPr lang="zh-CN" altLang="en-US" dirty="0"/>
+              <a:t>栈</a:t>
+            </a:r>
+            <a:r>
+              <a:rPr lang="en-US" altLang="zh-CN" dirty="0"/>
+              <a:t>stack</a:t>
+            </a:r>
+          </a:p>
+          <a:p>
+            <a:r>
+              <a:rPr lang="zh-CN" altLang="en-US" dirty="0"/>
+              <a:t>堆</a:t>
+            </a:r>
+            <a:r>
+              <a:rPr lang="en-US" altLang="zh-CN" dirty="0"/>
+              <a:t>heap</a:t>
+            </a:r>
+          </a:p>
+        </p:txBody>
+      </p:sp>
+      <p:sp>
+        <p:nvSpPr>
+          <p:cNvPr id="5" name="文本框 4">
+            <a:extLst>
+              <a:ext uri="{FF2B5EF4-FFF2-40B4-BE49-F238E27FC236}">
+                <a16:creationId xmlns:a16="http://schemas.microsoft.com/office/drawing/2014/main" id="{4DD2E954-96E4-4A02-AC19-49CEA07C941F}"/>
+              </a:ext>
+            </a:extLst>
+          </p:cNvPr>
+          <p:cNvSpPr txBox="1"/>
+          <p:nvPr/>
+        </p:nvSpPr>
+        <p:spPr>
+          <a:xfrm>
+            <a:off x="3390977" y="2282520"/>
+            <a:ext cx="1826660" cy="1428404"/>
+          </a:xfrm>
+          <a:prstGeom prst="rect">
+            <a:avLst/>
+          </a:prstGeom>
+        </p:spPr>
+        <p:txBody>
+          <a:bodyPr wrap="square">
+            <a:spAutoFit/>
+          </a:bodyPr>
+          <a:lstStyle>
+            <a:defPPr>
+              <a:defRPr lang="zh-CN"/>
+            </a:defPPr>
+            <a:lvl1pPr>
+              <a:lnSpc>
+                <a:spcPct val="150000"/>
+              </a:lnSpc>
+              <a:defRPr b="0">
+                <a:solidFill>
+                  <a:schemeClr val="tx1">
+                    <a:lumMod val="75000"/>
+                    <a:lumOff val="25000"/>
+                  </a:schemeClr>
+                </a:solidFill>
+                <a:latin typeface="PingFang SC Thin" panose="020B0200000000000000" pitchFamily="34" charset="-122"/>
+                <a:ea typeface="PingFang SC Thin" panose="020B0200000000000000" pitchFamily="34" charset="-122"/>
+              </a:defRPr>
+            </a:lvl1pPr>
+          </a:lstStyle>
+          <a:p>
+            <a:r>
+              <a:rPr lang="zh-CN" altLang="en-US" sz="2400" b="1" dirty="0">
+                <a:latin typeface="Microsoft YaHei" panose="020B0503020204020204" pitchFamily="34" charset="-122"/>
+                <a:ea typeface="Microsoft YaHei" panose="020B0503020204020204" pitchFamily="34" charset="-122"/>
+              </a:rPr>
+              <a:t>垃圾收集</a:t>
+            </a:r>
+            <a:endParaRPr lang="en-US" altLang="zh-CN" sz="2400" b="1" dirty="0">
+              <a:latin typeface="Microsoft YaHei" panose="020B0503020204020204" pitchFamily="34" charset="-122"/>
+              <a:ea typeface="Microsoft YaHei" panose="020B0503020204020204" pitchFamily="34" charset="-122"/>
+            </a:endParaRPr>
+          </a:p>
+          <a:p>
+            <a:r>
+              <a:rPr lang="zh-CN" altLang="en-US" dirty="0"/>
+              <a:t>引用计数法</a:t>
+            </a:r>
+            <a:endParaRPr lang="en-US" altLang="zh-CN" dirty="0"/>
+          </a:p>
+          <a:p>
+            <a:r>
+              <a:rPr lang="zh-CN" altLang="en-US" dirty="0"/>
+              <a:t>标记清除法</a:t>
+            </a:r>
+            <a:endParaRPr lang="en-US" altLang="zh-CN" dirty="0"/>
+          </a:p>
+        </p:txBody>
+      </p:sp>
+      <p:sp>
+        <p:nvSpPr>
+          <p:cNvPr id="6" name="文本框 5">
+            <a:extLst>
+              <a:ext uri="{FF2B5EF4-FFF2-40B4-BE49-F238E27FC236}">
+                <a16:creationId xmlns:a16="http://schemas.microsoft.com/office/drawing/2014/main" id="{4BF3292D-D5F3-498A-BD62-C7C34E967DCB}"/>
+              </a:ext>
+            </a:extLst>
+          </p:cNvPr>
+          <p:cNvSpPr txBox="1"/>
+          <p:nvPr/>
+        </p:nvSpPr>
+        <p:spPr>
+          <a:xfrm>
+            <a:off x="5857026" y="2282520"/>
+            <a:ext cx="1540538" cy="1428404"/>
+          </a:xfrm>
+          <a:prstGeom prst="rect">
+            <a:avLst/>
+          </a:prstGeom>
+        </p:spPr>
+        <p:txBody>
+          <a:bodyPr wrap="square">
+            <a:spAutoFit/>
+          </a:bodyPr>
+          <a:lstStyle>
+            <a:defPPr>
+              <a:defRPr lang="zh-CN"/>
+            </a:defPPr>
+            <a:lvl1pPr>
+              <a:lnSpc>
+                <a:spcPct val="150000"/>
+              </a:lnSpc>
+              <a:defRPr b="0">
+                <a:solidFill>
+                  <a:schemeClr val="tx1">
+                    <a:lumMod val="75000"/>
+                    <a:lumOff val="25000"/>
+                  </a:schemeClr>
+                </a:solidFill>
+                <a:latin typeface="PingFang SC Thin" panose="020B0200000000000000" pitchFamily="34" charset="-122"/>
+                <a:ea typeface="PingFang SC Thin" panose="020B0200000000000000" pitchFamily="34" charset="-122"/>
+              </a:defRPr>
+            </a:lvl1pPr>
+          </a:lstStyle>
+          <a:p>
+            <a:r>
+              <a:rPr lang="zh-CN" altLang="en-US" sz="2400" b="1" dirty="0">
+                <a:latin typeface="Microsoft YaHei" panose="020B0503020204020204" pitchFamily="34" charset="-122"/>
+                <a:ea typeface="Microsoft YaHei" panose="020B0503020204020204" pitchFamily="34" charset="-122"/>
+              </a:rPr>
+              <a:t>权衡</a:t>
+            </a:r>
+            <a:endParaRPr lang="en-US" altLang="zh-CN" sz="2400" b="1" dirty="0">
+              <a:latin typeface="Microsoft YaHei" panose="020B0503020204020204" pitchFamily="34" charset="-122"/>
+              <a:ea typeface="Microsoft YaHei" panose="020B0503020204020204" pitchFamily="34" charset="-122"/>
+            </a:endParaRPr>
+          </a:p>
+          <a:p>
+            <a:r>
+              <a:rPr lang="zh-CN" altLang="en-US" dirty="0"/>
+              <a:t>内存使用</a:t>
+            </a:r>
+            <a:endParaRPr lang="en-US" altLang="zh-CN" dirty="0"/>
+          </a:p>
+          <a:p>
+            <a:r>
+              <a:rPr lang="zh-CN" altLang="en-US" dirty="0"/>
+              <a:t>性能</a:t>
+            </a:r>
+            <a:endParaRPr lang="en-US" altLang="zh-CN" dirty="0"/>
+          </a:p>
+        </p:txBody>
+      </p:sp>
+      <p:sp>
+        <p:nvSpPr>
+          <p:cNvPr id="8" name="文本框 7">
+            <a:extLst>
+              <a:ext uri="{FF2B5EF4-FFF2-40B4-BE49-F238E27FC236}">
+                <a16:creationId xmlns:a16="http://schemas.microsoft.com/office/drawing/2014/main" id="{3DEEBA3E-767F-4089-AA1B-A8BEA408359D}"/>
+              </a:ext>
+            </a:extLst>
+          </p:cNvPr>
+          <p:cNvSpPr txBox="1"/>
+          <p:nvPr/>
+        </p:nvSpPr>
+        <p:spPr>
+          <a:xfrm>
+            <a:off x="8036953" y="2282520"/>
+            <a:ext cx="3304962" cy="1843903"/>
+          </a:xfrm>
+          <a:prstGeom prst="rect">
+            <a:avLst/>
+          </a:prstGeom>
+        </p:spPr>
+        <p:txBody>
+          <a:bodyPr wrap="square">
+            <a:spAutoFit/>
+          </a:bodyPr>
+          <a:lstStyle>
+            <a:defPPr>
+              <a:defRPr lang="zh-CN"/>
+            </a:defPPr>
+            <a:lvl1pPr>
+              <a:lnSpc>
+                <a:spcPct val="150000"/>
+              </a:lnSpc>
+              <a:defRPr sz="2400" b="1">
+                <a:solidFill>
+                  <a:schemeClr val="tx1">
+                    <a:lumMod val="75000"/>
+                    <a:lumOff val="25000"/>
+                  </a:schemeClr>
+                </a:solidFill>
+                <a:latin typeface="Microsoft YaHei" panose="020B0503020204020204" pitchFamily="34" charset="-122"/>
+                <a:ea typeface="Microsoft YaHei" panose="020B0503020204020204" pitchFamily="34" charset="-122"/>
+              </a:defRPr>
+            </a:lvl1pPr>
+          </a:lstStyle>
+          <a:p>
+            <a:r>
+              <a:rPr lang="zh-CN" altLang="en-US" dirty="0"/>
+              <a:t>内存泄漏</a:t>
+            </a:r>
+            <a:endParaRPr lang="en-US" altLang="zh-CN" dirty="0"/>
+          </a:p>
+          <a:p>
+            <a:r>
+              <a:rPr lang="zh-CN" altLang="en-US" sz="1800" b="0" dirty="0">
+                <a:ea typeface="PingFang SC Thin" panose="020B0200000000000000" pitchFamily="34" charset="-122"/>
+              </a:rPr>
+              <a:t>全局对象</a:t>
+            </a:r>
+            <a:endParaRPr lang="en-US" altLang="zh-CN" sz="1800" b="0" dirty="0">
+              <a:ea typeface="PingFang SC Thin" panose="020B0200000000000000" pitchFamily="34" charset="-122"/>
+            </a:endParaRPr>
+          </a:p>
+          <a:p>
+            <a:r>
+              <a:rPr lang="zh-CN" altLang="en-US" sz="1800" b="0" dirty="0">
+                <a:ea typeface="PingFang SC Thin" panose="020B0200000000000000" pitchFamily="34" charset="-122"/>
+              </a:rPr>
+              <a:t>被遗忘的定时器与回调函数</a:t>
+            </a:r>
+            <a:endParaRPr lang="en-US" altLang="zh-CN" sz="1800" b="0" dirty="0">
+              <a:ea typeface="PingFang SC Thin" panose="020B0200000000000000" pitchFamily="34" charset="-122"/>
+            </a:endParaRPr>
+          </a:p>
+          <a:p>
+            <a:r>
+              <a:rPr lang="en-US" altLang="zh-CN" sz="1800" b="0" dirty="0">
+                <a:ea typeface="PingFang SC Thin" panose="020B0200000000000000" pitchFamily="34" charset="-122"/>
+              </a:rPr>
+              <a:t>DOM</a:t>
+            </a:r>
+            <a:r>
+              <a:rPr lang="zh-CN" altLang="en-US" sz="1800" b="0" dirty="0">
+                <a:ea typeface="PingFang SC Thin" panose="020B0200000000000000" pitchFamily="34" charset="-122"/>
+              </a:rPr>
+              <a:t>引用</a:t>
+            </a:r>
+            <a:endParaRPr lang="en-US" altLang="zh-CN" sz="1800" b="0" dirty="0">
+              <a:ea typeface="PingFang SC Thin" panose="020B0200000000000000" pitchFamily="34" charset="-122"/>
+            </a:endParaRPr>
+          </a:p>
+        </p:txBody>
+      </p:sp>
+      <p:sp>
+        <p:nvSpPr>
+          <p:cNvPr id="7" name="Rectangle 1">
+            <a:extLst>
+              <a:ext uri="{FF2B5EF4-FFF2-40B4-BE49-F238E27FC236}">
+                <a16:creationId xmlns:a16="http://schemas.microsoft.com/office/drawing/2014/main" id="{4D035E16-63D3-4A77-A612-FC645A971E52}"/>
+              </a:ext>
+            </a:extLst>
+          </p:cNvPr>
+          <p:cNvSpPr>
+            <a:spLocks noChangeArrowheads="1"/>
+          </p:cNvSpPr>
+          <p:nvPr/>
+        </p:nvSpPr>
+        <p:spPr bwMode="auto">
+          <a:xfrm>
+            <a:off x="3409580" y="5967660"/>
+            <a:ext cx="4563612" cy="336695"/>
+          </a:xfrm>
+          <a:prstGeom prst="rect">
+            <a:avLst/>
+          </a:prstGeom>
+        </p:spPr>
+        <p:txBody>
+          <a:bodyPr wrap="square">
+            <a:spAutoFit/>
+          </a:bodyPr>
+          <a:lstStyle/>
+          <a:p>
+            <a:pPr>
+              <a:lnSpc>
+                <a:spcPct val="150000"/>
+              </a:lnSpc>
+            </a:pPr>
+            <a:r>
+              <a:rPr lang="zh-CN" altLang="zh-CN" sz="1200" dirty="0">
+                <a:solidFill>
+                  <a:srgbClr val="FF3399"/>
+                </a:solidFill>
+                <a:latin typeface="Microsoft YaHei" panose="020B0503020204020204" pitchFamily="34" charset="-122"/>
+                <a:ea typeface="Microsoft YaHei" panose="020B0503020204020204" pitchFamily="34" charset="-122"/>
+              </a:rPr>
+              <a:t>从2012年起，所有现代浏览器都使用了标记-清除垃圾回收算法 </a:t>
             </a:r>
           </a:p>
         </p:txBody>
